--- a/MLA Java Arya 1st week.pptx
+++ b/MLA Java Arya 1st week.pptx
@@ -116,6 +116,8 @@
     <p:sldId id="360" r:id="rId111"/>
     <p:sldId id="361" r:id="rId112"/>
     <p:sldId id="362" r:id="rId113"/>
+    <p:sldId id="363" r:id="rId114"/>
+    <p:sldId id="364" r:id="rId115"/>
   </p:sldIdLst>
   <p:sldSz cx="10080625" cy="5670550"/>
   <p:notesSz cx="7559675" cy="10691813"/>
@@ -780,7 +782,7 @@
         <p:txBody>
           <a:bodyPr/>
           <a:p>
-            <a:fld id="{4521457B-487C-4807-BCEA-7D79451E7677}" type="slidenum">
+            <a:fld id="{F90C59E2-9E7C-4B2E-B627-F6235C0D0A5D}" type="slidenum">
               <a:t>&lt;#&gt;</a:t>
             </a:fld>
           </a:p>
@@ -937,7 +939,7 @@
         <p:txBody>
           <a:bodyPr/>
           <a:p>
-            <a:fld id="{44FE37A8-C9B2-4350-BD50-E0898024E37C}" type="slidenum">
+            <a:fld id="{81ABA878-877F-472E-8660-93F0C14BB0D7}" type="slidenum">
               <a:t>&lt;#&gt;</a:t>
             </a:fld>
           </a:p>
@@ -1091,7 +1093,7 @@
         <p:txBody>
           <a:bodyPr/>
           <a:p>
-            <a:fld id="{847EE951-283D-4A45-8B07-4C4E938F0452}" type="slidenum">
+            <a:fld id="{771E6C15-FB81-4DE4-8373-F252A3332D3A}" type="slidenum">
               <a:t>&lt;#&gt;</a:t>
             </a:fld>
           </a:p>
@@ -1279,7 +1281,7 @@
         <p:txBody>
           <a:bodyPr/>
           <a:p>
-            <a:fld id="{D64B5D4B-7E43-4DB3-84B0-DA485B5FF377}" type="slidenum">
+            <a:fld id="{6E479108-4506-426F-B5D7-4081AD692F2E}" type="slidenum">
               <a:t>&lt;#&gt;</a:t>
             </a:fld>
           </a:p>
@@ -1399,7 +1401,7 @@
         <p:txBody>
           <a:bodyPr/>
           <a:p>
-            <a:fld id="{3F08E45B-DCBD-4FC5-8F6D-E70AC9E987D7}" type="slidenum">
+            <a:fld id="{F387FBD6-543D-4166-AA80-70F72B9D2FC4}" type="slidenum">
               <a:t>&lt;#&gt;</a:t>
             </a:fld>
           </a:p>
@@ -1519,7 +1521,7 @@
         <p:txBody>
           <a:bodyPr/>
           <a:p>
-            <a:fld id="{0FCF732D-ACC0-42B7-8323-E844626247BC}" type="slidenum">
+            <a:fld id="{81C3F568-9F46-41F7-9407-0CB5C82A37F0}" type="slidenum">
               <a:t>&lt;#&gt;</a:t>
             </a:fld>
           </a:p>
@@ -1741,7 +1743,7 @@
         <p:txBody>
           <a:bodyPr/>
           <a:p>
-            <a:fld id="{C9E7D30D-9E2F-4552-A93B-6BB926538A4B}" type="slidenum">
+            <a:fld id="{D83991DD-DD36-460D-AB84-63849B31FB9C}" type="slidenum">
               <a:t>&lt;#&gt;</a:t>
             </a:fld>
           </a:p>
@@ -2059,7 +2061,7 @@
         <p:txBody>
           <a:bodyPr/>
           <a:p>
-            <a:fld id="{C0DAD7B4-B9EA-4447-86D5-B445B6567853}" type="slidenum">
+            <a:fld id="{9CECE734-3A07-4B0C-8C8D-98ED9A77137C}" type="slidenum">
               <a:t>&lt;#&gt;</a:t>
             </a:fld>
           </a:p>
@@ -2281,7 +2283,7 @@
         <p:txBody>
           <a:bodyPr/>
           <a:p>
-            <a:fld id="{95FCBF02-5F19-45A0-89FD-3FA1AB0DF894}" type="slidenum">
+            <a:fld id="{9B62BED7-6056-4E1E-A3F5-0F1BF86E7646}" type="slidenum">
               <a:t>&lt;#&gt;</a:t>
             </a:fld>
           </a:p>
@@ -2469,7 +2471,7 @@
         <p:txBody>
           <a:bodyPr/>
           <a:p>
-            <a:fld id="{875B8F82-7F17-491C-8821-FA710A3C0A3F}" type="slidenum">
+            <a:fld id="{006D9167-4A90-4F17-A326-E5BC43E2E4CC}" type="slidenum">
               <a:t>&lt;#&gt;</a:t>
             </a:fld>
           </a:p>
@@ -2725,7 +2727,7 @@
         <p:txBody>
           <a:bodyPr/>
           <a:p>
-            <a:fld id="{AB4211FA-B8F1-4C99-A90E-69ADBAB13DC9}" type="slidenum">
+            <a:fld id="{96F73B56-EC4A-40AE-A303-04DDB767F4DE}" type="slidenum">
               <a:t>&lt;#&gt;</a:t>
             </a:fld>
           </a:p>
@@ -3049,7 +3051,7 @@
         <p:txBody>
           <a:bodyPr/>
           <a:p>
-            <a:fld id="{51850E0E-175B-4A71-AE75-9B867B09BB73}" type="slidenum">
+            <a:fld id="{8CD9794A-9157-4319-8939-4A56190D187D}" type="slidenum">
               <a:t>&lt;#&gt;</a:t>
             </a:fld>
           </a:p>
@@ -3132,7 +3134,7 @@
         <p:txBody>
           <a:bodyPr/>
           <a:p>
-            <a:fld id="{0D8EBC8C-D0EB-4C43-BB9F-26CC00106F63}" type="slidenum">
+            <a:fld id="{0410ABBA-3F10-4E4A-9443-83A8C310DC57}" type="slidenum">
               <a:t>&lt;#&gt;</a:t>
             </a:fld>
           </a:p>
@@ -3289,7 +3291,7 @@
         <p:txBody>
           <a:bodyPr/>
           <a:p>
-            <a:fld id="{BF245631-DD82-44BA-927A-57E65FB5AD59}" type="slidenum">
+            <a:fld id="{1CEC0BF2-6C90-4041-AA1B-A3E49982B4DB}" type="slidenum">
               <a:t>&lt;#&gt;</a:t>
             </a:fld>
           </a:p>
@@ -3443,7 +3445,7 @@
         <p:txBody>
           <a:bodyPr/>
           <a:p>
-            <a:fld id="{F87D4F8F-5297-4323-848B-8AD589182B08}" type="slidenum">
+            <a:fld id="{FE1101C8-2A1B-43EF-B635-10F934909300}" type="slidenum">
               <a:t>&lt;#&gt;</a:t>
             </a:fld>
           </a:p>
@@ -3631,7 +3633,7 @@
         <p:txBody>
           <a:bodyPr/>
           <a:p>
-            <a:fld id="{006C9197-D7B2-406A-B674-4DDADF60E010}" type="slidenum">
+            <a:fld id="{59493ECD-726C-43A1-AD30-D6DC15011A89}" type="slidenum">
               <a:t>&lt;#&gt;</a:t>
             </a:fld>
           </a:p>
@@ -3751,7 +3753,7 @@
         <p:txBody>
           <a:bodyPr/>
           <a:p>
-            <a:fld id="{FF05F278-FFFC-4DB9-956D-B4A722A67C3B}" type="slidenum">
+            <a:fld id="{30C415FB-3A45-4BD2-BF4A-67E56609DC55}" type="slidenum">
               <a:t>&lt;#&gt;</a:t>
             </a:fld>
           </a:p>
@@ -3964,7 +3966,7 @@
         <p:txBody>
           <a:bodyPr/>
           <a:p>
-            <a:fld id="{CF9B5C2C-9BD8-46C0-97DF-9561B51EC0FA}" type="slidenum">
+            <a:fld id="{FDCF6445-B3FC-42DE-BE40-5D104C1731E3}" type="slidenum">
               <a:t>&lt;#&gt;</a:t>
             </a:fld>
           </a:p>
@@ -4186,7 +4188,7 @@
         <p:txBody>
           <a:bodyPr/>
           <a:p>
-            <a:fld id="{80D0D8C4-AEFD-4947-8649-3461FACC9B1E}" type="slidenum">
+            <a:fld id="{3E0B27C0-7AA9-4A7B-9463-7CCB7FA78798}" type="slidenum">
               <a:t>&lt;#&gt;</a:t>
             </a:fld>
           </a:p>
@@ -4408,7 +4410,7 @@
         <p:txBody>
           <a:bodyPr/>
           <a:p>
-            <a:fld id="{2C7CCC7C-6B18-4D9E-8263-F5485D1F3CAE}" type="slidenum">
+            <a:fld id="{7A30ACA3-D0F7-461D-A112-FD642BD58121}" type="slidenum">
               <a:t>&lt;#&gt;</a:t>
             </a:fld>
           </a:p>
@@ -4630,7 +4632,7 @@
         <p:txBody>
           <a:bodyPr/>
           <a:p>
-            <a:fld id="{4AAF6438-3C70-4F30-A796-47AB9A960411}" type="slidenum">
+            <a:fld id="{23DFB3E7-0899-460D-8442-CFBF1EFC3236}" type="slidenum">
               <a:t>&lt;#&gt;</a:t>
             </a:fld>
           </a:p>
@@ -4818,7 +4820,7 @@
         <p:txBody>
           <a:bodyPr/>
           <a:p>
-            <a:fld id="{3F07F562-2059-4AFE-9860-2398833E81E8}" type="slidenum">
+            <a:fld id="{DB1BF085-0CBB-4556-B400-76BB6DFE42C5}" type="slidenum">
               <a:t>&lt;#&gt;</a:t>
             </a:fld>
           </a:p>
@@ -5074,7 +5076,7 @@
         <p:txBody>
           <a:bodyPr/>
           <a:p>
-            <a:fld id="{2D42FD7F-1AAD-45D0-89CC-A474AA76E010}" type="slidenum">
+            <a:fld id="{C7B12B5A-6D8F-4618-A5BF-891B1D6B07AA}" type="slidenum">
               <a:t>&lt;#&gt;</a:t>
             </a:fld>
           </a:p>
@@ -5398,7 +5400,7 @@
         <p:txBody>
           <a:bodyPr/>
           <a:p>
-            <a:fld id="{C2F0121F-D25A-4A63-B58D-D4E996423B96}" type="slidenum">
+            <a:fld id="{9EC075A1-A122-449F-A906-D3A7CEAEB1FD}" type="slidenum">
               <a:t>&lt;#&gt;</a:t>
             </a:fld>
           </a:p>
@@ -5481,7 +5483,7 @@
         <p:txBody>
           <a:bodyPr/>
           <a:p>
-            <a:fld id="{5B4537A0-035B-4F90-AAD7-9D2D9B0CEB98}" type="slidenum">
+            <a:fld id="{6EB5A541-89A8-4911-A91B-C29A182ED6F2}" type="slidenum">
               <a:t>&lt;#&gt;</a:t>
             </a:fld>
           </a:p>
@@ -5638,7 +5640,7 @@
         <p:txBody>
           <a:bodyPr/>
           <a:p>
-            <a:fld id="{2026F100-1FD1-44C6-A278-0E608ED6314B}" type="slidenum">
+            <a:fld id="{094BFCE6-9479-4B34-B468-F2287BDC16EF}" type="slidenum">
               <a:t>&lt;#&gt;</a:t>
             </a:fld>
           </a:p>
@@ -5792,7 +5794,7 @@
         <p:txBody>
           <a:bodyPr/>
           <a:p>
-            <a:fld id="{00F7C12E-FDC9-47FC-9439-E07FBF4CFD82}" type="slidenum">
+            <a:fld id="{9B08B6ED-A727-4718-87CD-96BAF5FE093D}" type="slidenum">
               <a:t>&lt;#&gt;</a:t>
             </a:fld>
           </a:p>
@@ -6107,7 +6109,7 @@
         <p:txBody>
           <a:bodyPr/>
           <a:p>
-            <a:fld id="{0B98018F-0531-4002-817C-31979EE50F8F}" type="slidenum">
+            <a:fld id="{61BBFAB5-0F7A-4232-BFE3-AE508D11EABD}" type="slidenum">
               <a:t>&lt;#&gt;</a:t>
             </a:fld>
           </a:p>
@@ -6227,7 +6229,7 @@
         <p:txBody>
           <a:bodyPr/>
           <a:p>
-            <a:fld id="{15991062-9A8E-473A-A584-AB23C8113BDC}" type="slidenum">
+            <a:fld id="{2BA79BE3-3814-418F-83DE-03346F68C1DC}" type="slidenum">
               <a:t>&lt;#&gt;</a:t>
             </a:fld>
           </a:p>
@@ -6347,7 +6349,7 @@
         <p:txBody>
           <a:bodyPr/>
           <a:p>
-            <a:fld id="{B83437DD-4085-4D7D-9189-5D582D25188A}" type="slidenum">
+            <a:fld id="{E0174940-4334-40E8-8818-D3C5707AA189}" type="slidenum">
               <a:t>&lt;#&gt;</a:t>
             </a:fld>
           </a:p>
@@ -6569,7 +6571,7 @@
         <p:txBody>
           <a:bodyPr/>
           <a:p>
-            <a:fld id="{DAFF2E18-FCE1-454A-8DA1-A63B9680359E}" type="slidenum">
+            <a:fld id="{A447A6C3-07BF-47CE-99D8-1790044A4511}" type="slidenum">
               <a:t>&lt;#&gt;</a:t>
             </a:fld>
           </a:p>
@@ -6791,7 +6793,7 @@
         <p:txBody>
           <a:bodyPr/>
           <a:p>
-            <a:fld id="{9B310FD3-7023-4059-90C9-6B89C2386425}" type="slidenum">
+            <a:fld id="{CAB4CFF1-7C3C-4683-A5F4-4F9D78FBE4A4}" type="slidenum">
               <a:t>&lt;#&gt;</a:t>
             </a:fld>
           </a:p>
@@ -7013,7 +7015,7 @@
         <p:txBody>
           <a:bodyPr/>
           <a:p>
-            <a:fld id="{0F08F152-BB44-4105-A8C9-C95BE75C6E7B}" type="slidenum">
+            <a:fld id="{383D8CDE-1116-4BAA-B7B8-D665301C4ADC}" type="slidenum">
               <a:t>&lt;#&gt;</a:t>
             </a:fld>
           </a:p>
@@ -7201,7 +7203,7 @@
         <p:txBody>
           <a:bodyPr/>
           <a:p>
-            <a:fld id="{31051338-E4BC-4B9D-9BA1-7EABB3F500C3}" type="slidenum">
+            <a:fld id="{A3DD0402-393F-48EA-9A93-6A4F1E8013DE}" type="slidenum">
               <a:t>&lt;#&gt;</a:t>
             </a:fld>
           </a:p>
@@ -7457,7 +7459,7 @@
         <p:txBody>
           <a:bodyPr/>
           <a:p>
-            <a:fld id="{C614C3E5-E955-4E0A-8E58-A4987EB74670}" type="slidenum">
+            <a:fld id="{42F855E0-1950-4E67-A957-DE75475C6417}" type="slidenum">
               <a:t>&lt;#&gt;</a:t>
             </a:fld>
           </a:p>
@@ -7781,7 +7783,7 @@
         <p:txBody>
           <a:bodyPr/>
           <a:p>
-            <a:fld id="{A338B3FD-3929-4884-AC24-1DF768CA20CA}" type="slidenum">
+            <a:fld id="{8E2F8B7C-86E1-46CA-831E-ABB652942D75}" type="slidenum">
               <a:t>&lt;#&gt;</a:t>
             </a:fld>
           </a:p>
@@ -7864,7 +7866,7 @@
         <p:txBody>
           <a:bodyPr/>
           <a:p>
-            <a:fld id="{78C575D2-F425-4A82-91E8-CDE22A10D788}" type="slidenum">
+            <a:fld id="{D33FAF1E-DCD3-48BD-B6A3-0221F850CE28}" type="slidenum">
               <a:t>&lt;#&gt;</a:t>
             </a:fld>
           </a:p>
@@ -8080,7 +8082,7 @@
         <p:txBody>
           <a:bodyPr/>
           <a:p>
-            <a:fld id="{2B4992FB-4001-438D-8040-37258E2C5A5F}" type="slidenum">
+            <a:fld id="{E4E3E7BF-ED69-4B68-8C3E-8B9C21E371B7}" type="slidenum">
               <a:t>&lt;#&gt;</a:t>
             </a:fld>
           </a:p>
@@ -8234,7 +8236,7 @@
         <p:txBody>
           <a:bodyPr/>
           <a:p>
-            <a:fld id="{4B718CEC-486F-48A0-AC16-9EA0C277DEAB}" type="slidenum">
+            <a:fld id="{52D05EAB-5B33-4029-BD9D-075E4A72DD20}" type="slidenum">
               <a:t>&lt;#&gt;</a:t>
             </a:fld>
           </a:p>
@@ -8422,7 +8424,7 @@
         <p:txBody>
           <a:bodyPr/>
           <a:p>
-            <a:fld id="{BBC88DAD-1AD3-4B87-9D94-86B2E72AADB1}" type="slidenum">
+            <a:fld id="{52CF6957-7074-4829-A0E1-EAE7D7A208B5}" type="slidenum">
               <a:t>&lt;#&gt;</a:t>
             </a:fld>
           </a:p>
@@ -8542,7 +8544,7 @@
         <p:txBody>
           <a:bodyPr/>
           <a:p>
-            <a:fld id="{3EF158D1-576C-4994-B313-FC2AEE3C1FD4}" type="slidenum">
+            <a:fld id="{752455AB-AF00-4736-840C-2B4C4C23F713}" type="slidenum">
               <a:t>&lt;#&gt;</a:t>
             </a:fld>
           </a:p>
@@ -8662,7 +8664,7 @@
         <p:txBody>
           <a:bodyPr/>
           <a:p>
-            <a:fld id="{7FB30862-C810-4884-BF62-E7D7941DB8F3}" type="slidenum">
+            <a:fld id="{0E4FCC74-FABA-4D9C-BD5B-2207021BE265}" type="slidenum">
               <a:t>&lt;#&gt;</a:t>
             </a:fld>
           </a:p>
@@ -8884,7 +8886,7 @@
         <p:txBody>
           <a:bodyPr/>
           <a:p>
-            <a:fld id="{C0EF6682-6572-4FAA-9D28-082E178585CF}" type="slidenum">
+            <a:fld id="{8C593BF8-1B1A-430C-B30F-3C5C56C9BFC5}" type="slidenum">
               <a:t>&lt;#&gt;</a:t>
             </a:fld>
           </a:p>
@@ -9106,7 +9108,7 @@
         <p:txBody>
           <a:bodyPr/>
           <a:p>
-            <a:fld id="{8CFD775B-9A65-44E6-BEB3-1C8E44CDDFAB}" type="slidenum">
+            <a:fld id="{7EE35930-E4E3-4986-9A5B-631F311435F2}" type="slidenum">
               <a:t>&lt;#&gt;</a:t>
             </a:fld>
           </a:p>
@@ -9328,7 +9330,7 @@
         <p:txBody>
           <a:bodyPr/>
           <a:p>
-            <a:fld id="{1906E347-F1D8-4FC6-99FB-5225E4E75016}" type="slidenum">
+            <a:fld id="{75C8D426-D197-4049-8071-F299EEF772CC}" type="slidenum">
               <a:t>&lt;#&gt;</a:t>
             </a:fld>
           </a:p>
@@ -9516,7 +9518,7 @@
         <p:txBody>
           <a:bodyPr/>
           <a:p>
-            <a:fld id="{67D5BF4B-EDEA-41DE-9346-40A2A530B456}" type="slidenum">
+            <a:fld id="{88AA93EA-8C42-41A9-98DE-E9CBC553EF5B}" type="slidenum">
               <a:t>&lt;#&gt;</a:t>
             </a:fld>
           </a:p>
@@ -9772,7 +9774,7 @@
         <p:txBody>
           <a:bodyPr/>
           <a:p>
-            <a:fld id="{9B43A6DD-6774-405F-A34C-02A4605E357F}" type="slidenum">
+            <a:fld id="{9D127C62-B8CA-494E-BA32-83FD04C7589C}" type="slidenum">
               <a:t>&lt;#&gt;</a:t>
             </a:fld>
           </a:p>
@@ -10155,7 +10157,7 @@
         <p:txBody>
           <a:bodyPr/>
           <a:p>
-            <a:fld id="{2970C15F-9E0A-40C2-B6D8-7F7E75911115}" type="slidenum">
+            <a:fld id="{FA2A8450-7915-4146-80EB-537F3E586669}" type="slidenum">
               <a:t>&lt;#&gt;</a:t>
             </a:fld>
           </a:p>
@@ -10696,7 +10698,7 @@
         <p:spPr>
           <a:xfrm flipH="1" flipV="1">
             <a:off x="-1440" y="4498560"/>
-            <a:ext cx="10078920" cy="1168920"/>
+            <a:ext cx="10078560" cy="1168560"/>
           </a:xfrm>
           <a:prstGeom prst="flowChartDocument">
             <a:avLst/>
@@ -10710,7 +10712,7 @@
                 <a:srgbClr val="009bdd"/>
               </a:gs>
             </a:gsLst>
-            <a:lin ang="0"/>
+            <a:lin ang="10800000"/>
           </a:gradFill>
           <a:ln w="18000">
             <a:noFill/>
@@ -10737,7 +10739,7 @@
         <p:spPr>
           <a:xfrm>
             <a:off x="360000" y="5220000"/>
-            <a:ext cx="2338920" cy="358920"/>
+            <a:ext cx="2338560" cy="358560"/>
           </a:xfrm>
           <a:prstGeom prst="rect">
             <a:avLst/>
@@ -10789,7 +10791,7 @@
         <p:spPr>
           <a:xfrm>
             <a:off x="3420000" y="5220000"/>
-            <a:ext cx="3238920" cy="358920"/>
+            <a:ext cx="3238560" cy="358560"/>
           </a:xfrm>
           <a:prstGeom prst="rect">
             <a:avLst/>
@@ -10841,7 +10843,7 @@
         <p:spPr>
           <a:xfrm>
             <a:off x="7380000" y="5220000"/>
-            <a:ext cx="2338920" cy="358920"/>
+            <a:ext cx="2338560" cy="358560"/>
           </a:xfrm>
           <a:prstGeom prst="rect">
             <a:avLst/>
@@ -10868,7 +10870,7 @@
               </a:lnSpc>
               <a:buNone/>
             </a:pPr>
-            <a:fld id="{6ABEECDA-0A9F-4713-91FD-6E8971E07DC4}" type="slidenum">
+            <a:fld id="{FE73C0B3-9907-4656-A0F4-DE7EA808B3F9}" type="slidenum">
               <a:rPr b="0" lang="en-IN" sz="1400" spc="-1" strike="noStrike">
                 <a:solidFill>
                   <a:srgbClr val="ffffff"/>
@@ -11153,7 +11155,7 @@
         <p:spPr>
           <a:xfrm>
             <a:off x="0" y="0"/>
-            <a:ext cx="10075680" cy="718920"/>
+            <a:ext cx="10075320" cy="718560"/>
           </a:xfrm>
           <a:prstGeom prst="rect">
             <a:avLst/>
@@ -11194,7 +11196,7 @@
         <p:spPr>
           <a:xfrm>
             <a:off x="3240" y="5040000"/>
-            <a:ext cx="10075680" cy="630360"/>
+            <a:ext cx="10075320" cy="630000"/>
           </a:xfrm>
           <a:prstGeom prst="rect">
             <a:avLst/>
@@ -11239,7 +11241,7 @@
         <p:spPr>
           <a:xfrm>
             <a:off x="3420000" y="5220000"/>
-            <a:ext cx="3238920" cy="358920"/>
+            <a:ext cx="3238560" cy="358560"/>
           </a:xfrm>
           <a:prstGeom prst="rect">
             <a:avLst/>
@@ -11302,7 +11304,7 @@
         <p:spPr>
           <a:xfrm>
             <a:off x="7380000" y="5220000"/>
-            <a:ext cx="2338920" cy="358920"/>
+            <a:ext cx="2338560" cy="358560"/>
           </a:xfrm>
           <a:prstGeom prst="rect">
             <a:avLst/>
@@ -11337,7 +11339,7 @@
               </a:lnSpc>
               <a:buNone/>
             </a:pPr>
-            <a:fld id="{95547220-024E-451A-8C44-EB1EF0FD45CF}" type="slidenum">
+            <a:fld id="{D4C23EBE-ABE4-4571-B074-A0C0223CB53B}" type="slidenum">
               <a:rPr b="0" lang="en-IN" sz="1400" spc="-1" strike="noStrike">
                 <a:solidFill>
                   <a:srgbClr val="ffffff"/>
@@ -11365,7 +11367,7 @@
         <p:spPr>
           <a:xfrm>
             <a:off x="360000" y="5220000"/>
-            <a:ext cx="2338920" cy="358920"/>
+            <a:ext cx="2338560" cy="358560"/>
           </a:xfrm>
           <a:prstGeom prst="rect">
             <a:avLst/>
@@ -11671,7 +11673,7 @@
         <p:spPr>
           <a:xfrm>
             <a:off x="0" y="0"/>
-            <a:ext cx="10075680" cy="718920"/>
+            <a:ext cx="10075320" cy="718560"/>
           </a:xfrm>
           <a:prstGeom prst="rect">
             <a:avLst/>
@@ -11712,7 +11714,7 @@
         <p:spPr>
           <a:xfrm>
             <a:off x="3240" y="5040000"/>
-            <a:ext cx="10075680" cy="630360"/>
+            <a:ext cx="10075320" cy="630000"/>
           </a:xfrm>
           <a:prstGeom prst="rect">
             <a:avLst/>
@@ -11757,7 +11759,7 @@
         <p:spPr>
           <a:xfrm>
             <a:off x="3420000" y="5220000"/>
-            <a:ext cx="3238920" cy="358920"/>
+            <a:ext cx="3238560" cy="358560"/>
           </a:xfrm>
           <a:prstGeom prst="rect">
             <a:avLst/>
@@ -11820,7 +11822,7 @@
         <p:spPr>
           <a:xfrm>
             <a:off x="7380000" y="5220000"/>
-            <a:ext cx="2338920" cy="358920"/>
+            <a:ext cx="2338560" cy="358560"/>
           </a:xfrm>
           <a:prstGeom prst="rect">
             <a:avLst/>
@@ -11855,7 +11857,7 @@
               </a:lnSpc>
               <a:buNone/>
             </a:pPr>
-            <a:fld id="{50D0B9B5-BA4F-45BE-93DB-6E470431BE37}" type="slidenum">
+            <a:fld id="{B9E6D5AB-E608-4B3B-BA2E-1568D51A850E}" type="slidenum">
               <a:rPr b="0" lang="en-IN" sz="1400" spc="-1" strike="noStrike">
                 <a:solidFill>
                   <a:srgbClr val="ffffff"/>
@@ -11883,7 +11885,7 @@
         <p:spPr>
           <a:xfrm>
             <a:off x="360000" y="5220000"/>
-            <a:ext cx="2338920" cy="358920"/>
+            <a:ext cx="2338560" cy="358560"/>
           </a:xfrm>
           <a:prstGeom prst="rect">
             <a:avLst/>
@@ -12189,7 +12191,7 @@
         <p:spPr>
           <a:xfrm>
             <a:off x="0" y="0"/>
-            <a:ext cx="10075680" cy="718920"/>
+            <a:ext cx="10075320" cy="718560"/>
           </a:xfrm>
           <a:prstGeom prst="rect">
             <a:avLst/>
@@ -12230,7 +12232,7 @@
         <p:spPr>
           <a:xfrm>
             <a:off x="3240" y="5040000"/>
-            <a:ext cx="10075680" cy="630360"/>
+            <a:ext cx="10075320" cy="630000"/>
           </a:xfrm>
           <a:prstGeom prst="rect">
             <a:avLst/>
@@ -12275,7 +12277,7 @@
         <p:spPr>
           <a:xfrm>
             <a:off x="3420000" y="5220000"/>
-            <a:ext cx="3238920" cy="358920"/>
+            <a:ext cx="3238560" cy="358560"/>
           </a:xfrm>
           <a:prstGeom prst="rect">
             <a:avLst/>
@@ -12338,7 +12340,7 @@
         <p:spPr>
           <a:xfrm>
             <a:off x="7380000" y="5220000"/>
-            <a:ext cx="2338920" cy="358920"/>
+            <a:ext cx="2338560" cy="358560"/>
           </a:xfrm>
           <a:prstGeom prst="rect">
             <a:avLst/>
@@ -12373,7 +12375,7 @@
               </a:lnSpc>
               <a:buNone/>
             </a:pPr>
-            <a:fld id="{B5C4CE64-E07B-47CA-8629-F7564C373C19}" type="slidenum">
+            <a:fld id="{CAF6AABD-8B08-45CC-8EF0-C33DB38F5625}" type="slidenum">
               <a:rPr b="0" lang="en-IN" sz="1400" spc="-1" strike="noStrike">
                 <a:solidFill>
                   <a:srgbClr val="ffffff"/>
@@ -12401,7 +12403,7 @@
         <p:spPr>
           <a:xfrm>
             <a:off x="360000" y="5220000"/>
-            <a:ext cx="2338920" cy="358920"/>
+            <a:ext cx="2338560" cy="358560"/>
           </a:xfrm>
           <a:prstGeom prst="rect">
             <a:avLst/>
@@ -12707,7 +12709,7 @@
         <p:spPr>
           <a:xfrm>
             <a:off x="0" y="0"/>
-            <a:ext cx="10075680" cy="718920"/>
+            <a:ext cx="10075320" cy="718560"/>
           </a:xfrm>
           <a:prstGeom prst="rect">
             <a:avLst/>
@@ -12748,7 +12750,7 @@
         <p:spPr>
           <a:xfrm>
             <a:off x="3240" y="5040000"/>
-            <a:ext cx="10075680" cy="630360"/>
+            <a:ext cx="10075320" cy="630000"/>
           </a:xfrm>
           <a:prstGeom prst="rect">
             <a:avLst/>
@@ -12793,7 +12795,7 @@
         <p:spPr>
           <a:xfrm>
             <a:off x="3420000" y="5220000"/>
-            <a:ext cx="3238920" cy="358920"/>
+            <a:ext cx="3238560" cy="358560"/>
           </a:xfrm>
           <a:prstGeom prst="rect">
             <a:avLst/>
@@ -12856,7 +12858,7 @@
         <p:spPr>
           <a:xfrm>
             <a:off x="7380000" y="5220000"/>
-            <a:ext cx="2338920" cy="358920"/>
+            <a:ext cx="2338560" cy="358560"/>
           </a:xfrm>
           <a:prstGeom prst="rect">
             <a:avLst/>
@@ -12891,7 +12893,7 @@
               </a:lnSpc>
               <a:buNone/>
             </a:pPr>
-            <a:fld id="{23D2F86A-F892-4B90-A7E8-7215F641FD15}" type="slidenum">
+            <a:fld id="{81905BB6-6C60-4A17-B87C-C8B112E3637D}" type="slidenum">
               <a:rPr b="0" lang="en-IN" sz="1400" spc="-1" strike="noStrike">
                 <a:solidFill>
                   <a:srgbClr val="ffffff"/>
@@ -12919,7 +12921,7 @@
         <p:spPr>
           <a:xfrm>
             <a:off x="360000" y="5220000"/>
-            <a:ext cx="2338920" cy="358920"/>
+            <a:ext cx="2338560" cy="358560"/>
           </a:xfrm>
           <a:prstGeom prst="rect">
             <a:avLst/>
@@ -13229,7 +13231,7 @@
         <p:spPr>
           <a:xfrm>
             <a:off x="0" y="1620000"/>
-            <a:ext cx="8998920" cy="1078920"/>
+            <a:ext cx="8998560" cy="1078560"/>
           </a:xfrm>
           <a:prstGeom prst="rect">
             <a:avLst/>
@@ -13308,7 +13310,7 @@
         <p:spPr>
           <a:xfrm>
             <a:off x="360000" y="180000"/>
-            <a:ext cx="9358920" cy="477000"/>
+            <a:ext cx="9358560" cy="476640"/>
           </a:xfrm>
           <a:prstGeom prst="rect">
             <a:avLst/>
@@ -13375,7 +13377,7 @@
         <p:spPr>
           <a:xfrm>
             <a:off x="360000" y="1080000"/>
-            <a:ext cx="9358920" cy="3598920"/>
+            <a:ext cx="9358560" cy="3598560"/>
           </a:xfrm>
           <a:prstGeom prst="rect">
             <a:avLst/>
@@ -13702,7 +13704,7 @@
         <p:txBody>
           <a:bodyPr/>
           <a:p>
-            <a:fld id="{A7927B9A-97CC-4531-A727-DECB30F9444A}" type="slidenum">
+            <a:fld id="{970A2896-8650-4428-81B4-20C735DA01B4}" type="slidenum">
               <a:t>10</a:t>
             </a:fld>
           </a:p>
@@ -13722,7 +13724,7 @@
         <p:txBody>
           <a:bodyPr/>
           <a:p>
-            <a:fld id="{CF934212-2E33-4616-BE65-F1F574110A3F}" type="datetime1">
+            <a:fld id="{BF8C1878-1404-4029-8399-C492956E58E7}" type="datetime1">
               <a:rPr lang="en-IN"/>
               <a:t>13/12/2024</a:t>
             </a:fld>
@@ -13761,7 +13763,7 @@
       </p:grpSpPr>
       <p:sp>
         <p:nvSpPr>
-          <p:cNvPr id="446" name="PlaceHolder 1"/>
+          <p:cNvPr id="453" name="PlaceHolder 1"/>
           <p:cNvSpPr>
             <a:spLocks noGrp="1"/>
           </p:cNvSpPr>
@@ -13772,7 +13774,7 @@
         <p:spPr>
           <a:xfrm>
             <a:off x="360000" y="180000"/>
-            <a:ext cx="9358920" cy="477000"/>
+            <a:ext cx="9358560" cy="476640"/>
           </a:xfrm>
           <a:prstGeom prst="rect">
             <a:avLst/>
@@ -13788,6 +13790,9 @@
           </a:bodyPr>
           <a:p>
             <a:pPr algn="ctr">
+              <a:lnSpc>
+                <a:spcPct val="100000"/>
+              </a:lnSpc>
               <a:buNone/>
             </a:pPr>
             <a:r>
@@ -13804,7 +13809,7 @@
       </p:sp>
       <p:sp>
         <p:nvSpPr>
-          <p:cNvPr id="447" name="PlaceHolder 2"/>
+          <p:cNvPr id="454" name="PlaceHolder 2"/>
           <p:cNvSpPr>
             <a:spLocks noGrp="1"/>
           </p:cNvSpPr>
@@ -13815,7 +13820,7 @@
         <p:spPr>
           <a:xfrm>
             <a:off x="360000" y="1080000"/>
-            <a:ext cx="9358920" cy="3598920"/>
+            <a:ext cx="9358560" cy="3598560"/>
           </a:xfrm>
           <a:prstGeom prst="rect">
             <a:avLst/>
@@ -13830,7 +13835,101 @@
             <a:noAutofit/>
           </a:bodyPr>
           <a:p>
-            <a:endParaRPr b="0" lang="en-IN" sz="3200" spc="-1" strike="noStrike">
+            <a:pPr indent="-324000">
+              <a:lnSpc>
+                <a:spcPct val="100000"/>
+              </a:lnSpc>
+              <a:buClr>
+                <a:srgbClr val="000000"/>
+              </a:buClr>
+              <a:buFont typeface="Wingdings" charset="2"/>
+              <a:buChar char=""/>
+            </a:pPr>
+            <a:r>
+              <a:rPr b="0" lang="en-IN" sz="1800" spc="-1" strike="noStrike">
+                <a:latin typeface="Arial"/>
+              </a:rPr>
+              <a:t>Equi Join : An equi join uses an equality (=) operator to match rows between tables based on a common column.</a:t>
+            </a:r>
+            <a:endParaRPr b="0" lang="en-IN" sz="1800" spc="-1" strike="noStrike">
+              <a:latin typeface="Arial"/>
+            </a:endParaRPr>
+          </a:p>
+          <a:p>
+            <a:pPr indent="-324000">
+              <a:lnSpc>
+                <a:spcPct val="100000"/>
+              </a:lnSpc>
+              <a:buClr>
+                <a:srgbClr val="000000"/>
+              </a:buClr>
+              <a:buFont typeface="Wingdings" charset="2"/>
+              <a:buChar char=""/>
+            </a:pPr>
+            <a:r>
+              <a:rPr b="0" lang="en-IN" sz="1800" spc="-1" strike="noStrike">
+                <a:latin typeface="Arial"/>
+              </a:rPr>
+              <a:t> </a:t>
+            </a:r>
+            <a:endParaRPr b="0" lang="en-IN" sz="1800" spc="-1" strike="noStrike">
+              <a:latin typeface="Arial"/>
+            </a:endParaRPr>
+          </a:p>
+          <a:p>
+            <a:pPr indent="-324000">
+              <a:lnSpc>
+                <a:spcPct val="100000"/>
+              </a:lnSpc>
+              <a:buClr>
+                <a:srgbClr val="000000"/>
+              </a:buClr>
+              <a:buFont typeface="Wingdings" charset="2"/>
+              <a:buChar char=""/>
+            </a:pPr>
+            <a:r>
+              <a:rPr b="0" lang="en-IN" sz="1800" spc="-1" strike="noStrike">
+                <a:latin typeface="Arial"/>
+              </a:rPr>
+              <a:t>Non-Equi Join :  A non-equi join uses a comparison operator other than = (e.g., &lt;, &gt;, &lt;=, &gt;=, !=) in the join condition.</a:t>
+            </a:r>
+            <a:endParaRPr b="0" lang="en-IN" sz="1800" spc="-1" strike="noStrike">
+              <a:latin typeface="Arial"/>
+            </a:endParaRPr>
+          </a:p>
+          <a:p>
+            <a:pPr indent="-324000">
+              <a:lnSpc>
+                <a:spcPct val="100000"/>
+              </a:lnSpc>
+              <a:buClr>
+                <a:srgbClr val="000000"/>
+              </a:buClr>
+              <a:buFont typeface="Wingdings" charset="2"/>
+              <a:buChar char=""/>
+            </a:pPr>
+            <a:r>
+              <a:rPr b="0" lang="en-IN" sz="1800" spc="-1" strike="noStrike">
+                <a:latin typeface="Arial"/>
+              </a:rPr>
+              <a:t> </a:t>
+            </a:r>
+            <a:endParaRPr b="0" lang="en-IN" sz="1800" spc="-1" strike="noStrike">
+              <a:latin typeface="Arial"/>
+            </a:endParaRPr>
+          </a:p>
+          <a:p>
+            <a:pPr indent="-324000">
+              <a:lnSpc>
+                <a:spcPct val="100000"/>
+              </a:lnSpc>
+              <a:buClr>
+                <a:srgbClr val="000000"/>
+              </a:buClr>
+              <a:buFont typeface="Wingdings" charset="2"/>
+              <a:buChar char=""/>
+            </a:pPr>
+            <a:endParaRPr b="0" lang="en-IN" sz="1800" spc="-1" strike="noStrike">
               <a:latin typeface="Arial"/>
             </a:endParaRPr>
           </a:p>
@@ -13850,7 +13949,7 @@
         <p:txBody>
           <a:bodyPr/>
           <a:p>
-            <a:fld id="{E14D8675-5644-4327-80AC-F67073DF116F}" type="slidenum">
+            <a:fld id="{B449F1DC-1130-46AE-90B9-6C94941D425D}" type="slidenum">
               <a:t>100</a:t>
             </a:fld>
           </a:p>
@@ -13870,7 +13969,7 @@
         <p:txBody>
           <a:bodyPr/>
           <a:p>
-            <a:fld id="{A0E77808-F644-40F9-99F7-1063B04B833B}" type="datetime1">
+            <a:fld id="{18BE8020-F137-4610-9D9C-BDB3015CD679}" type="datetime1">
               <a:rPr lang="en-IN"/>
               <a:t>13/12/2024</a:t>
             </a:fld>
@@ -13909,7 +14008,7 @@
       </p:grpSpPr>
       <p:sp>
         <p:nvSpPr>
-          <p:cNvPr id="448" name="PlaceHolder 1"/>
+          <p:cNvPr id="455" name="PlaceHolder 1"/>
           <p:cNvSpPr>
             <a:spLocks noGrp="1"/>
           </p:cNvSpPr>
@@ -13919,8 +14018,8 @@
         </p:nvSpPr>
         <p:spPr>
           <a:xfrm>
-            <a:off x="360000" y="180000"/>
-            <a:ext cx="9358920" cy="477000"/>
+            <a:off x="360000" y="0"/>
+            <a:ext cx="9358560" cy="476640"/>
           </a:xfrm>
           <a:prstGeom prst="rect">
             <a:avLst/>
@@ -13936,6 +14035,9 @@
           </a:bodyPr>
           <a:p>
             <a:pPr algn="ctr">
+              <a:lnSpc>
+                <a:spcPct val="100000"/>
+              </a:lnSpc>
               <a:buNone/>
             </a:pPr>
             <a:r>
@@ -13952,7 +14054,7 @@
       </p:sp>
       <p:sp>
         <p:nvSpPr>
-          <p:cNvPr id="449" name="PlaceHolder 2"/>
+          <p:cNvPr id="456" name="PlaceHolder 2"/>
           <p:cNvSpPr>
             <a:spLocks noGrp="1"/>
           </p:cNvSpPr>
@@ -13962,8 +14064,8 @@
         </p:nvSpPr>
         <p:spPr>
           <a:xfrm>
-            <a:off x="360000" y="1080000"/>
-            <a:ext cx="9358920" cy="3598920"/>
+            <a:off x="1440" y="720000"/>
+            <a:ext cx="9358560" cy="3598560"/>
           </a:xfrm>
           <a:prstGeom prst="rect">
             <a:avLst/>
@@ -13978,12 +14080,68 @@
             <a:noAutofit/>
           </a:bodyPr>
           <a:p>
-            <a:endParaRPr b="0" lang="en-IN" sz="3200" spc="-1" strike="noStrike">
-              <a:latin typeface="Arial"/>
-            </a:endParaRPr>
-          </a:p>
-        </p:txBody>
-      </p:sp>
+            <a:pPr marL="432000" indent="-324000">
+              <a:spcBef>
+                <a:spcPts val="1417"/>
+              </a:spcBef>
+              <a:buClr>
+                <a:srgbClr val="000000"/>
+              </a:buClr>
+              <a:buSzPct val="45000"/>
+              <a:buFont typeface="Wingdings" charset="2"/>
+              <a:buChar char=""/>
+            </a:pPr>
+            <a:r>
+              <a:rPr b="0" lang="en-IN" sz="1800" spc="-1" strike="noStrike">
+                <a:latin typeface="Arial"/>
+              </a:rPr>
+              <a:t>UNION – Combines two queries results removing the duplicates.  UNION All displays combining both the queries without removing the duplicates.</a:t>
+            </a:r>
+            <a:endParaRPr b="0" lang="en-IN" sz="1800" spc="-1" strike="noStrike">
+              <a:latin typeface="Arial"/>
+            </a:endParaRPr>
+          </a:p>
+          <a:p>
+            <a:pPr marL="432000" indent="-324000">
+              <a:spcBef>
+                <a:spcPts val="1417"/>
+              </a:spcBef>
+              <a:buClr>
+                <a:srgbClr val="000000"/>
+              </a:buClr>
+              <a:buSzPct val="45000"/>
+              <a:buFont typeface="Wingdings" charset="2"/>
+              <a:buChar char=""/>
+            </a:pPr>
+            <a:endParaRPr b="0" lang="en-IN" sz="1800" spc="-1" strike="noStrike">
+              <a:latin typeface="Arial"/>
+            </a:endParaRPr>
+          </a:p>
+        </p:txBody>
+      </p:sp>
+      <p:pic>
+        <p:nvPicPr>
+          <p:cNvPr id="457" name="" descr=""/>
+          <p:cNvPicPr/>
+          <p:nvPr/>
+        </p:nvPicPr>
+        <p:blipFill>
+          <a:blip r:embed="rId1"/>
+          <a:stretch/>
+        </p:blipFill>
+        <p:spPr>
+          <a:xfrm>
+            <a:off x="1368000" y="1259280"/>
+            <a:ext cx="4500720" cy="4500720"/>
+          </a:xfrm>
+          <a:prstGeom prst="rect">
+            <a:avLst/>
+          </a:prstGeom>
+          <a:ln w="0">
+            <a:noFill/>
+          </a:ln>
+        </p:spPr>
+      </p:pic>
       <p:sp>
         <p:nvSpPr>
           <p:cNvPr id="4" name="PlaceHolder 3"/>
@@ -13998,7 +14156,7 @@
         <p:txBody>
           <a:bodyPr/>
           <a:p>
-            <a:fld id="{2B1CD5C7-8949-48A4-A333-A4F9FA870BDD}" type="slidenum">
+            <a:fld id="{B26007D2-49BB-4AE1-AC65-DE90CADD829C}" type="slidenum">
               <a:t>101</a:t>
             </a:fld>
           </a:p>
@@ -14018,7 +14176,7 @@
         <p:txBody>
           <a:bodyPr/>
           <a:p>
-            <a:fld id="{EE9F4B78-C915-4FAD-8F21-0371B01619B6}" type="datetime1">
+            <a:fld id="{2FCD3F7A-0C3C-42B7-975A-5EB5FA16B66F}" type="datetime1">
               <a:rPr lang="en-IN"/>
               <a:t>13/12/2024</a:t>
             </a:fld>
@@ -14057,7 +14215,7 @@
       </p:grpSpPr>
       <p:sp>
         <p:nvSpPr>
-          <p:cNvPr id="450" name="PlaceHolder 1"/>
+          <p:cNvPr id="458" name="PlaceHolder 1"/>
           <p:cNvSpPr>
             <a:spLocks noGrp="1"/>
           </p:cNvSpPr>
@@ -14067,8 +14225,8 @@
         </p:nvSpPr>
         <p:spPr>
           <a:xfrm>
-            <a:off x="360000" y="180000"/>
-            <a:ext cx="9358920" cy="477000"/>
+            <a:off x="360000" y="0"/>
+            <a:ext cx="9358560" cy="476640"/>
           </a:xfrm>
           <a:prstGeom prst="rect">
             <a:avLst/>
@@ -14084,13 +14242,16 @@
           </a:bodyPr>
           <a:p>
             <a:pPr algn="ctr">
+              <a:lnSpc>
+                <a:spcPct val="100000"/>
+              </a:lnSpc>
               <a:buNone/>
             </a:pPr>
             <a:r>
               <a:rPr b="0" lang="en-IN" sz="4400" spc="-1" strike="noStrike">
                 <a:latin typeface="Arial"/>
               </a:rPr>
-              <a:t>String Functions</a:t>
+              <a:t>Set Operations</a:t>
             </a:r>
             <a:endParaRPr b="0" lang="en-IN" sz="4400" spc="-1" strike="noStrike">
               <a:latin typeface="Arial"/>
@@ -14100,7 +14261,7 @@
       </p:sp>
       <p:sp>
         <p:nvSpPr>
-          <p:cNvPr id="451" name="PlaceHolder 2"/>
+          <p:cNvPr id="459" name="PlaceHolder 2"/>
           <p:cNvSpPr>
             <a:spLocks noGrp="1"/>
           </p:cNvSpPr>
@@ -14110,8 +14271,8 @@
         </p:nvSpPr>
         <p:spPr>
           <a:xfrm>
-            <a:off x="360000" y="1080000"/>
-            <a:ext cx="9358920" cy="3598920"/>
+            <a:off x="1440" y="720000"/>
+            <a:ext cx="9358560" cy="3598560"/>
           </a:xfrm>
           <a:prstGeom prst="rect">
             <a:avLst/>
@@ -14126,12 +14287,68 @@
             <a:noAutofit/>
           </a:bodyPr>
           <a:p>
-            <a:endParaRPr b="0" lang="en-IN" sz="3200" spc="-1" strike="noStrike">
-              <a:latin typeface="Arial"/>
-            </a:endParaRPr>
-          </a:p>
-        </p:txBody>
-      </p:sp>
+            <a:pPr marL="432000" indent="-324000">
+              <a:spcBef>
+                <a:spcPts val="1417"/>
+              </a:spcBef>
+              <a:buClr>
+                <a:srgbClr val="000000"/>
+              </a:buClr>
+              <a:buSzPct val="45000"/>
+              <a:buFont typeface="Wingdings" charset="2"/>
+              <a:buChar char=""/>
+            </a:pPr>
+            <a:r>
+              <a:rPr b="0" lang="en-IN" sz="1800" spc="-1" strike="noStrike">
+                <a:latin typeface="Arial"/>
+              </a:rPr>
+              <a:t>INTERSECT is the matching records between both the queries but MYSQL does not support INTERSECT.  Workaround can be written.  Minus is first query result – second query result.  Even this is not supported by mysql.  For this operation also workaround can be found.</a:t>
+            </a:r>
+            <a:endParaRPr b="0" lang="en-IN" sz="1800" spc="-1" strike="noStrike">
+              <a:latin typeface="Arial"/>
+            </a:endParaRPr>
+          </a:p>
+          <a:p>
+            <a:pPr marL="432000" indent="-324000">
+              <a:spcBef>
+                <a:spcPts val="1417"/>
+              </a:spcBef>
+              <a:buClr>
+                <a:srgbClr val="000000"/>
+              </a:buClr>
+              <a:buSzPct val="45000"/>
+              <a:buFont typeface="Wingdings" charset="2"/>
+              <a:buChar char=""/>
+            </a:pPr>
+            <a:endParaRPr b="0" lang="en-IN" sz="1800" spc="-1" strike="noStrike">
+              <a:latin typeface="Arial"/>
+            </a:endParaRPr>
+          </a:p>
+        </p:txBody>
+      </p:sp>
+      <p:pic>
+        <p:nvPicPr>
+          <p:cNvPr id="460" name="" descr=""/>
+          <p:cNvPicPr/>
+          <p:nvPr/>
+        </p:nvPicPr>
+        <p:blipFill>
+          <a:blip r:embed="rId1"/>
+          <a:stretch/>
+        </p:blipFill>
+        <p:spPr>
+          <a:xfrm>
+            <a:off x="484560" y="2160000"/>
+            <a:ext cx="7795440" cy="2720160"/>
+          </a:xfrm>
+          <a:prstGeom prst="rect">
+            <a:avLst/>
+          </a:prstGeom>
+          <a:ln w="0">
+            <a:noFill/>
+          </a:ln>
+        </p:spPr>
+      </p:pic>
       <p:sp>
         <p:nvSpPr>
           <p:cNvPr id="4" name="PlaceHolder 3"/>
@@ -14146,7 +14363,7 @@
         <p:txBody>
           <a:bodyPr/>
           <a:p>
-            <a:fld id="{8242172F-8399-41B7-A8AA-7FCB060E0972}" type="slidenum">
+            <a:fld id="{8E8E14D8-3F11-4341-9213-506D8169D889}" type="slidenum">
               <a:t>102</a:t>
             </a:fld>
           </a:p>
@@ -14166,7 +14383,7 @@
         <p:txBody>
           <a:bodyPr/>
           <a:p>
-            <a:fld id="{9101490C-C4BC-4E9E-BF10-879E7D847B65}" type="datetime1">
+            <a:fld id="{589CD63E-6C16-4331-A0B8-04F379801605}" type="datetime1">
               <a:rPr lang="en-IN"/>
               <a:t>13/12/2024</a:t>
             </a:fld>
@@ -14205,7 +14422,7 @@
       </p:grpSpPr>
       <p:sp>
         <p:nvSpPr>
-          <p:cNvPr id="452" name="PlaceHolder 1"/>
+          <p:cNvPr id="461" name="PlaceHolder 1"/>
           <p:cNvSpPr>
             <a:spLocks noGrp="1"/>
           </p:cNvSpPr>
@@ -14216,7 +14433,7 @@
         <p:spPr>
           <a:xfrm>
             <a:off x="360000" y="180000"/>
-            <a:ext cx="9358920" cy="477000"/>
+            <a:ext cx="9358560" cy="476640"/>
           </a:xfrm>
           <a:prstGeom prst="rect">
             <a:avLst/>
@@ -14232,13 +14449,16 @@
           </a:bodyPr>
           <a:p>
             <a:pPr algn="ctr">
+              <a:lnSpc>
+                <a:spcPct val="100000"/>
+              </a:lnSpc>
               <a:buNone/>
             </a:pPr>
             <a:r>
               <a:rPr b="0" lang="en-IN" sz="4400" spc="-1" strike="noStrike">
                 <a:latin typeface="Arial"/>
               </a:rPr>
-              <a:t>Numeric Functions</a:t>
+              <a:t>String Functions</a:t>
             </a:r>
             <a:endParaRPr b="0" lang="en-IN" sz="4400" spc="-1" strike="noStrike">
               <a:latin typeface="Arial"/>
@@ -14248,7 +14468,7 @@
       </p:sp>
       <p:sp>
         <p:nvSpPr>
-          <p:cNvPr id="453" name="PlaceHolder 2"/>
+          <p:cNvPr id="462" name="PlaceHolder 2"/>
           <p:cNvSpPr>
             <a:spLocks noGrp="1"/>
           </p:cNvSpPr>
@@ -14259,7 +14479,7 @@
         <p:spPr>
           <a:xfrm>
             <a:off x="360000" y="1080000"/>
-            <a:ext cx="9358920" cy="3598920"/>
+            <a:ext cx="9358560" cy="3598560"/>
           </a:xfrm>
           <a:prstGeom prst="rect">
             <a:avLst/>
@@ -14280,6 +14500,29 @@
           </a:p>
         </p:txBody>
       </p:sp>
+      <p:pic>
+        <p:nvPicPr>
+          <p:cNvPr id="463" name="" descr=""/>
+          <p:cNvPicPr/>
+          <p:nvPr/>
+        </p:nvPicPr>
+        <p:blipFill>
+          <a:blip r:embed="rId1"/>
+          <a:stretch/>
+        </p:blipFill>
+        <p:spPr>
+          <a:xfrm>
+            <a:off x="21240" y="1166760"/>
+            <a:ext cx="10080360" cy="3357000"/>
+          </a:xfrm>
+          <a:prstGeom prst="rect">
+            <a:avLst/>
+          </a:prstGeom>
+          <a:ln w="0">
+            <a:noFill/>
+          </a:ln>
+        </p:spPr>
+      </p:pic>
       <p:sp>
         <p:nvSpPr>
           <p:cNvPr id="4" name="PlaceHolder 3"/>
@@ -14294,7 +14537,7 @@
         <p:txBody>
           <a:bodyPr/>
           <a:p>
-            <a:fld id="{FC5AD7D8-E1BE-4D8B-AFA4-6DE541138E06}" type="slidenum">
+            <a:fld id="{EAC9EA8D-654C-461D-8A5A-EFFFEACAC806}" type="slidenum">
               <a:t>103</a:t>
             </a:fld>
           </a:p>
@@ -14314,7 +14557,7 @@
         <p:txBody>
           <a:bodyPr/>
           <a:p>
-            <a:fld id="{B1283098-7729-4AB3-9C79-B8D86C761E34}" type="datetime1">
+            <a:fld id="{30EC23CE-A318-4F78-9053-FF04778731F1}" type="datetime1">
               <a:rPr lang="en-IN"/>
               <a:t>13/12/2024</a:t>
             </a:fld>
@@ -14353,7 +14596,7 @@
       </p:grpSpPr>
       <p:sp>
         <p:nvSpPr>
-          <p:cNvPr id="454" name="PlaceHolder 1"/>
+          <p:cNvPr id="464" name="PlaceHolder 1"/>
           <p:cNvSpPr>
             <a:spLocks noGrp="1"/>
           </p:cNvSpPr>
@@ -14364,7 +14607,7 @@
         <p:spPr>
           <a:xfrm>
             <a:off x="360000" y="180000"/>
-            <a:ext cx="9358920" cy="477000"/>
+            <a:ext cx="9358560" cy="476640"/>
           </a:xfrm>
           <a:prstGeom prst="rect">
             <a:avLst/>
@@ -14380,13 +14623,16 @@
           </a:bodyPr>
           <a:p>
             <a:pPr algn="ctr">
+              <a:lnSpc>
+                <a:spcPct val="100000"/>
+              </a:lnSpc>
               <a:buNone/>
             </a:pPr>
             <a:r>
               <a:rPr b="0" lang="en-IN" sz="4400" spc="-1" strike="noStrike">
                 <a:latin typeface="Arial"/>
               </a:rPr>
-              <a:t>Date Functions</a:t>
+              <a:t>Numeric Functions</a:t>
             </a:r>
             <a:endParaRPr b="0" lang="en-IN" sz="4400" spc="-1" strike="noStrike">
               <a:latin typeface="Arial"/>
@@ -14396,7 +14642,7 @@
       </p:sp>
       <p:sp>
         <p:nvSpPr>
-          <p:cNvPr id="455" name="PlaceHolder 2"/>
+          <p:cNvPr id="465" name="PlaceHolder 2"/>
           <p:cNvSpPr>
             <a:spLocks noGrp="1"/>
           </p:cNvSpPr>
@@ -14407,7 +14653,7 @@
         <p:spPr>
           <a:xfrm>
             <a:off x="360000" y="1080000"/>
-            <a:ext cx="9358920" cy="3598920"/>
+            <a:ext cx="9358560" cy="3598560"/>
           </a:xfrm>
           <a:prstGeom prst="rect">
             <a:avLst/>
@@ -14428,6 +14674,29 @@
           </a:p>
         </p:txBody>
       </p:sp>
+      <p:pic>
+        <p:nvPicPr>
+          <p:cNvPr id="466" name="" descr=""/>
+          <p:cNvPicPr/>
+          <p:nvPr/>
+        </p:nvPicPr>
+        <p:blipFill>
+          <a:blip r:embed="rId1"/>
+          <a:stretch/>
+        </p:blipFill>
+        <p:spPr>
+          <a:xfrm>
+            <a:off x="0" y="656640"/>
+            <a:ext cx="8241120" cy="5103360"/>
+          </a:xfrm>
+          <a:prstGeom prst="rect">
+            <a:avLst/>
+          </a:prstGeom>
+          <a:ln w="0">
+            <a:noFill/>
+          </a:ln>
+        </p:spPr>
+      </p:pic>
       <p:sp>
         <p:nvSpPr>
           <p:cNvPr id="4" name="PlaceHolder 3"/>
@@ -14442,7 +14711,7 @@
         <p:txBody>
           <a:bodyPr/>
           <a:p>
-            <a:fld id="{9EF51256-E689-4B98-B16E-DDB6FB435A87}" type="slidenum">
+            <a:fld id="{3D32F853-B72B-4CF4-8A33-6803ED8C3D03}" type="slidenum">
               <a:t>104</a:t>
             </a:fld>
           </a:p>
@@ -14462,7 +14731,7 @@
         <p:txBody>
           <a:bodyPr/>
           <a:p>
-            <a:fld id="{ED7C5318-61BE-4C2B-B700-9EFBFDF5E93D}" type="datetime1">
+            <a:fld id="{9DAB2868-FCD0-43C3-9E23-DA23948F8F40}" type="datetime1">
               <a:rPr lang="en-IN"/>
               <a:t>13/12/2024</a:t>
             </a:fld>
@@ -14501,7 +14770,7 @@
       </p:grpSpPr>
       <p:sp>
         <p:nvSpPr>
-          <p:cNvPr id="456" name="PlaceHolder 1"/>
+          <p:cNvPr id="467" name="PlaceHolder 1"/>
           <p:cNvSpPr>
             <a:spLocks noGrp="1"/>
           </p:cNvSpPr>
@@ -14512,7 +14781,7 @@
         <p:spPr>
           <a:xfrm>
             <a:off x="360000" y="180000"/>
-            <a:ext cx="9358920" cy="477000"/>
+            <a:ext cx="9358560" cy="476640"/>
           </a:xfrm>
           <a:prstGeom prst="rect">
             <a:avLst/>
@@ -14528,13 +14797,16 @@
           </a:bodyPr>
           <a:p>
             <a:pPr algn="ctr">
+              <a:lnSpc>
+                <a:spcPct val="100000"/>
+              </a:lnSpc>
               <a:buNone/>
             </a:pPr>
             <a:r>
               <a:rPr b="0" lang="en-IN" sz="4400" spc="-1" strike="noStrike">
                 <a:latin typeface="Arial"/>
               </a:rPr>
-              <a:t>Aggregate Functions</a:t>
+              <a:t>Date Functions</a:t>
             </a:r>
             <a:endParaRPr b="0" lang="en-IN" sz="4400" spc="-1" strike="noStrike">
               <a:latin typeface="Arial"/>
@@ -14542,43 +14814,32 @@
           </a:p>
         </p:txBody>
       </p:sp>
-      <p:sp>
-        <p:nvSpPr>
-          <p:cNvPr id="457" name="PlaceHolder 2"/>
-          <p:cNvSpPr>
-            <a:spLocks noGrp="1"/>
-          </p:cNvSpPr>
-          <p:nvPr>
-            <p:ph/>
-          </p:nvPr>
-        </p:nvSpPr>
-        <p:spPr>
-          <a:xfrm>
-            <a:off x="360000" y="1080000"/>
-            <a:ext cx="9358920" cy="3598920"/>
-          </a:xfrm>
-          <a:prstGeom prst="rect">
-            <a:avLst/>
-          </a:prstGeom>
-          <a:noFill/>
-          <a:ln w="0">
-            <a:noFill/>
-          </a:ln>
-        </p:spPr>
-        <p:txBody>
-          <a:bodyPr lIns="0" rIns="0" tIns="0" bIns="0" anchor="t">
-            <a:noAutofit/>
-          </a:bodyPr>
-          <a:p>
-            <a:endParaRPr b="0" lang="en-IN" sz="3200" spc="-1" strike="noStrike">
-              <a:latin typeface="Arial"/>
-            </a:endParaRPr>
-          </a:p>
-        </p:txBody>
-      </p:sp>
-      <p:sp>
-        <p:nvSpPr>
-          <p:cNvPr id="4" name="PlaceHolder 3"/>
+      <p:pic>
+        <p:nvPicPr>
+          <p:cNvPr id="468" name="" descr=""/>
+          <p:cNvPicPr/>
+          <p:nvPr/>
+        </p:nvPicPr>
+        <p:blipFill>
+          <a:blip r:embed="rId1"/>
+          <a:stretch/>
+        </p:blipFill>
+        <p:spPr>
+          <a:xfrm>
+            <a:off x="21240" y="750960"/>
+            <a:ext cx="10080360" cy="4764960"/>
+          </a:xfrm>
+          <a:prstGeom prst="rect">
+            <a:avLst/>
+          </a:prstGeom>
+          <a:ln w="0">
+            <a:noFill/>
+          </a:ln>
+        </p:spPr>
+      </p:pic>
+      <p:sp>
+        <p:nvSpPr>
+          <p:cNvPr id="3" name="PlaceHolder 2"/>
           <p:cNvSpPr>
             <a:spLocks noGrp="1"/>
           </p:cNvSpPr>
@@ -14590,7 +14851,7 @@
         <p:txBody>
           <a:bodyPr/>
           <a:p>
-            <a:fld id="{5931C840-B95B-4D09-B116-24E5D7F8E3E5}" type="slidenum">
+            <a:fld id="{F6A7597A-E38A-4BBB-9987-410BC0026C9B}" type="slidenum">
               <a:t>105</a:t>
             </a:fld>
           </a:p>
@@ -14598,7 +14859,7 @@
       </p:sp>
       <p:sp>
         <p:nvSpPr>
-          <p:cNvPr id="5" name="PlaceHolder 4"/>
+          <p:cNvPr id="4" name="PlaceHolder 3"/>
           <p:cNvSpPr>
             <a:spLocks noGrp="1"/>
           </p:cNvSpPr>
@@ -14610,7 +14871,7 @@
         <p:txBody>
           <a:bodyPr/>
           <a:p>
-            <a:fld id="{345A3720-4AE3-4580-A0CB-245099ED5DA9}" type="datetime1">
+            <a:fld id="{DF40B14E-7B5F-4F9B-A4AE-BBC8144B44C0}" type="datetime1">
               <a:rPr lang="en-IN"/>
               <a:t>13/12/2024</a:t>
             </a:fld>
@@ -14649,7 +14910,7 @@
       </p:grpSpPr>
       <p:sp>
         <p:nvSpPr>
-          <p:cNvPr id="458" name="PlaceHolder 1"/>
+          <p:cNvPr id="469" name="PlaceHolder 1"/>
           <p:cNvSpPr>
             <a:spLocks noGrp="1"/>
           </p:cNvSpPr>
@@ -14660,7 +14921,7 @@
         <p:spPr>
           <a:xfrm>
             <a:off x="360000" y="180000"/>
-            <a:ext cx="9358920" cy="477000"/>
+            <a:ext cx="9358560" cy="476640"/>
           </a:xfrm>
           <a:prstGeom prst="rect">
             <a:avLst/>
@@ -14676,13 +14937,16 @@
           </a:bodyPr>
           <a:p>
             <a:pPr algn="ctr">
+              <a:lnSpc>
+                <a:spcPct val="100000"/>
+              </a:lnSpc>
               <a:buNone/>
             </a:pPr>
             <a:r>
               <a:rPr b="0" lang="en-IN" sz="4400" spc="-1" strike="noStrike">
                 <a:latin typeface="Arial"/>
               </a:rPr>
-              <a:t>Generate Groups</a:t>
+              <a:t>Date Functions</a:t>
             </a:r>
             <a:endParaRPr b="0" lang="en-IN" sz="4400" spc="-1" strike="noStrike">
               <a:latin typeface="Arial"/>
@@ -14690,43 +14954,32 @@
           </a:p>
         </p:txBody>
       </p:sp>
-      <p:sp>
-        <p:nvSpPr>
-          <p:cNvPr id="459" name="PlaceHolder 2"/>
-          <p:cNvSpPr>
-            <a:spLocks noGrp="1"/>
-          </p:cNvSpPr>
-          <p:nvPr>
-            <p:ph/>
-          </p:nvPr>
-        </p:nvSpPr>
-        <p:spPr>
-          <a:xfrm>
-            <a:off x="360000" y="1080000"/>
-            <a:ext cx="9358920" cy="3598920"/>
-          </a:xfrm>
-          <a:prstGeom prst="rect">
-            <a:avLst/>
-          </a:prstGeom>
-          <a:noFill/>
-          <a:ln w="0">
-            <a:noFill/>
-          </a:ln>
-        </p:spPr>
-        <p:txBody>
-          <a:bodyPr lIns="0" rIns="0" tIns="0" bIns="0" anchor="t">
-            <a:noAutofit/>
-          </a:bodyPr>
-          <a:p>
-            <a:endParaRPr b="0" lang="en-IN" sz="3200" spc="-1" strike="noStrike">
-              <a:latin typeface="Arial"/>
-            </a:endParaRPr>
-          </a:p>
-        </p:txBody>
-      </p:sp>
-      <p:sp>
-        <p:nvSpPr>
-          <p:cNvPr id="4" name="PlaceHolder 3"/>
+      <p:pic>
+        <p:nvPicPr>
+          <p:cNvPr id="470" name="" descr=""/>
+          <p:cNvPicPr/>
+          <p:nvPr/>
+        </p:nvPicPr>
+        <p:blipFill>
+          <a:blip r:embed="rId1"/>
+          <a:stretch/>
+        </p:blipFill>
+        <p:spPr>
+          <a:xfrm>
+            <a:off x="751320" y="1020960"/>
+            <a:ext cx="3748680" cy="3299040"/>
+          </a:xfrm>
+          <a:prstGeom prst="rect">
+            <a:avLst/>
+          </a:prstGeom>
+          <a:ln w="0">
+            <a:noFill/>
+          </a:ln>
+        </p:spPr>
+      </p:pic>
+      <p:sp>
+        <p:nvSpPr>
+          <p:cNvPr id="3" name="PlaceHolder 2"/>
           <p:cNvSpPr>
             <a:spLocks noGrp="1"/>
           </p:cNvSpPr>
@@ -14738,7 +14991,7 @@
         <p:txBody>
           <a:bodyPr/>
           <a:p>
-            <a:fld id="{AF40E9D9-39AD-47AD-AF5D-F6E0EBF1E1EF}" type="slidenum">
+            <a:fld id="{792B64E4-7337-4268-B746-15A992BA73CC}" type="slidenum">
               <a:t>106</a:t>
             </a:fld>
           </a:p>
@@ -14746,7 +14999,7 @@
       </p:sp>
       <p:sp>
         <p:nvSpPr>
-          <p:cNvPr id="5" name="PlaceHolder 4"/>
+          <p:cNvPr id="4" name="PlaceHolder 3"/>
           <p:cNvSpPr>
             <a:spLocks noGrp="1"/>
           </p:cNvSpPr>
@@ -14758,7 +15011,7 @@
         <p:txBody>
           <a:bodyPr/>
           <a:p>
-            <a:fld id="{1F84AFA2-EC0D-4974-A755-FB0B17CD1DD5}" type="datetime1">
+            <a:fld id="{AC169F40-8400-49A7-AFAE-7D832FAA1999}" type="datetime1">
               <a:rPr lang="en-IN"/>
               <a:t>13/12/2024</a:t>
             </a:fld>
@@ -14797,7 +15050,7 @@
       </p:grpSpPr>
       <p:sp>
         <p:nvSpPr>
-          <p:cNvPr id="460" name="PlaceHolder 1"/>
+          <p:cNvPr id="471" name="PlaceHolder 1"/>
           <p:cNvSpPr>
             <a:spLocks noGrp="1"/>
           </p:cNvSpPr>
@@ -14808,7 +15061,332 @@
         <p:spPr>
           <a:xfrm>
             <a:off x="360000" y="180000"/>
-            <a:ext cx="9358920" cy="477000"/>
+            <a:ext cx="9358560" cy="476640"/>
+          </a:xfrm>
+          <a:prstGeom prst="rect">
+            <a:avLst/>
+          </a:prstGeom>
+          <a:noFill/>
+          <a:ln w="0">
+            <a:noFill/>
+          </a:ln>
+        </p:spPr>
+        <p:txBody>
+          <a:bodyPr lIns="0" rIns="0" tIns="0" bIns="0" anchor="ctr">
+            <a:noAutofit/>
+          </a:bodyPr>
+          <a:p>
+            <a:pPr algn="ctr">
+              <a:lnSpc>
+                <a:spcPct val="100000"/>
+              </a:lnSpc>
+              <a:buNone/>
+            </a:pPr>
+            <a:r>
+              <a:rPr b="0" lang="en-IN" sz="4400" spc="-1" strike="noStrike">
+                <a:latin typeface="Arial"/>
+              </a:rPr>
+              <a:t>Aggregate Functions</a:t>
+            </a:r>
+            <a:endParaRPr b="0" lang="en-IN" sz="4400" spc="-1" strike="noStrike">
+              <a:latin typeface="Arial"/>
+            </a:endParaRPr>
+          </a:p>
+        </p:txBody>
+      </p:sp>
+      <p:sp>
+        <p:nvSpPr>
+          <p:cNvPr id="472" name="PlaceHolder 2"/>
+          <p:cNvSpPr>
+            <a:spLocks noGrp="1"/>
+          </p:cNvSpPr>
+          <p:nvPr>
+            <p:ph/>
+          </p:nvPr>
+        </p:nvSpPr>
+        <p:spPr>
+          <a:xfrm>
+            <a:off x="360000" y="1080000"/>
+            <a:ext cx="9358560" cy="3598560"/>
+          </a:xfrm>
+          <a:prstGeom prst="rect">
+            <a:avLst/>
+          </a:prstGeom>
+          <a:noFill/>
+          <a:ln w="0">
+            <a:noFill/>
+          </a:ln>
+        </p:spPr>
+        <p:txBody>
+          <a:bodyPr lIns="0" rIns="0" tIns="0" bIns="0" anchor="t">
+            <a:noAutofit/>
+          </a:bodyPr>
+          <a:p>
+            <a:endParaRPr b="0" lang="en-IN" sz="3200" spc="-1" strike="noStrike">
+              <a:latin typeface="Arial"/>
+            </a:endParaRPr>
+          </a:p>
+        </p:txBody>
+      </p:sp>
+      <p:pic>
+        <p:nvPicPr>
+          <p:cNvPr id="473" name="" descr=""/>
+          <p:cNvPicPr/>
+          <p:nvPr/>
+        </p:nvPicPr>
+        <p:blipFill>
+          <a:blip r:embed="rId1"/>
+          <a:stretch/>
+        </p:blipFill>
+        <p:spPr>
+          <a:xfrm>
+            <a:off x="211320" y="2479680"/>
+            <a:ext cx="9700560" cy="731160"/>
+          </a:xfrm>
+          <a:prstGeom prst="rect">
+            <a:avLst/>
+          </a:prstGeom>
+          <a:ln w="0">
+            <a:noFill/>
+          </a:ln>
+        </p:spPr>
+      </p:pic>
+      <p:sp>
+        <p:nvSpPr>
+          <p:cNvPr id="4" name="PlaceHolder 3"/>
+          <p:cNvSpPr>
+            <a:spLocks noGrp="1"/>
+          </p:cNvSpPr>
+          <p:nvPr>
+            <p:ph type="sldNum" idx="11"/>
+          </p:nvPr>
+        </p:nvSpPr>
+        <p:spPr/>
+        <p:txBody>
+          <a:bodyPr/>
+          <a:p>
+            <a:fld id="{7E9BC839-E84A-4226-B01A-847ADD4AEE1A}" type="slidenum">
+              <a:t>107</a:t>
+            </a:fld>
+          </a:p>
+        </p:txBody>
+      </p:sp>
+      <p:sp>
+        <p:nvSpPr>
+          <p:cNvPr id="5" name="PlaceHolder 4"/>
+          <p:cNvSpPr>
+            <a:spLocks noGrp="1"/>
+          </p:cNvSpPr>
+          <p:nvPr>
+            <p:ph type="dt" idx="12"/>
+          </p:nvPr>
+        </p:nvSpPr>
+        <p:spPr/>
+        <p:txBody>
+          <a:bodyPr/>
+          <a:p>
+            <a:fld id="{4CA24887-E39D-4123-881E-42479D96CC5A}" type="datetime1">
+              <a:rPr lang="en-IN"/>
+              <a:t>13/12/2024</a:t>
+            </a:fld>
+          </a:p>
+        </p:txBody>
+      </p:sp>
+    </p:spTree>
+  </p:cSld>
+  <mc:AlternateContent>
+    <mc:Choice Requires="p14">
+      <p:transition spd="slow" p14:dur="2000"/>
+    </mc:Choice>
+    <mc:Fallback>
+      <p:transition spd="slow"/>
+    </mc:Fallback>
+  </mc:AlternateContent>
+</p:sld>
+</file>
+
+<file path=ppt/slides/slide108.xml><?xml version="1.0" encoding="utf-8"?>
+<p:sld xmlns:a="http://schemas.openxmlformats.org/drawingml/2006/main" xmlns:p="http://schemas.openxmlformats.org/presentationml/2006/main" xmlns:r="http://schemas.openxmlformats.org/officeDocument/2006/relationships" xmlns:p14="http://schemas.microsoft.com/office/powerpoint/2010/main" xmlns:p15="http://schemas.microsoft.com/office/powerpoint/2012/main" xmlns:mc="http://schemas.openxmlformats.org/markup-compatibility/2006">
+  <p:cSld>
+    <p:spTree>
+      <p:nvGrpSpPr>
+        <p:cNvPr id="1" name=""/>
+        <p:cNvGrpSpPr/>
+        <p:nvPr/>
+      </p:nvGrpSpPr>
+      <p:grpSpPr>
+        <a:xfrm>
+          <a:off x="0" y="0"/>
+          <a:ext cx="0" cy="0"/>
+          <a:chOff x="0" y="0"/>
+          <a:chExt cx="0" cy="0"/>
+        </a:xfrm>
+      </p:grpSpPr>
+      <p:sp>
+        <p:nvSpPr>
+          <p:cNvPr id="474" name="PlaceHolder 1"/>
+          <p:cNvSpPr>
+            <a:spLocks noGrp="1"/>
+          </p:cNvSpPr>
+          <p:nvPr>
+            <p:ph type="title"/>
+          </p:nvPr>
+        </p:nvSpPr>
+        <p:spPr>
+          <a:xfrm>
+            <a:off x="360000" y="180000"/>
+            <a:ext cx="9358560" cy="476640"/>
+          </a:xfrm>
+          <a:prstGeom prst="rect">
+            <a:avLst/>
+          </a:prstGeom>
+          <a:noFill/>
+          <a:ln w="0">
+            <a:noFill/>
+          </a:ln>
+        </p:spPr>
+        <p:txBody>
+          <a:bodyPr lIns="0" rIns="0" tIns="0" bIns="0" anchor="ctr">
+            <a:noAutofit/>
+          </a:bodyPr>
+          <a:p>
+            <a:pPr algn="ctr">
+              <a:lnSpc>
+                <a:spcPct val="100000"/>
+              </a:lnSpc>
+              <a:buNone/>
+            </a:pPr>
+            <a:r>
+              <a:rPr b="0" lang="en-IN" sz="4400" spc="-1" strike="noStrike">
+                <a:latin typeface="Arial"/>
+              </a:rPr>
+              <a:t>Generate Groups</a:t>
+            </a:r>
+            <a:endParaRPr b="0" lang="en-IN" sz="4400" spc="-1" strike="noStrike">
+              <a:latin typeface="Arial"/>
+            </a:endParaRPr>
+          </a:p>
+        </p:txBody>
+      </p:sp>
+      <p:sp>
+        <p:nvSpPr>
+          <p:cNvPr id="475" name="PlaceHolder 2"/>
+          <p:cNvSpPr>
+            <a:spLocks noGrp="1"/>
+          </p:cNvSpPr>
+          <p:nvPr>
+            <p:ph/>
+          </p:nvPr>
+        </p:nvSpPr>
+        <p:spPr>
+          <a:xfrm>
+            <a:off x="360000" y="1080000"/>
+            <a:ext cx="9358560" cy="3598560"/>
+          </a:xfrm>
+          <a:prstGeom prst="rect">
+            <a:avLst/>
+          </a:prstGeom>
+          <a:noFill/>
+          <a:ln w="0">
+            <a:noFill/>
+          </a:ln>
+        </p:spPr>
+        <p:txBody>
+          <a:bodyPr lIns="0" rIns="0" tIns="0" bIns="0" anchor="t">
+            <a:noAutofit/>
+          </a:bodyPr>
+          <a:p>
+            <a:endParaRPr b="0" lang="en-IN" sz="3200" spc="-1" strike="noStrike">
+              <a:latin typeface="Arial"/>
+            </a:endParaRPr>
+          </a:p>
+        </p:txBody>
+      </p:sp>
+      <p:sp>
+        <p:nvSpPr>
+          <p:cNvPr id="4" name="PlaceHolder 3"/>
+          <p:cNvSpPr>
+            <a:spLocks noGrp="1"/>
+          </p:cNvSpPr>
+          <p:nvPr>
+            <p:ph type="sldNum" idx="11"/>
+          </p:nvPr>
+        </p:nvSpPr>
+        <p:spPr/>
+        <p:txBody>
+          <a:bodyPr/>
+          <a:p>
+            <a:fld id="{7EA921BD-AAA2-4131-8415-7FC834C60CEF}" type="slidenum">
+              <a:t>108</a:t>
+            </a:fld>
+          </a:p>
+        </p:txBody>
+      </p:sp>
+      <p:sp>
+        <p:nvSpPr>
+          <p:cNvPr id="5" name="PlaceHolder 4"/>
+          <p:cNvSpPr>
+            <a:spLocks noGrp="1"/>
+          </p:cNvSpPr>
+          <p:nvPr>
+            <p:ph type="dt" idx="12"/>
+          </p:nvPr>
+        </p:nvSpPr>
+        <p:spPr/>
+        <p:txBody>
+          <a:bodyPr/>
+          <a:p>
+            <a:fld id="{02895622-5CFC-4E6F-BFA1-3D86948D48E2}" type="datetime1">
+              <a:rPr lang="en-IN"/>
+              <a:t>13/12/2024</a:t>
+            </a:fld>
+          </a:p>
+        </p:txBody>
+      </p:sp>
+    </p:spTree>
+  </p:cSld>
+  <mc:AlternateContent>
+    <mc:Choice Requires="p14">
+      <p:transition spd="slow" p14:dur="2000"/>
+    </mc:Choice>
+    <mc:Fallback>
+      <p:transition spd="slow"/>
+    </mc:Fallback>
+  </mc:AlternateContent>
+</p:sld>
+</file>
+
+<file path=ppt/slides/slide109.xml><?xml version="1.0" encoding="utf-8"?>
+<p:sld xmlns:a="http://schemas.openxmlformats.org/drawingml/2006/main" xmlns:p="http://schemas.openxmlformats.org/presentationml/2006/main" xmlns:r="http://schemas.openxmlformats.org/officeDocument/2006/relationships" xmlns:p14="http://schemas.microsoft.com/office/powerpoint/2010/main" xmlns:p15="http://schemas.microsoft.com/office/powerpoint/2012/main" xmlns:mc="http://schemas.openxmlformats.org/markup-compatibility/2006">
+  <p:cSld>
+    <p:spTree>
+      <p:nvGrpSpPr>
+        <p:cNvPr id="1" name=""/>
+        <p:cNvGrpSpPr/>
+        <p:nvPr/>
+      </p:nvGrpSpPr>
+      <p:grpSpPr>
+        <a:xfrm>
+          <a:off x="0" y="0"/>
+          <a:ext cx="0" cy="0"/>
+          <a:chOff x="0" y="0"/>
+          <a:chExt cx="0" cy="0"/>
+        </a:xfrm>
+      </p:grpSpPr>
+      <p:sp>
+        <p:nvSpPr>
+          <p:cNvPr id="476" name="PlaceHolder 1"/>
+          <p:cNvSpPr>
+            <a:spLocks noGrp="1"/>
+          </p:cNvSpPr>
+          <p:nvPr>
+            <p:ph type="title"/>
+          </p:nvPr>
+        </p:nvSpPr>
+        <p:spPr>
+          <a:xfrm>
+            <a:off x="360000" y="180000"/>
+            <a:ext cx="9358560" cy="476640"/>
           </a:xfrm>
           <a:prstGeom prst="rect">
             <a:avLst/>
@@ -14846,7 +15424,7 @@
       </p:sp>
       <p:sp>
         <p:nvSpPr>
-          <p:cNvPr id="461" name="PlaceHolder 2"/>
+          <p:cNvPr id="477" name="PlaceHolder 2"/>
           <p:cNvSpPr>
             <a:spLocks noGrp="1"/>
           </p:cNvSpPr>
@@ -14857,7 +15435,7 @@
         <p:spPr>
           <a:xfrm>
             <a:off x="360000" y="1080000"/>
-            <a:ext cx="9358920" cy="3598920"/>
+            <a:ext cx="9358560" cy="3598560"/>
           </a:xfrm>
           <a:prstGeom prst="rect">
             <a:avLst/>
@@ -14892,8 +15470,8 @@
         <p:txBody>
           <a:bodyPr/>
           <a:p>
-            <a:fld id="{E265E16B-7B62-4730-AEA1-45B87974A9CF}" type="slidenum">
-              <a:t>107</a:t>
+            <a:fld id="{9A9A87ED-B1E5-48FC-AC97-83710D6AB678}" type="slidenum">
+              <a:t>109</a:t>
             </a:fld>
           </a:p>
         </p:txBody>
@@ -14912,7 +15490,7 @@
         <p:txBody>
           <a:bodyPr/>
           <a:p>
-            <a:fld id="{3C6C305D-A7B6-4B73-94D4-FC0DA4869334}" type="datetime1">
+            <a:fld id="{7D2D939B-EBD8-412E-9664-3573820F02DE}" type="datetime1">
               <a:rPr lang="en-IN"/>
               <a:t>13/12/2024</a:t>
             </a:fld>
@@ -14962,7 +15540,7 @@
         <p:spPr>
           <a:xfrm>
             <a:off x="360000" y="180000"/>
-            <a:ext cx="9358920" cy="477000"/>
+            <a:ext cx="9358560" cy="476640"/>
           </a:xfrm>
           <a:prstGeom prst="rect">
             <a:avLst/>
@@ -15011,7 +15589,7 @@
         <p:spPr>
           <a:xfrm>
             <a:off x="360000" y="1080000"/>
-            <a:ext cx="9358920" cy="3598920"/>
+            <a:ext cx="9358560" cy="3598560"/>
           </a:xfrm>
           <a:prstGeom prst="rect">
             <a:avLst/>
@@ -15333,7 +15911,7 @@
         <p:txBody>
           <a:bodyPr/>
           <a:p>
-            <a:fld id="{E6834E53-4CCC-4306-900E-F7A5C543D375}" type="slidenum">
+            <a:fld id="{75B82EB4-ECBD-4A13-8335-1399787035FB}" type="slidenum">
               <a:t>11</a:t>
             </a:fld>
           </a:p>
@@ -15353,7 +15931,7 @@
         <p:txBody>
           <a:bodyPr/>
           <a:p>
-            <a:fld id="{7BD7BDB3-6821-4E06-B8F9-13237D1F8B80}" type="datetime1">
+            <a:fld id="{6B5F7D1F-8DCB-4AEC-8D19-1F76DCFCC1DF}" type="datetime1">
               <a:rPr lang="en-IN"/>
               <a:t>13/12/2024</a:t>
             </a:fld>
@@ -15403,7 +15981,7 @@
         <p:spPr>
           <a:xfrm>
             <a:off x="360000" y="180000"/>
-            <a:ext cx="9358920" cy="477000"/>
+            <a:ext cx="9358560" cy="476640"/>
           </a:xfrm>
           <a:prstGeom prst="rect">
             <a:avLst/>
@@ -15452,7 +16030,7 @@
         <p:spPr>
           <a:xfrm>
             <a:off x="360000" y="1080000"/>
-            <a:ext cx="9358920" cy="3598920"/>
+            <a:ext cx="9358560" cy="3598560"/>
           </a:xfrm>
           <a:prstGeom prst="rect">
             <a:avLst/>
@@ -15715,7 +16293,7 @@
         <p:txBody>
           <a:bodyPr/>
           <a:p>
-            <a:fld id="{E8F2C34C-4439-4840-A8E4-F1497C565BC5}" type="slidenum">
+            <a:fld id="{86D19E07-DC10-401B-8C02-A04C8BD1D62A}" type="slidenum">
               <a:t>12</a:t>
             </a:fld>
           </a:p>
@@ -15735,7 +16313,7 @@
         <p:txBody>
           <a:bodyPr/>
           <a:p>
-            <a:fld id="{A5016038-C253-4E24-BD25-E9152D8CE9F5}" type="datetime1">
+            <a:fld id="{CEBF865F-2C1F-4AA4-A26E-600A909BA217}" type="datetime1">
               <a:rPr lang="en-IN"/>
               <a:t>13/12/2024</a:t>
             </a:fld>
@@ -15785,7 +16363,7 @@
         <p:spPr>
           <a:xfrm>
             <a:off x="360000" y="180000"/>
-            <a:ext cx="9358920" cy="477000"/>
+            <a:ext cx="9358560" cy="476640"/>
           </a:xfrm>
           <a:prstGeom prst="rect">
             <a:avLst/>
@@ -15834,7 +16412,7 @@
         <p:spPr>
           <a:xfrm>
             <a:off x="360000" y="1080000"/>
-            <a:ext cx="9358920" cy="3598920"/>
+            <a:ext cx="9358560" cy="3598560"/>
           </a:xfrm>
           <a:prstGeom prst="rect">
             <a:avLst/>
@@ -16032,7 +16610,7 @@
         <p:txBody>
           <a:bodyPr/>
           <a:p>
-            <a:fld id="{C9208FAB-C54A-4982-9C3E-05F24085C609}" type="slidenum">
+            <a:fld id="{DEFFC92E-3246-459E-9B4A-82B02620DE8C}" type="slidenum">
               <a:t>13</a:t>
             </a:fld>
           </a:p>
@@ -16052,7 +16630,7 @@
         <p:txBody>
           <a:bodyPr/>
           <a:p>
-            <a:fld id="{08C095AE-9CEB-4DDD-915D-18724F57D0C0}" type="datetime1">
+            <a:fld id="{31A5BD8D-DB35-4F9E-B2FA-CB8F7BA40820}" type="datetime1">
               <a:rPr lang="en-IN"/>
               <a:t>13/12/2024</a:t>
             </a:fld>
@@ -16102,7 +16680,7 @@
         <p:spPr>
           <a:xfrm>
             <a:off x="360000" y="180000"/>
-            <a:ext cx="9358920" cy="477000"/>
+            <a:ext cx="9358560" cy="476640"/>
           </a:xfrm>
           <a:prstGeom prst="rect">
             <a:avLst/>
@@ -16151,7 +16729,7 @@
         <p:spPr>
           <a:xfrm>
             <a:off x="360000" y="1080000"/>
-            <a:ext cx="9358920" cy="3598920"/>
+            <a:ext cx="9358560" cy="3598560"/>
           </a:xfrm>
           <a:prstGeom prst="rect">
             <a:avLst/>
@@ -16208,7 +16786,7 @@
         <p:spPr>
           <a:xfrm>
             <a:off x="720000" y="1620000"/>
-            <a:ext cx="7710480" cy="3351600"/>
+            <a:ext cx="7710120" cy="3351240"/>
           </a:xfrm>
           <a:prstGeom prst="rect">
             <a:avLst/>
@@ -16232,7 +16810,7 @@
         <p:txBody>
           <a:bodyPr/>
           <a:p>
-            <a:fld id="{DE758718-5790-4268-A60E-8D08ACE976D4}" type="slidenum">
+            <a:fld id="{A387015F-EBE0-41EB-8CEC-A9F0E8A1AF0B}" type="slidenum">
               <a:t>14</a:t>
             </a:fld>
           </a:p>
@@ -16252,7 +16830,7 @@
         <p:txBody>
           <a:bodyPr/>
           <a:p>
-            <a:fld id="{8DAC85BE-F0FB-4ACF-A6EC-A134DAB6FE02}" type="datetime1">
+            <a:fld id="{C82E908A-A02E-42FC-8948-581E0E658F3A}" type="datetime1">
               <a:rPr lang="en-IN"/>
               <a:t>13/12/2024</a:t>
             </a:fld>
@@ -16302,7 +16880,7 @@
         <p:spPr>
           <a:xfrm>
             <a:off x="360000" y="180000"/>
-            <a:ext cx="9358920" cy="477000"/>
+            <a:ext cx="9358560" cy="476640"/>
           </a:xfrm>
           <a:prstGeom prst="rect">
             <a:avLst/>
@@ -16351,7 +16929,7 @@
         <p:spPr>
           <a:xfrm>
             <a:off x="360000" y="1080000"/>
-            <a:ext cx="9358920" cy="3598920"/>
+            <a:ext cx="9358560" cy="3598560"/>
           </a:xfrm>
           <a:prstGeom prst="rect">
             <a:avLst/>
@@ -16385,7 +16963,7 @@
         <p:spPr>
           <a:xfrm>
             <a:off x="1270800" y="1310040"/>
-            <a:ext cx="7565760" cy="3069360"/>
+            <a:ext cx="7565400" cy="3069000"/>
           </a:xfrm>
           <a:prstGeom prst="rect">
             <a:avLst/>
@@ -16409,7 +16987,7 @@
         <p:txBody>
           <a:bodyPr/>
           <a:p>
-            <a:fld id="{D01AB5D0-6B8B-4707-9E00-E15970C009C1}" type="slidenum">
+            <a:fld id="{5E661052-9627-4DC3-A230-3040E14DC593}" type="slidenum">
               <a:t>15</a:t>
             </a:fld>
           </a:p>
@@ -16429,7 +17007,7 @@
         <p:txBody>
           <a:bodyPr/>
           <a:p>
-            <a:fld id="{E64A1B93-EEEA-449E-8B83-41E2F180FF74}" type="datetime1">
+            <a:fld id="{E4AFAEDB-81B1-4EEC-86D1-1D4F2C4682D7}" type="datetime1">
               <a:rPr lang="en-IN"/>
               <a:t>13/12/2024</a:t>
             </a:fld>
@@ -16479,7 +17057,7 @@
         <p:spPr>
           <a:xfrm>
             <a:off x="360000" y="180000"/>
-            <a:ext cx="9358920" cy="477000"/>
+            <a:ext cx="9358560" cy="476640"/>
           </a:xfrm>
           <a:prstGeom prst="rect">
             <a:avLst/>
@@ -16528,7 +17106,7 @@
         <p:spPr>
           <a:xfrm>
             <a:off x="360000" y="1080000"/>
-            <a:ext cx="9358920" cy="3598920"/>
+            <a:ext cx="9358560" cy="3598560"/>
           </a:xfrm>
           <a:prstGeom prst="rect">
             <a:avLst/>
@@ -16562,7 +17140,7 @@
         <p:spPr>
           <a:xfrm>
             <a:off x="1994760" y="1100520"/>
-            <a:ext cx="6117840" cy="3488760"/>
+            <a:ext cx="6117480" cy="3488400"/>
           </a:xfrm>
           <a:prstGeom prst="rect">
             <a:avLst/>
@@ -16586,7 +17164,7 @@
         <p:txBody>
           <a:bodyPr/>
           <a:p>
-            <a:fld id="{4D78737D-9F1E-42A7-A21E-C5F1D6A7E2EA}" type="slidenum">
+            <a:fld id="{722B16B3-D5BE-439F-912E-EBB3B3B872D3}" type="slidenum">
               <a:t>16</a:t>
             </a:fld>
           </a:p>
@@ -16606,7 +17184,7 @@
         <p:txBody>
           <a:bodyPr/>
           <a:p>
-            <a:fld id="{7C328791-591F-40A3-BF98-2F3A2D0F9796}" type="datetime1">
+            <a:fld id="{2C6DB061-F0AD-45D4-B268-61549B793D93}" type="datetime1">
               <a:rPr lang="en-IN"/>
               <a:t>13/12/2024</a:t>
             </a:fld>
@@ -16656,7 +17234,7 @@
         <p:spPr>
           <a:xfrm>
             <a:off x="360000" y="180000"/>
-            <a:ext cx="9358920" cy="477000"/>
+            <a:ext cx="9358560" cy="476640"/>
           </a:xfrm>
           <a:prstGeom prst="rect">
             <a:avLst/>
@@ -16705,7 +17283,7 @@
         <p:spPr>
           <a:xfrm>
             <a:off x="360000" y="1080000"/>
-            <a:ext cx="9358920" cy="3598920"/>
+            <a:ext cx="9358560" cy="3598560"/>
           </a:xfrm>
           <a:prstGeom prst="rect">
             <a:avLst/>
@@ -16739,7 +17317,7 @@
         <p:spPr>
           <a:xfrm>
             <a:off x="2017800" y="990000"/>
-            <a:ext cx="6072120" cy="3709800"/>
+            <a:ext cx="6071760" cy="3709440"/>
           </a:xfrm>
           <a:prstGeom prst="rect">
             <a:avLst/>
@@ -16763,7 +17341,7 @@
         <p:txBody>
           <a:bodyPr/>
           <a:p>
-            <a:fld id="{2A53FE90-920F-4E0E-A22D-E43E62614D2F}" type="slidenum">
+            <a:fld id="{5A256BFE-58B7-4486-9E7E-ABF536318D7E}" type="slidenum">
               <a:t>17</a:t>
             </a:fld>
           </a:p>
@@ -16783,7 +17361,7 @@
         <p:txBody>
           <a:bodyPr/>
           <a:p>
-            <a:fld id="{0917B2A9-B90F-4E94-95DF-690EF27B4746}" type="datetime1">
+            <a:fld id="{F4C2FEBB-866E-46A6-A452-268529F059B9}" type="datetime1">
               <a:rPr lang="en-IN"/>
               <a:t>13/12/2024</a:t>
             </a:fld>
@@ -16833,7 +17411,7 @@
         <p:spPr>
           <a:xfrm>
             <a:off x="360000" y="180000"/>
-            <a:ext cx="9358920" cy="477000"/>
+            <a:ext cx="9358560" cy="476640"/>
           </a:xfrm>
           <a:prstGeom prst="rect">
             <a:avLst/>
@@ -16882,7 +17460,7 @@
         <p:spPr>
           <a:xfrm>
             <a:off x="360000" y="1080000"/>
-            <a:ext cx="9358920" cy="3598920"/>
+            <a:ext cx="9358560" cy="3598560"/>
           </a:xfrm>
           <a:prstGeom prst="rect">
             <a:avLst/>
@@ -17201,7 +17779,7 @@
         <p:txBody>
           <a:bodyPr/>
           <a:p>
-            <a:fld id="{7B8D1DDD-1B8C-474D-AE30-24F570072341}" type="slidenum">
+            <a:fld id="{896EDFB1-1C45-49BE-B36C-E884BD01F0EE}" type="slidenum">
               <a:t>18</a:t>
             </a:fld>
           </a:p>
@@ -17221,7 +17799,7 @@
         <p:txBody>
           <a:bodyPr/>
           <a:p>
-            <a:fld id="{70C39867-0158-45B9-BAF9-35831AAFE04A}" type="datetime1">
+            <a:fld id="{A96A9BC3-E149-46CD-98CF-D22CD08F37DB}" type="datetime1">
               <a:rPr lang="en-IN"/>
               <a:t>13/12/2024</a:t>
             </a:fld>
@@ -17271,7 +17849,7 @@
         <p:spPr>
           <a:xfrm>
             <a:off x="360000" y="180000"/>
-            <a:ext cx="9358920" cy="477000"/>
+            <a:ext cx="9358560" cy="476640"/>
           </a:xfrm>
           <a:prstGeom prst="rect">
             <a:avLst/>
@@ -17320,7 +17898,7 @@
         <p:spPr>
           <a:xfrm>
             <a:off x="360000" y="1080000"/>
-            <a:ext cx="9358920" cy="3598920"/>
+            <a:ext cx="9358560" cy="3598560"/>
           </a:xfrm>
           <a:prstGeom prst="rect">
             <a:avLst/>
@@ -17583,7 +18161,7 @@
         <p:txBody>
           <a:bodyPr/>
           <a:p>
-            <a:fld id="{3231ADAA-264F-4BF0-87FF-D438863C281E}" type="slidenum">
+            <a:fld id="{10B921DE-E7AD-47C8-98F7-11C36376B680}" type="slidenum">
               <a:t>19</a:t>
             </a:fld>
           </a:p>
@@ -17603,7 +18181,7 @@
         <p:txBody>
           <a:bodyPr/>
           <a:p>
-            <a:fld id="{042E1743-1B97-4C3B-A1A0-FE213629F93A}" type="datetime1">
+            <a:fld id="{230F3404-2DB4-42D8-8BBE-D9089FC36AC8}" type="datetime1">
               <a:rPr lang="en-IN"/>
               <a:t>13/12/2024</a:t>
             </a:fld>
@@ -17653,7 +18231,7 @@
         <p:spPr>
           <a:xfrm>
             <a:off x="360000" y="180000"/>
-            <a:ext cx="9358920" cy="477000"/>
+            <a:ext cx="9358560" cy="476640"/>
           </a:xfrm>
           <a:prstGeom prst="rect">
             <a:avLst/>
@@ -17705,7 +18283,7 @@
         <p:spPr>
           <a:xfrm>
             <a:off x="360000" y="1080000"/>
-            <a:ext cx="9358920" cy="3598920"/>
+            <a:ext cx="9358560" cy="3598560"/>
           </a:xfrm>
           <a:prstGeom prst="rect">
             <a:avLst/>
@@ -17945,7 +18523,7 @@
         <p:txBody>
           <a:bodyPr/>
           <a:p>
-            <a:fld id="{30848290-D1D2-4FE8-861D-96C2C5552DDC}" type="slidenum">
+            <a:fld id="{03AF9B8E-CE28-46DC-80AD-9A72D56B9075}" type="slidenum">
               <a:t>2</a:t>
             </a:fld>
           </a:p>
@@ -17965,7 +18543,7 @@
         <p:txBody>
           <a:bodyPr/>
           <a:p>
-            <a:fld id="{B500869B-BA9A-48E4-8AB8-6BAA2FECE8FA}" type="datetime1">
+            <a:fld id="{4BBF0C2A-98DF-464D-B4FE-2E39F94EF1AB}" type="datetime1">
               <a:rPr lang="en-IN"/>
               <a:t>13/12/2024</a:t>
             </a:fld>
@@ -18015,7 +18593,7 @@
         <p:spPr>
           <a:xfrm>
             <a:off x="360000" y="180000"/>
-            <a:ext cx="9358920" cy="477000"/>
+            <a:ext cx="9358560" cy="476640"/>
           </a:xfrm>
           <a:prstGeom prst="rect">
             <a:avLst/>
@@ -18072,7 +18650,7 @@
         <p:spPr>
           <a:xfrm>
             <a:off x="360000" y="1080000"/>
-            <a:ext cx="9358920" cy="3598920"/>
+            <a:ext cx="9358560" cy="3598560"/>
           </a:xfrm>
           <a:prstGeom prst="rect">
             <a:avLst/>
@@ -18298,7 +18876,7 @@
         <p:txBody>
           <a:bodyPr/>
           <a:p>
-            <a:fld id="{AB532B44-013A-46C7-95A6-B7759D3A429B}" type="slidenum">
+            <a:fld id="{0AD59A67-7AC2-4D4A-929E-6E7754D972F0}" type="slidenum">
               <a:t>20</a:t>
             </a:fld>
           </a:p>
@@ -18318,7 +18896,7 @@
         <p:txBody>
           <a:bodyPr/>
           <a:p>
-            <a:fld id="{B34518E7-EE11-4736-938C-FADD94B029AF}" type="datetime1">
+            <a:fld id="{2438C8F3-4016-4374-9FC7-06332C8829AD}" type="datetime1">
               <a:rPr lang="en-IN"/>
               <a:t>13/12/2024</a:t>
             </a:fld>
@@ -18368,7 +18946,7 @@
         <p:spPr>
           <a:xfrm>
             <a:off x="360000" y="180000"/>
-            <a:ext cx="9358920" cy="477000"/>
+            <a:ext cx="9358560" cy="476640"/>
           </a:xfrm>
           <a:prstGeom prst="rect">
             <a:avLst/>
@@ -18417,7 +18995,7 @@
         <p:spPr>
           <a:xfrm>
             <a:off x="360000" y="1080000"/>
-            <a:ext cx="9358920" cy="3598920"/>
+            <a:ext cx="9358560" cy="3598560"/>
           </a:xfrm>
           <a:prstGeom prst="rect">
             <a:avLst/>
@@ -18475,7 +19053,7 @@
         <p:txBody>
           <a:bodyPr/>
           <a:p>
-            <a:fld id="{BD66FFF6-E5DA-47B1-AF05-020DBF0B5712}" type="slidenum">
+            <a:fld id="{04D89990-6BDB-4EDA-9A65-57026972BA79}" type="slidenum">
               <a:t>21</a:t>
             </a:fld>
           </a:p>
@@ -18495,7 +19073,7 @@
         <p:txBody>
           <a:bodyPr/>
           <a:p>
-            <a:fld id="{A6C97BF5-DA47-4F8C-A96C-D5B44027454D}" type="datetime1">
+            <a:fld id="{9F51AAD6-2C19-482A-9B1C-CEC0FE60BF5A}" type="datetime1">
               <a:rPr lang="en-IN"/>
               <a:t>13/12/2024</a:t>
             </a:fld>
@@ -18545,7 +19123,7 @@
         <p:spPr>
           <a:xfrm>
             <a:off x="360000" y="180000"/>
-            <a:ext cx="9358920" cy="477000"/>
+            <a:ext cx="9358560" cy="476640"/>
           </a:xfrm>
           <a:prstGeom prst="rect">
             <a:avLst/>
@@ -18594,7 +19172,7 @@
         <p:spPr>
           <a:xfrm>
             <a:off x="360000" y="1080000"/>
-            <a:ext cx="9358920" cy="3598920"/>
+            <a:ext cx="9358560" cy="3598560"/>
           </a:xfrm>
           <a:prstGeom prst="rect">
             <a:avLst/>
@@ -18652,7 +19230,7 @@
         <p:txBody>
           <a:bodyPr/>
           <a:p>
-            <a:fld id="{FCD5291A-1F12-4FBC-8D41-7769D553BAEE}" type="slidenum">
+            <a:fld id="{9304426B-D99A-42F1-8C8E-26D735E96544}" type="slidenum">
               <a:t>22</a:t>
             </a:fld>
           </a:p>
@@ -18672,7 +19250,7 @@
         <p:txBody>
           <a:bodyPr/>
           <a:p>
-            <a:fld id="{7407E2C4-15F4-4108-B553-C2DF1C187823}" type="datetime1">
+            <a:fld id="{D837366D-0DB2-47A1-AAA3-43F1CC8A863E}" type="datetime1">
               <a:rPr lang="en-IN"/>
               <a:t>13/12/2024</a:t>
             </a:fld>
@@ -18722,7 +19300,7 @@
         <p:spPr>
           <a:xfrm>
             <a:off x="360000" y="180000"/>
-            <a:ext cx="9358920" cy="477000"/>
+            <a:ext cx="9358560" cy="476640"/>
           </a:xfrm>
           <a:prstGeom prst="rect">
             <a:avLst/>
@@ -18771,7 +19349,7 @@
         <p:spPr>
           <a:xfrm>
             <a:off x="360000" y="1080000"/>
-            <a:ext cx="9358920" cy="3598920"/>
+            <a:ext cx="9358560" cy="3598560"/>
           </a:xfrm>
           <a:prstGeom prst="rect">
             <a:avLst/>
@@ -18805,7 +19383,7 @@
         <p:spPr>
           <a:xfrm>
             <a:off x="1260000" y="720000"/>
-            <a:ext cx="5607360" cy="4662360"/>
+            <a:ext cx="5607000" cy="4662000"/>
           </a:xfrm>
           <a:prstGeom prst="rect">
             <a:avLst/>
@@ -18829,7 +19407,7 @@
         <p:txBody>
           <a:bodyPr/>
           <a:p>
-            <a:fld id="{3539D125-75DE-4585-BAC3-5E4081066C14}" type="slidenum">
+            <a:fld id="{C006CD37-943E-4395-A7D0-01CD274F0189}" type="slidenum">
               <a:t>23</a:t>
             </a:fld>
           </a:p>
@@ -18849,7 +19427,7 @@
         <p:txBody>
           <a:bodyPr/>
           <a:p>
-            <a:fld id="{BDCAB4EB-2481-4814-A310-881647AAA82C}" type="datetime1">
+            <a:fld id="{D297E125-571A-429F-B24B-6666FDAC19A8}" type="datetime1">
               <a:rPr lang="en-IN"/>
               <a:t>13/12/2024</a:t>
             </a:fld>
@@ -18899,7 +19477,7 @@
         <p:spPr>
           <a:xfrm>
             <a:off x="360000" y="180000"/>
-            <a:ext cx="9358920" cy="477000"/>
+            <a:ext cx="9358560" cy="476640"/>
           </a:xfrm>
           <a:prstGeom prst="rect">
             <a:avLst/>
@@ -18948,7 +19526,7 @@
         <p:spPr>
           <a:xfrm>
             <a:off x="360000" y="1080000"/>
-            <a:ext cx="9358920" cy="3598920"/>
+            <a:ext cx="9358560" cy="3598560"/>
           </a:xfrm>
           <a:prstGeom prst="rect">
             <a:avLst/>
@@ -19117,7 +19695,7 @@
         <p:txBody>
           <a:bodyPr/>
           <a:p>
-            <a:fld id="{1DF5B068-066A-437C-8C2E-9602B1DB4925}" type="slidenum">
+            <a:fld id="{250B5B39-BED0-4A92-95A5-519BCCE8A8FC}" type="slidenum">
               <a:t>24</a:t>
             </a:fld>
           </a:p>
@@ -19137,7 +19715,7 @@
         <p:txBody>
           <a:bodyPr/>
           <a:p>
-            <a:fld id="{75E80E63-FA07-4720-9B8C-5553809F8903}" type="datetime1">
+            <a:fld id="{B6249C9B-CB2F-4F92-A998-B390A7894D63}" type="datetime1">
               <a:rPr lang="en-IN"/>
               <a:t>13/12/2024</a:t>
             </a:fld>
@@ -19187,7 +19765,7 @@
         <p:spPr>
           <a:xfrm>
             <a:off x="360000" y="180000"/>
-            <a:ext cx="9358920" cy="477000"/>
+            <a:ext cx="9358560" cy="476640"/>
           </a:xfrm>
           <a:prstGeom prst="rect">
             <a:avLst/>
@@ -19236,7 +19814,7 @@
         <p:spPr>
           <a:xfrm>
             <a:off x="360000" y="1080000"/>
-            <a:ext cx="9358920" cy="3598920"/>
+            <a:ext cx="9358560" cy="3598560"/>
           </a:xfrm>
           <a:prstGeom prst="rect">
             <a:avLst/>
@@ -19682,7 +20260,7 @@
         <p:txBody>
           <a:bodyPr/>
           <a:p>
-            <a:fld id="{EF5453EC-D29E-423C-BAB0-E556E2ADDC64}" type="slidenum">
+            <a:fld id="{63D326A7-994C-4C4C-847A-F715373BE94B}" type="slidenum">
               <a:t>25</a:t>
             </a:fld>
           </a:p>
@@ -19702,7 +20280,7 @@
         <p:txBody>
           <a:bodyPr/>
           <a:p>
-            <a:fld id="{7F984D43-748C-4D77-B988-86348CC483A9}" type="datetime1">
+            <a:fld id="{4DBB0147-3EA8-4D24-BAFE-6431F432B080}" type="datetime1">
               <a:rPr lang="en-IN"/>
               <a:t>13/12/2024</a:t>
             </a:fld>
@@ -19752,7 +20330,7 @@
         <p:spPr>
           <a:xfrm>
             <a:off x="360000" y="-91440"/>
-            <a:ext cx="9358920" cy="1018800"/>
+            <a:ext cx="9358560" cy="1018440"/>
           </a:xfrm>
           <a:prstGeom prst="rect">
             <a:avLst/>
@@ -19802,7 +20380,7 @@
         <p:spPr>
           <a:xfrm>
             <a:off x="360000" y="1080000"/>
-            <a:ext cx="9358920" cy="3598920"/>
+            <a:ext cx="9358560" cy="3598560"/>
           </a:xfrm>
           <a:prstGeom prst="rect">
             <a:avLst/>
@@ -19981,7 +20559,7 @@
         <p:txBody>
           <a:bodyPr/>
           <a:p>
-            <a:fld id="{C3DFBC3F-D6AE-4C01-A73B-6010AC195CC7}" type="slidenum">
+            <a:fld id="{97377291-C977-4CF9-BAEC-BBF57C7045D6}" type="slidenum">
               <a:t>26</a:t>
             </a:fld>
           </a:p>
@@ -20001,7 +20579,7 @@
         <p:txBody>
           <a:bodyPr/>
           <a:p>
-            <a:fld id="{003F7017-15F8-4C78-A462-68A92421A4E3}" type="datetime1">
+            <a:fld id="{B27EA857-A23A-478D-9B83-6A220AE7E26B}" type="datetime1">
               <a:rPr lang="en-IN"/>
               <a:t>13/12/2024</a:t>
             </a:fld>
@@ -20051,7 +20629,7 @@
         <p:spPr>
           <a:xfrm>
             <a:off x="360000" y="-91440"/>
-            <a:ext cx="9358920" cy="1018800"/>
+            <a:ext cx="9358560" cy="1018440"/>
           </a:xfrm>
           <a:prstGeom prst="rect">
             <a:avLst/>
@@ -20101,7 +20679,7 @@
         <p:spPr>
           <a:xfrm>
             <a:off x="360000" y="1080000"/>
-            <a:ext cx="9358920" cy="3598920"/>
+            <a:ext cx="9358560" cy="3598560"/>
           </a:xfrm>
           <a:prstGeom prst="rect">
             <a:avLst/>
@@ -20353,7 +20931,7 @@
         <p:spPr>
           <a:xfrm>
             <a:off x="3432960" y="2442600"/>
-            <a:ext cx="6646320" cy="3246120"/>
+            <a:ext cx="6645960" cy="3245760"/>
           </a:xfrm>
           <a:prstGeom prst="rect">
             <a:avLst/>
@@ -20377,7 +20955,7 @@
         <p:txBody>
           <a:bodyPr/>
           <a:p>
-            <a:fld id="{D2892D70-2EE9-433C-8273-342A677E08B7}" type="slidenum">
+            <a:fld id="{3AB7949E-5434-4374-9F91-527BE0EB4D03}" type="slidenum">
               <a:t>27</a:t>
             </a:fld>
           </a:p>
@@ -20397,7 +20975,7 @@
         <p:txBody>
           <a:bodyPr/>
           <a:p>
-            <a:fld id="{E5BE7142-7DAF-4A9D-BF01-E2563E6CD9B6}" type="datetime1">
+            <a:fld id="{8F7CB542-6DD2-4A22-A129-F3B6B1BFE98D}" type="datetime1">
               <a:rPr lang="en-IN"/>
               <a:t>13/12/2024</a:t>
             </a:fld>
@@ -20447,7 +21025,7 @@
         <p:spPr>
           <a:xfrm>
             <a:off x="360000" y="-91440"/>
-            <a:ext cx="9358920" cy="1018800"/>
+            <a:ext cx="9358560" cy="1018440"/>
           </a:xfrm>
           <a:prstGeom prst="rect">
             <a:avLst/>
@@ -20497,7 +21075,7 @@
         <p:spPr>
           <a:xfrm>
             <a:off x="360000" y="1080000"/>
-            <a:ext cx="9358920" cy="3598920"/>
+            <a:ext cx="9358560" cy="3598560"/>
           </a:xfrm>
           <a:prstGeom prst="rect">
             <a:avLst/>
@@ -20842,7 +21420,7 @@
         <p:txBody>
           <a:bodyPr/>
           <a:p>
-            <a:fld id="{075E8141-5C5F-48AC-A3EC-AE1DE06AA735}" type="slidenum">
+            <a:fld id="{F5B64901-9D9A-4398-8CD5-3294A000B9A7}" type="slidenum">
               <a:t>28</a:t>
             </a:fld>
           </a:p>
@@ -20862,7 +21440,7 @@
         <p:txBody>
           <a:bodyPr/>
           <a:p>
-            <a:fld id="{A1E4FFCC-28E5-4C66-8039-9CA0C9F71893}" type="datetime1">
+            <a:fld id="{86801291-538E-4C87-BCD2-460EA2E6C79D}" type="datetime1">
               <a:rPr lang="en-IN"/>
               <a:t>13/12/2024</a:t>
             </a:fld>
@@ -20912,7 +21490,7 @@
         <p:spPr>
           <a:xfrm>
             <a:off x="360000" y="-48960"/>
-            <a:ext cx="9358920" cy="935280"/>
+            <a:ext cx="9358560" cy="934920"/>
           </a:xfrm>
           <a:prstGeom prst="rect">
             <a:avLst/>
@@ -20962,7 +21540,7 @@
         <p:spPr>
           <a:xfrm>
             <a:off x="360000" y="1080000"/>
-            <a:ext cx="9358920" cy="3598920"/>
+            <a:ext cx="9358560" cy="3598560"/>
           </a:xfrm>
           <a:prstGeom prst="rect">
             <a:avLst/>
@@ -21020,7 +21598,7 @@
         <p:txBody>
           <a:bodyPr/>
           <a:p>
-            <a:fld id="{A3342D17-EB96-407C-84DD-798D61E50A97}" type="slidenum">
+            <a:fld id="{65425E61-3CDE-4C6E-B411-AFF1C9A78786}" type="slidenum">
               <a:t>29</a:t>
             </a:fld>
           </a:p>
@@ -21040,7 +21618,7 @@
         <p:txBody>
           <a:bodyPr/>
           <a:p>
-            <a:fld id="{92848C56-AF51-4CC3-AD6D-14FD686B6A93}" type="datetime1">
+            <a:fld id="{899AA112-F434-4E2F-8CD7-E1D1FC34C847}" type="datetime1">
               <a:rPr lang="en-IN"/>
               <a:t>13/12/2024</a:t>
             </a:fld>
@@ -21090,7 +21668,7 @@
         <p:spPr>
           <a:xfrm>
             <a:off x="360000" y="180000"/>
-            <a:ext cx="9358920" cy="477000"/>
+            <a:ext cx="9358560" cy="476640"/>
           </a:xfrm>
           <a:prstGeom prst="rect">
             <a:avLst/>
@@ -21142,7 +21720,7 @@
         <p:spPr>
           <a:xfrm>
             <a:off x="360000" y="1080000"/>
-            <a:ext cx="9358920" cy="3598920"/>
+            <a:ext cx="9358560" cy="3598560"/>
           </a:xfrm>
           <a:prstGeom prst="rect">
             <a:avLst/>
@@ -21176,7 +21754,7 @@
         <p:spPr>
           <a:xfrm>
             <a:off x="173520" y="1088640"/>
-            <a:ext cx="9760320" cy="3092400"/>
+            <a:ext cx="9759960" cy="3092040"/>
           </a:xfrm>
           <a:prstGeom prst="rect">
             <a:avLst/>
@@ -21200,7 +21778,7 @@
         <p:txBody>
           <a:bodyPr/>
           <a:p>
-            <a:fld id="{12D5249A-29EE-4742-8C90-68C284ACA61C}" type="slidenum">
+            <a:fld id="{3C92B0BE-E9B0-40F1-8A8D-AE9B0E9D82F6}" type="slidenum">
               <a:t>3</a:t>
             </a:fld>
           </a:p>
@@ -21220,7 +21798,7 @@
         <p:txBody>
           <a:bodyPr/>
           <a:p>
-            <a:fld id="{EC94430D-6715-4D29-8917-D931E80DE321}" type="datetime1">
+            <a:fld id="{EE9C974C-9E7D-4ABF-A8CB-4C8240E284B3}" type="datetime1">
               <a:rPr lang="en-IN"/>
               <a:t>13/12/2024</a:t>
             </a:fld>
@@ -21270,7 +21848,7 @@
         <p:spPr>
           <a:xfrm>
             <a:off x="360000" y="-48960"/>
-            <a:ext cx="9358920" cy="935280"/>
+            <a:ext cx="9358560" cy="934920"/>
           </a:xfrm>
           <a:prstGeom prst="rect">
             <a:avLst/>
@@ -21320,7 +21898,7 @@
         <p:spPr>
           <a:xfrm>
             <a:off x="360000" y="1080000"/>
-            <a:ext cx="9358920" cy="3598920"/>
+            <a:ext cx="9358560" cy="3598560"/>
           </a:xfrm>
           <a:prstGeom prst="rect">
             <a:avLst/>
@@ -21377,7 +21955,7 @@
         <p:spPr>
           <a:xfrm>
             <a:off x="720000" y="1959840"/>
-            <a:ext cx="8457480" cy="2719080"/>
+            <a:ext cx="8457120" cy="2718720"/>
           </a:xfrm>
           <a:prstGeom prst="rect">
             <a:avLst/>
@@ -21401,7 +21979,7 @@
         <p:txBody>
           <a:bodyPr/>
           <a:p>
-            <a:fld id="{0EC850E3-84BB-492B-8745-6589FB165031}" type="slidenum">
+            <a:fld id="{F6B3830C-CC69-467B-BB97-19CD30545499}" type="slidenum">
               <a:t>30</a:t>
             </a:fld>
           </a:p>
@@ -21421,7 +21999,7 @@
         <p:txBody>
           <a:bodyPr/>
           <a:p>
-            <a:fld id="{509E8A57-02A0-4692-8559-BB65717A9F7D}" type="datetime1">
+            <a:fld id="{E4A4A33B-425E-46A6-9F84-84D8FD78F468}" type="datetime1">
               <a:rPr lang="en-IN"/>
               <a:t>13/12/2024</a:t>
             </a:fld>
@@ -21471,7 +22049,7 @@
         <p:spPr>
           <a:xfrm>
             <a:off x="360000" y="-48960"/>
-            <a:ext cx="9358920" cy="935280"/>
+            <a:ext cx="9358560" cy="934920"/>
           </a:xfrm>
           <a:prstGeom prst="rect">
             <a:avLst/>
@@ -21521,7 +22099,7 @@
         <p:spPr>
           <a:xfrm>
             <a:off x="360000" y="1080000"/>
-            <a:ext cx="9358920" cy="3598920"/>
+            <a:ext cx="9358560" cy="3598560"/>
           </a:xfrm>
           <a:prstGeom prst="rect">
             <a:avLst/>
@@ -21834,7 +22412,7 @@
         <p:spPr>
           <a:xfrm>
             <a:off x="900000" y="1440000"/>
-            <a:ext cx="5911920" cy="1423440"/>
+            <a:ext cx="5911560" cy="1423080"/>
           </a:xfrm>
           <a:prstGeom prst="rect">
             <a:avLst/>
@@ -21858,7 +22436,7 @@
         <p:txBody>
           <a:bodyPr/>
           <a:p>
-            <a:fld id="{9D9710E3-731E-45C0-8B5F-7E46E322F096}" type="slidenum">
+            <a:fld id="{AAB43200-EE57-470E-A72B-32FB821AE21A}" type="slidenum">
               <a:t>31</a:t>
             </a:fld>
           </a:p>
@@ -21878,7 +22456,7 @@
         <p:txBody>
           <a:bodyPr/>
           <a:p>
-            <a:fld id="{B5B50DD7-DBDF-4BFA-ABA1-ECF76857B2E4}" type="datetime1">
+            <a:fld id="{1D9570DC-30A3-4276-A358-2EFA56972C07}" type="datetime1">
               <a:rPr lang="en-IN"/>
               <a:t>13/12/2024</a:t>
             </a:fld>
@@ -21928,7 +22506,7 @@
         <p:spPr>
           <a:xfrm>
             <a:off x="360000" y="-48960"/>
-            <a:ext cx="9358920" cy="935280"/>
+            <a:ext cx="9358560" cy="934920"/>
           </a:xfrm>
           <a:prstGeom prst="rect">
             <a:avLst/>
@@ -21978,7 +22556,7 @@
         <p:spPr>
           <a:xfrm>
             <a:off x="360000" y="1080000"/>
-            <a:ext cx="9358920" cy="3598920"/>
+            <a:ext cx="9358560" cy="3598560"/>
           </a:xfrm>
           <a:prstGeom prst="rect">
             <a:avLst/>
@@ -22012,7 +22590,7 @@
         <p:spPr>
           <a:xfrm>
             <a:off x="632880" y="1260000"/>
-            <a:ext cx="8366040" cy="3206520"/>
+            <a:ext cx="8365680" cy="3206160"/>
           </a:xfrm>
           <a:prstGeom prst="rect">
             <a:avLst/>
@@ -22036,7 +22614,7 @@
         <p:txBody>
           <a:bodyPr/>
           <a:p>
-            <a:fld id="{287DD93C-21C5-4C6E-8941-BC2EF73CA76B}" type="slidenum">
+            <a:fld id="{FB36E74D-18CC-48EE-AFE5-8D94AAAB13D1}" type="slidenum">
               <a:t>32</a:t>
             </a:fld>
           </a:p>
@@ -22056,7 +22634,7 @@
         <p:txBody>
           <a:bodyPr/>
           <a:p>
-            <a:fld id="{1C044CE9-F571-4D66-B9B8-48CB6A649E1E}" type="datetime1">
+            <a:fld id="{16BA4996-D50C-4004-9839-6B7BF6E782C8}" type="datetime1">
               <a:rPr lang="en-IN"/>
               <a:t>13/12/2024</a:t>
             </a:fld>
@@ -22106,7 +22684,7 @@
         <p:spPr>
           <a:xfrm>
             <a:off x="360000" y="180000"/>
-            <a:ext cx="9358920" cy="477000"/>
+            <a:ext cx="9358560" cy="476640"/>
           </a:xfrm>
           <a:prstGeom prst="rect">
             <a:avLst/>
@@ -22155,7 +22733,7 @@
         <p:spPr>
           <a:xfrm>
             <a:off x="360000" y="720000"/>
-            <a:ext cx="9358920" cy="4318920"/>
+            <a:ext cx="9358560" cy="4318560"/>
           </a:xfrm>
           <a:prstGeom prst="rect">
             <a:avLst/>
@@ -22426,7 +23004,7 @@
         <p:spPr>
           <a:xfrm>
             <a:off x="765000" y="1057320"/>
-            <a:ext cx="5713920" cy="1461600"/>
+            <a:ext cx="5713560" cy="1461240"/>
           </a:xfrm>
           <a:prstGeom prst="rect">
             <a:avLst/>
@@ -22449,7 +23027,7 @@
         <p:spPr>
           <a:xfrm>
             <a:off x="854640" y="3531600"/>
-            <a:ext cx="5264280" cy="1507320"/>
+            <a:ext cx="5263920" cy="1506960"/>
           </a:xfrm>
           <a:prstGeom prst="rect">
             <a:avLst/>
@@ -22473,7 +23051,7 @@
         <p:txBody>
           <a:bodyPr/>
           <a:p>
-            <a:fld id="{EF21E321-4427-4584-B0B6-7882F81CC609}" type="slidenum">
+            <a:fld id="{4709CF29-CA46-4D0D-A675-5DEFAA59D13D}" type="slidenum">
               <a:t>33</a:t>
             </a:fld>
           </a:p>
@@ -22493,7 +23071,7 @@
         <p:txBody>
           <a:bodyPr/>
           <a:p>
-            <a:fld id="{D015F7DE-8515-4708-8A8D-5C9444CEE472}" type="datetime1">
+            <a:fld id="{E3139817-804C-4DE0-BEB7-B6522DE8D3AA}" type="datetime1">
               <a:rPr lang="en-IN"/>
               <a:t>13/12/2024</a:t>
             </a:fld>
@@ -22543,7 +23121,7 @@
         <p:spPr>
           <a:xfrm>
             <a:off x="360000" y="180000"/>
-            <a:ext cx="9358920" cy="477000"/>
+            <a:ext cx="9358560" cy="476640"/>
           </a:xfrm>
           <a:prstGeom prst="rect">
             <a:avLst/>
@@ -22592,7 +23170,7 @@
         <p:spPr>
           <a:xfrm>
             <a:off x="360000" y="720000"/>
-            <a:ext cx="9358920" cy="4318920"/>
+            <a:ext cx="9358560" cy="4318560"/>
           </a:xfrm>
           <a:prstGeom prst="rect">
             <a:avLst/>
@@ -22845,7 +23423,7 @@
         <p:spPr>
           <a:xfrm>
             <a:off x="900000" y="1260000"/>
-            <a:ext cx="6895080" cy="1431000"/>
+            <a:ext cx="6894720" cy="1430640"/>
           </a:xfrm>
           <a:prstGeom prst="rect">
             <a:avLst/>
@@ -22868,7 +23446,7 @@
         <p:spPr>
           <a:xfrm>
             <a:off x="2880000" y="3600000"/>
-            <a:ext cx="6216840" cy="1080360"/>
+            <a:ext cx="6216480" cy="1080000"/>
           </a:xfrm>
           <a:prstGeom prst="rect">
             <a:avLst/>
@@ -22892,7 +23470,7 @@
         <p:txBody>
           <a:bodyPr/>
           <a:p>
-            <a:fld id="{41B2663E-BFC2-436F-BDF0-3CB0DCF08F5C}" type="slidenum">
+            <a:fld id="{E4D23A11-47D2-4203-B0AA-0801B1C924A2}" type="slidenum">
               <a:t>34</a:t>
             </a:fld>
           </a:p>
@@ -22912,7 +23490,7 @@
         <p:txBody>
           <a:bodyPr/>
           <a:p>
-            <a:fld id="{E291F92A-2064-4525-B64B-96977F2C44DE}" type="datetime1">
+            <a:fld id="{4D37921C-86FD-4A49-9788-7A9D624142EF}" type="datetime1">
               <a:rPr lang="en-IN"/>
               <a:t>13/12/2024</a:t>
             </a:fld>
@@ -22962,7 +23540,7 @@
         <p:spPr>
           <a:xfrm>
             <a:off x="360000" y="-48960"/>
-            <a:ext cx="9358920" cy="935280"/>
+            <a:ext cx="9358560" cy="934920"/>
           </a:xfrm>
           <a:prstGeom prst="rect">
             <a:avLst/>
@@ -23012,7 +23590,7 @@
         <p:spPr>
           <a:xfrm>
             <a:off x="360000" y="1080000"/>
-            <a:ext cx="9358920" cy="3598920"/>
+            <a:ext cx="9358560" cy="3598560"/>
           </a:xfrm>
           <a:prstGeom prst="rect">
             <a:avLst/>
@@ -23070,7 +23648,7 @@
         <p:txBody>
           <a:bodyPr/>
           <a:p>
-            <a:fld id="{9B737FEA-93B5-4644-ABD0-1F8C4AF4C9DB}" type="slidenum">
+            <a:fld id="{F1E6607A-0CA0-481C-BC55-A9438F6EB1C9}" type="slidenum">
               <a:t>35</a:t>
             </a:fld>
           </a:p>
@@ -23090,7 +23668,7 @@
         <p:txBody>
           <a:bodyPr/>
           <a:p>
-            <a:fld id="{EC448C65-902E-4F0B-97F4-A32618618130}" type="datetime1">
+            <a:fld id="{5B76430D-5EE5-4F7A-BF41-1E654B2AD287}" type="datetime1">
               <a:rPr lang="en-IN"/>
               <a:t>13/12/2024</a:t>
             </a:fld>
@@ -23140,7 +23718,7 @@
         <p:spPr>
           <a:xfrm>
             <a:off x="360000" y="-48960"/>
-            <a:ext cx="9358920" cy="935280"/>
+            <a:ext cx="9358560" cy="934920"/>
           </a:xfrm>
           <a:prstGeom prst="rect">
             <a:avLst/>
@@ -23190,7 +23768,7 @@
         <p:spPr>
           <a:xfrm>
             <a:off x="360000" y="720360"/>
-            <a:ext cx="9358920" cy="4318920"/>
+            <a:ext cx="9358560" cy="4318560"/>
           </a:xfrm>
           <a:prstGeom prst="rect">
             <a:avLst/>
@@ -23419,7 +23997,7 @@
         <p:spPr>
           <a:xfrm>
             <a:off x="900000" y="1440000"/>
-            <a:ext cx="5939280" cy="2061000"/>
+            <a:ext cx="5938920" cy="2060640"/>
           </a:xfrm>
           <a:prstGeom prst="rect">
             <a:avLst/>
@@ -23443,7 +24021,7 @@
         <p:txBody>
           <a:bodyPr/>
           <a:p>
-            <a:fld id="{862D9B84-BF3F-41AC-B5FB-622C22E2273F}" type="slidenum">
+            <a:fld id="{DB1C79A3-5064-4074-8725-EB0B8C4E2BFA}" type="slidenum">
               <a:t>36</a:t>
             </a:fld>
           </a:p>
@@ -23463,7 +24041,7 @@
         <p:txBody>
           <a:bodyPr/>
           <a:p>
-            <a:fld id="{C60375D3-D3D1-4F0A-AF5A-0656F7FF9B0B}" type="datetime1">
+            <a:fld id="{D24BADCF-CE91-4D99-846E-A091DDDAE074}" type="datetime1">
               <a:rPr lang="en-IN"/>
               <a:t>13/12/2024</a:t>
             </a:fld>
@@ -23513,7 +24091,7 @@
         <p:spPr>
           <a:xfrm>
             <a:off x="360000" y="-48960"/>
-            <a:ext cx="9358920" cy="935280"/>
+            <a:ext cx="9358560" cy="934920"/>
           </a:xfrm>
           <a:prstGeom prst="rect">
             <a:avLst/>
@@ -23563,7 +24141,7 @@
         <p:spPr>
           <a:xfrm>
             <a:off x="360000" y="1080000"/>
-            <a:ext cx="9358920" cy="3598920"/>
+            <a:ext cx="9358560" cy="3598560"/>
           </a:xfrm>
           <a:prstGeom prst="rect">
             <a:avLst/>
@@ -23692,7 +24270,7 @@
         <p:spPr>
           <a:xfrm>
             <a:off x="798480" y="2863800"/>
-            <a:ext cx="8511120" cy="1995480"/>
+            <a:ext cx="8510760" cy="1995120"/>
           </a:xfrm>
           <a:prstGeom prst="rect">
             <a:avLst/>
@@ -23716,7 +24294,7 @@
         <p:txBody>
           <a:bodyPr/>
           <a:p>
-            <a:fld id="{1B3C80F2-DE09-482F-94BC-D0BBC97570C8}" type="slidenum">
+            <a:fld id="{45536617-6864-4B59-8F1E-2B28F911B1DF}" type="slidenum">
               <a:t>37</a:t>
             </a:fld>
           </a:p>
@@ -23736,7 +24314,7 @@
         <p:txBody>
           <a:bodyPr/>
           <a:p>
-            <a:fld id="{8B1E3031-EDCC-4533-8923-62FB00A354BF}" type="datetime1">
+            <a:fld id="{405B9971-54C0-4CA4-A9CA-868A134496B3}" type="datetime1">
               <a:rPr lang="en-IN"/>
               <a:t>13/12/2024</a:t>
             </a:fld>
@@ -23786,7 +24364,7 @@
         <p:spPr>
           <a:xfrm>
             <a:off x="360000" y="-48960"/>
-            <a:ext cx="9358920" cy="935280"/>
+            <a:ext cx="9358560" cy="934920"/>
           </a:xfrm>
           <a:prstGeom prst="rect">
             <a:avLst/>
@@ -23836,7 +24414,7 @@
         <p:spPr>
           <a:xfrm>
             <a:off x="325080" y="702360"/>
-            <a:ext cx="9358920" cy="4351320"/>
+            <a:ext cx="9358560" cy="4350960"/>
           </a:xfrm>
           <a:prstGeom prst="rect">
             <a:avLst/>
@@ -23946,7 +24524,7 @@
         <p:spPr>
           <a:xfrm>
             <a:off x="957960" y="1717920"/>
-            <a:ext cx="5639040" cy="3992760"/>
+            <a:ext cx="5638680" cy="3992400"/>
           </a:xfrm>
           <a:prstGeom prst="rect">
             <a:avLst/>
@@ -23970,7 +24548,7 @@
         <p:txBody>
           <a:bodyPr/>
           <a:p>
-            <a:fld id="{8166F6AF-4350-4A6D-A199-D24EF2114463}" type="slidenum">
+            <a:fld id="{E7E2C815-BD7F-4245-8033-37886F9D9D54}" type="slidenum">
               <a:t>38</a:t>
             </a:fld>
           </a:p>
@@ -23990,7 +24568,7 @@
         <p:txBody>
           <a:bodyPr/>
           <a:p>
-            <a:fld id="{6C8C85C8-BF85-4C82-AA96-7EA771FB53E0}" type="datetime1">
+            <a:fld id="{1BBC2FD6-800C-414F-9371-BE02D025A990}" type="datetime1">
               <a:rPr lang="en-IN"/>
               <a:t>13/12/2024</a:t>
             </a:fld>
@@ -24040,7 +24618,7 @@
         <p:spPr>
           <a:xfrm>
             <a:off x="360000" y="-48960"/>
-            <a:ext cx="9358920" cy="935280"/>
+            <a:ext cx="9358560" cy="934920"/>
           </a:xfrm>
           <a:prstGeom prst="rect">
             <a:avLst/>
@@ -24090,7 +24668,7 @@
         <p:spPr>
           <a:xfrm>
             <a:off x="325080" y="702360"/>
-            <a:ext cx="9358920" cy="4351320"/>
+            <a:ext cx="9358560" cy="4350960"/>
           </a:xfrm>
           <a:prstGeom prst="rect">
             <a:avLst/>
@@ -24194,7 +24772,7 @@
         <p:spPr>
           <a:xfrm>
             <a:off x="737640" y="1790280"/>
-            <a:ext cx="8632800" cy="2109600"/>
+            <a:ext cx="8632440" cy="2109240"/>
           </a:xfrm>
           <a:prstGeom prst="rect">
             <a:avLst/>
@@ -24218,7 +24796,7 @@
         <p:txBody>
           <a:bodyPr/>
           <a:p>
-            <a:fld id="{A0AB8662-0B66-4642-A61C-9258950FF9F4}" type="slidenum">
+            <a:fld id="{70B130A9-52FF-4195-A247-2987B3102960}" type="slidenum">
               <a:t>39</a:t>
             </a:fld>
           </a:p>
@@ -24238,7 +24816,7 @@
         <p:txBody>
           <a:bodyPr/>
           <a:p>
-            <a:fld id="{78BD6FEA-92A3-4989-9775-C4E82BB1CDF6}" type="datetime1">
+            <a:fld id="{587830FC-0383-41B0-80BA-385E68B6A966}" type="datetime1">
               <a:rPr lang="en-IN"/>
               <a:t>13/12/2024</a:t>
             </a:fld>
@@ -24288,7 +24866,7 @@
         <p:spPr>
           <a:xfrm>
             <a:off x="360000" y="180000"/>
-            <a:ext cx="9358920" cy="477000"/>
+            <a:ext cx="9358560" cy="476640"/>
           </a:xfrm>
           <a:prstGeom prst="rect">
             <a:avLst/>
@@ -24340,7 +24918,7 @@
         <p:spPr>
           <a:xfrm>
             <a:off x="360000" y="1080000"/>
-            <a:ext cx="9358920" cy="3598920"/>
+            <a:ext cx="9358560" cy="3598560"/>
           </a:xfrm>
           <a:prstGeom prst="rect">
             <a:avLst/>
@@ -24374,7 +24952,7 @@
         <p:spPr>
           <a:xfrm>
             <a:off x="1165680" y="244080"/>
-            <a:ext cx="6933240" cy="4974840"/>
+            <a:ext cx="6932880" cy="4974480"/>
           </a:xfrm>
           <a:prstGeom prst="rect">
             <a:avLst/>
@@ -24398,7 +24976,7 @@
         <p:txBody>
           <a:bodyPr/>
           <a:p>
-            <a:fld id="{3B3B08B5-FCF3-4CA4-BFA9-F7B704488CAB}" type="slidenum">
+            <a:fld id="{BA17EE4F-A774-4923-92EC-984E6B219BBA}" type="slidenum">
               <a:t>4</a:t>
             </a:fld>
           </a:p>
@@ -24418,7 +24996,7 @@
         <p:txBody>
           <a:bodyPr/>
           <a:p>
-            <a:fld id="{52869719-4C22-4C1C-B476-F22198AEC2A6}" type="datetime1">
+            <a:fld id="{34321B1B-7DC0-4887-8F2C-C584D915798A}" type="datetime1">
               <a:rPr lang="en-IN"/>
               <a:t>13/12/2024</a:t>
             </a:fld>
@@ -24468,7 +25046,7 @@
         <p:spPr>
           <a:xfrm>
             <a:off x="360000" y="-48960"/>
-            <a:ext cx="9358920" cy="935280"/>
+            <a:ext cx="9358560" cy="934920"/>
           </a:xfrm>
           <a:prstGeom prst="rect">
             <a:avLst/>
@@ -24518,7 +25096,7 @@
         <p:spPr>
           <a:xfrm>
             <a:off x="282960" y="709560"/>
-            <a:ext cx="9358920" cy="4323240"/>
+            <a:ext cx="9358560" cy="4322880"/>
           </a:xfrm>
           <a:prstGeom prst="rect">
             <a:avLst/>
@@ -24822,7 +25400,7 @@
         <p:spPr>
           <a:xfrm>
             <a:off x="705960" y="2441160"/>
-            <a:ext cx="5880600" cy="1368360"/>
+            <a:ext cx="5880240" cy="1368000"/>
           </a:xfrm>
           <a:prstGeom prst="rect">
             <a:avLst/>
@@ -24846,7 +25424,7 @@
         <p:txBody>
           <a:bodyPr/>
           <a:p>
-            <a:fld id="{DAA31A7D-1E6A-45E3-81D1-F9EDF72DE68E}" type="slidenum">
+            <a:fld id="{591E1FCD-BBC1-4894-AFD2-8158DBD76EEF}" type="slidenum">
               <a:t>40</a:t>
             </a:fld>
           </a:p>
@@ -24866,7 +25444,7 @@
         <p:txBody>
           <a:bodyPr/>
           <a:p>
-            <a:fld id="{542C3A4D-AC96-4050-9679-DD7B91E11C45}" type="datetime1">
+            <a:fld id="{A97C50D8-8287-4D29-A66E-85F98F2B458F}" type="datetime1">
               <a:rPr lang="en-IN"/>
               <a:t>13/12/2024</a:t>
             </a:fld>
@@ -24916,7 +25494,7 @@
         <p:spPr>
           <a:xfrm>
             <a:off x="360000" y="-48960"/>
-            <a:ext cx="9358920" cy="935280"/>
+            <a:ext cx="9358560" cy="934920"/>
           </a:xfrm>
           <a:prstGeom prst="rect">
             <a:avLst/>
@@ -24966,7 +25544,7 @@
         <p:spPr>
           <a:xfrm>
             <a:off x="282960" y="709560"/>
-            <a:ext cx="9358920" cy="4323240"/>
+            <a:ext cx="9358560" cy="4322880"/>
           </a:xfrm>
           <a:prstGeom prst="rect">
             <a:avLst/>
@@ -25000,7 +25578,7 @@
         <p:spPr>
           <a:xfrm>
             <a:off x="1017000" y="730800"/>
-            <a:ext cx="7710840" cy="4060440"/>
+            <a:ext cx="7710480" cy="4060080"/>
           </a:xfrm>
           <a:prstGeom prst="rect">
             <a:avLst/>
@@ -25024,7 +25602,7 @@
         <p:txBody>
           <a:bodyPr/>
           <a:p>
-            <a:fld id="{6691C013-4554-4BC5-937E-1C986278ADA8}" type="slidenum">
+            <a:fld id="{7154063B-AD24-4925-9292-95498054F68A}" type="slidenum">
               <a:t>41</a:t>
             </a:fld>
           </a:p>
@@ -25044,7 +25622,7 @@
         <p:txBody>
           <a:bodyPr/>
           <a:p>
-            <a:fld id="{BA4C698E-9C15-45CD-AF1E-579528626BD1}" type="datetime1">
+            <a:fld id="{7ED6EC6B-6E32-44EB-971B-26829062FB63}" type="datetime1">
               <a:rPr lang="en-IN"/>
               <a:t>13/12/2024</a:t>
             </a:fld>
@@ -25094,7 +25672,7 @@
         <p:spPr>
           <a:xfrm>
             <a:off x="360000" y="180000"/>
-            <a:ext cx="9358920" cy="477000"/>
+            <a:ext cx="9358560" cy="476640"/>
           </a:xfrm>
           <a:prstGeom prst="rect">
             <a:avLst/>
@@ -25143,7 +25721,7 @@
         <p:spPr>
           <a:xfrm>
             <a:off x="360000" y="1080000"/>
-            <a:ext cx="9358920" cy="3598920"/>
+            <a:ext cx="9358560" cy="3598560"/>
           </a:xfrm>
           <a:prstGeom prst="rect">
             <a:avLst/>
@@ -25298,7 +25876,7 @@
         <p:txBody>
           <a:bodyPr/>
           <a:p>
-            <a:fld id="{768CB4B0-FF44-443C-9754-9C28C4E4345B}" type="slidenum">
+            <a:fld id="{98F11C17-9A68-49B2-B474-39C5159A0423}" type="slidenum">
               <a:t>42</a:t>
             </a:fld>
           </a:p>
@@ -25318,7 +25896,7 @@
         <p:txBody>
           <a:bodyPr/>
           <a:p>
-            <a:fld id="{777B28CA-F76B-4605-B6CC-875F5759B043}" type="datetime1">
+            <a:fld id="{758DAE45-39A0-464E-91F0-1E9D55F5450D}" type="datetime1">
               <a:rPr lang="en-IN"/>
               <a:t>13/12/2024</a:t>
             </a:fld>
@@ -25368,7 +25946,7 @@
         <p:spPr>
           <a:xfrm>
             <a:off x="360000" y="180000"/>
-            <a:ext cx="9358920" cy="477000"/>
+            <a:ext cx="9358560" cy="476640"/>
           </a:xfrm>
           <a:prstGeom prst="rect">
             <a:avLst/>
@@ -25417,7 +25995,7 @@
         <p:spPr>
           <a:xfrm>
             <a:off x="318240" y="726840"/>
-            <a:ext cx="9358920" cy="4277520"/>
+            <a:ext cx="9358560" cy="4277160"/>
           </a:xfrm>
           <a:prstGeom prst="rect">
             <a:avLst/>
@@ -25696,7 +26274,7 @@
         <p:spPr>
           <a:xfrm>
             <a:off x="489240" y="511920"/>
-            <a:ext cx="5041440" cy="1441800"/>
+            <a:ext cx="5041080" cy="1441440"/>
           </a:xfrm>
           <a:prstGeom prst="rect">
             <a:avLst/>
@@ -25720,7 +26298,7 @@
         <p:txBody>
           <a:bodyPr/>
           <a:p>
-            <a:fld id="{43A06A61-FBCD-400D-A2F5-DD1947384F2D}" type="slidenum">
+            <a:fld id="{C76508AD-8C0D-4D46-BA1C-22DAA4CB578C}" type="slidenum">
               <a:t>43</a:t>
             </a:fld>
           </a:p>
@@ -25740,7 +26318,7 @@
         <p:txBody>
           <a:bodyPr/>
           <a:p>
-            <a:fld id="{FE03E3C9-2D7A-42C3-A1EF-702915640E9C}" type="datetime1">
+            <a:fld id="{44F3B979-0E63-47CE-9A4D-474872E87A99}" type="datetime1">
               <a:rPr lang="en-IN"/>
               <a:t>13/12/2024</a:t>
             </a:fld>
@@ -25790,7 +26368,7 @@
         <p:spPr>
           <a:xfrm>
             <a:off x="360000" y="180000"/>
-            <a:ext cx="9358920" cy="477000"/>
+            <a:ext cx="9358560" cy="476640"/>
           </a:xfrm>
           <a:prstGeom prst="rect">
             <a:avLst/>
@@ -25839,7 +26417,7 @@
         <p:spPr>
           <a:xfrm>
             <a:off x="318240" y="726840"/>
-            <a:ext cx="9358920" cy="4277520"/>
+            <a:ext cx="9358560" cy="4277160"/>
           </a:xfrm>
           <a:prstGeom prst="rect">
             <a:avLst/>
@@ -25873,7 +26451,7 @@
         <p:spPr>
           <a:xfrm>
             <a:off x="717480" y="766440"/>
-            <a:ext cx="7596360" cy="4213080"/>
+            <a:ext cx="7596000" cy="4212720"/>
           </a:xfrm>
           <a:prstGeom prst="rect">
             <a:avLst/>
@@ -25897,7 +26475,7 @@
         <p:txBody>
           <a:bodyPr/>
           <a:p>
-            <a:fld id="{F9A2997E-6077-42DA-ADD1-F403C5BB58FA}" type="slidenum">
+            <a:fld id="{1C492402-644A-41C8-82FD-F0219D33FFE7}" type="slidenum">
               <a:t>44</a:t>
             </a:fld>
           </a:p>
@@ -25917,7 +26495,7 @@
         <p:txBody>
           <a:bodyPr/>
           <a:p>
-            <a:fld id="{C2849615-1298-4B7B-B146-F7EEAE94B996}" type="datetime1">
+            <a:fld id="{C0299431-353D-4A9A-BD7B-2FD4B824F113}" type="datetime1">
               <a:rPr lang="en-IN"/>
               <a:t>13/12/2024</a:t>
             </a:fld>
@@ -25967,7 +26545,7 @@
         <p:spPr>
           <a:xfrm>
             <a:off x="360000" y="-48960"/>
-            <a:ext cx="9358920" cy="935280"/>
+            <a:ext cx="9358560" cy="934920"/>
           </a:xfrm>
           <a:prstGeom prst="rect">
             <a:avLst/>
@@ -26016,7 +26594,7 @@
         <p:spPr>
           <a:xfrm>
             <a:off x="360000" y="1080000"/>
-            <a:ext cx="9358920" cy="3598920"/>
+            <a:ext cx="9358560" cy="3598560"/>
           </a:xfrm>
           <a:prstGeom prst="rect">
             <a:avLst/>
@@ -26096,7 +26674,7 @@
         <p:txBody>
           <a:bodyPr/>
           <a:p>
-            <a:fld id="{D4BD36CC-D503-4EED-885A-49C8A373FB4D}" type="slidenum">
+            <a:fld id="{78B3E2E1-2176-4E2B-83B7-D4C77A1F12C4}" type="slidenum">
               <a:t>45</a:t>
             </a:fld>
           </a:p>
@@ -26116,7 +26694,7 @@
         <p:txBody>
           <a:bodyPr/>
           <a:p>
-            <a:fld id="{53173BAD-7776-4396-A95F-B59D1B360AD8}" type="datetime1">
+            <a:fld id="{FAE48A25-8D92-4469-9320-B0589D310B2B}" type="datetime1">
               <a:rPr lang="en-IN"/>
               <a:t>13/12/2024</a:t>
             </a:fld>
@@ -26166,7 +26744,7 @@
         <p:spPr>
           <a:xfrm>
             <a:off x="360000" y="180000"/>
-            <a:ext cx="9358920" cy="477000"/>
+            <a:ext cx="9358560" cy="476640"/>
           </a:xfrm>
           <a:prstGeom prst="rect">
             <a:avLst/>
@@ -26215,7 +26793,7 @@
         <p:spPr>
           <a:xfrm>
             <a:off x="206280" y="772560"/>
-            <a:ext cx="9358920" cy="3598920"/>
+            <a:ext cx="9358560" cy="3598560"/>
           </a:xfrm>
           <a:prstGeom prst="rect">
             <a:avLst/>
@@ -26459,7 +27037,7 @@
         <p:txBody>
           <a:bodyPr/>
           <a:p>
-            <a:fld id="{9637617F-160D-44C3-8F4F-E8D4B0A47AC3}" type="slidenum">
+            <a:fld id="{623BBBD2-C1B8-4085-B539-4D51DEB761A5}" type="slidenum">
               <a:t>46</a:t>
             </a:fld>
           </a:p>
@@ -26479,7 +27057,7 @@
         <p:txBody>
           <a:bodyPr/>
           <a:p>
-            <a:fld id="{DE8052EF-816C-40A4-A08E-8F4ABA7E36B4}" type="datetime1">
+            <a:fld id="{CDC3EA15-8242-4688-991F-D89E84C49305}" type="datetime1">
               <a:rPr lang="en-IN"/>
               <a:t>13/12/2024</a:t>
             </a:fld>
@@ -26529,7 +27107,7 @@
         <p:spPr>
           <a:xfrm>
             <a:off x="360000" y="180000"/>
-            <a:ext cx="9358920" cy="477000"/>
+            <a:ext cx="9358560" cy="476640"/>
           </a:xfrm>
           <a:prstGeom prst="rect">
             <a:avLst/>
@@ -26578,7 +27156,7 @@
         <p:spPr>
           <a:xfrm>
             <a:off x="206280" y="772560"/>
-            <a:ext cx="9358920" cy="3598920"/>
+            <a:ext cx="9358560" cy="3598560"/>
           </a:xfrm>
           <a:prstGeom prst="rect">
             <a:avLst/>
@@ -26612,7 +27190,7 @@
         <p:spPr>
           <a:xfrm>
             <a:off x="445320" y="921240"/>
-            <a:ext cx="3391920" cy="2594520"/>
+            <a:ext cx="3391560" cy="2594160"/>
           </a:xfrm>
           <a:prstGeom prst="rect">
             <a:avLst/>
@@ -26635,7 +27213,7 @@
         <p:spPr>
           <a:xfrm>
             <a:off x="3749040" y="713160"/>
-            <a:ext cx="6423480" cy="4340520"/>
+            <a:ext cx="6423120" cy="4340160"/>
           </a:xfrm>
           <a:prstGeom prst="rect">
             <a:avLst/>
@@ -26659,7 +27237,7 @@
         <p:txBody>
           <a:bodyPr/>
           <a:p>
-            <a:fld id="{194028EC-9127-4895-9B6A-3D2D192E8E3C}" type="slidenum">
+            <a:fld id="{E9CB8223-0519-42E6-A038-B5D80152A123}" type="slidenum">
               <a:t>47</a:t>
             </a:fld>
           </a:p>
@@ -26679,7 +27257,7 @@
         <p:txBody>
           <a:bodyPr/>
           <a:p>
-            <a:fld id="{A2E87FD9-A29E-46B7-A155-A3FC768EB667}" type="datetime1">
+            <a:fld id="{DAEED86A-B3D1-4DDE-9EB0-795B6FCF38EB}" type="datetime1">
               <a:rPr lang="en-IN"/>
               <a:t>13/12/2024</a:t>
             </a:fld>
@@ -26729,7 +27307,7 @@
         <p:spPr>
           <a:xfrm>
             <a:off x="360000" y="180000"/>
-            <a:ext cx="9358920" cy="477000"/>
+            <a:ext cx="9358560" cy="476640"/>
           </a:xfrm>
           <a:prstGeom prst="rect">
             <a:avLst/>
@@ -26778,7 +27356,7 @@
         <p:spPr>
           <a:xfrm>
             <a:off x="206280" y="772560"/>
-            <a:ext cx="9358920" cy="3598920"/>
+            <a:ext cx="9358560" cy="3598560"/>
           </a:xfrm>
           <a:prstGeom prst="rect">
             <a:avLst/>
@@ -27133,7 +27711,7 @@
         <p:txBody>
           <a:bodyPr/>
           <a:p>
-            <a:fld id="{83ABBAFF-6E87-4A01-9354-C89F180B1C33}" type="slidenum">
+            <a:fld id="{9DB4B099-CA4C-44CF-B259-7E4BCB9FBDD1}" type="slidenum">
               <a:t>48</a:t>
             </a:fld>
           </a:p>
@@ -27153,7 +27731,7 @@
         <p:txBody>
           <a:bodyPr/>
           <a:p>
-            <a:fld id="{F27471C3-8287-472B-AF71-BEED12B1D237}" type="datetime1">
+            <a:fld id="{1A14034F-FAED-4E41-AE36-B2248C4BBD83}" type="datetime1">
               <a:rPr lang="en-IN"/>
               <a:t>13/12/2024</a:t>
             </a:fld>
@@ -27203,7 +27781,7 @@
         <p:spPr>
           <a:xfrm>
             <a:off x="360000" y="180000"/>
-            <a:ext cx="9358920" cy="477000"/>
+            <a:ext cx="9358560" cy="476640"/>
           </a:xfrm>
           <a:prstGeom prst="rect">
             <a:avLst/>
@@ -27252,7 +27830,7 @@
         <p:spPr>
           <a:xfrm>
             <a:off x="206280" y="772560"/>
-            <a:ext cx="9358920" cy="3598920"/>
+            <a:ext cx="9358560" cy="3598560"/>
           </a:xfrm>
           <a:prstGeom prst="rect">
             <a:avLst/>
@@ -27531,7 +28109,7 @@
         <p:spPr>
           <a:xfrm>
             <a:off x="2175120" y="1299960"/>
-            <a:ext cx="5310360" cy="1118880"/>
+            <a:ext cx="5310000" cy="1118520"/>
           </a:xfrm>
           <a:prstGeom prst="rect">
             <a:avLst/>
@@ -27554,7 +28132,7 @@
         <p:spPr>
           <a:xfrm>
             <a:off x="2676240" y="3946320"/>
-            <a:ext cx="5104440" cy="1195200"/>
+            <a:ext cx="5104080" cy="1194840"/>
           </a:xfrm>
           <a:prstGeom prst="rect">
             <a:avLst/>
@@ -27577,7 +28155,7 @@
         <p:spPr>
           <a:xfrm>
             <a:off x="2445120" y="2851560"/>
-            <a:ext cx="5119920" cy="951480"/>
+            <a:ext cx="5119560" cy="951120"/>
           </a:xfrm>
           <a:prstGeom prst="rect">
             <a:avLst/>
@@ -27601,7 +28179,7 @@
         <p:txBody>
           <a:bodyPr/>
           <a:p>
-            <a:fld id="{EBABC971-5541-4C3E-90EA-A2CBDCCD7AE8}" type="slidenum">
+            <a:fld id="{0C5CD40D-02A8-4709-BD4D-73D75AEE4996}" type="slidenum">
               <a:t>49</a:t>
             </a:fld>
           </a:p>
@@ -27621,7 +28199,7 @@
         <p:txBody>
           <a:bodyPr/>
           <a:p>
-            <a:fld id="{B27BAAE3-CC63-4581-9674-0854815186F3}" type="datetime1">
+            <a:fld id="{25FB8E44-4971-4918-B28B-2A8A0C138F05}" type="datetime1">
               <a:rPr lang="en-IN"/>
               <a:t>13/12/2024</a:t>
             </a:fld>
@@ -27671,7 +28249,7 @@
         <p:spPr>
           <a:xfrm>
             <a:off x="360000" y="180000"/>
-            <a:ext cx="9358920" cy="477000"/>
+            <a:ext cx="9358560" cy="476640"/>
           </a:xfrm>
           <a:prstGeom prst="rect">
             <a:avLst/>
@@ -27723,7 +28301,7 @@
         <p:spPr>
           <a:xfrm>
             <a:off x="360000" y="1080000"/>
-            <a:ext cx="9358920" cy="3598920"/>
+            <a:ext cx="9358560" cy="3598560"/>
           </a:xfrm>
           <a:prstGeom prst="rect">
             <a:avLst/>
@@ -28040,7 +28618,7 @@
         <p:txBody>
           <a:bodyPr/>
           <a:p>
-            <a:fld id="{0C48EAEE-7F03-4C3A-AB1C-687A900C539B}" type="slidenum">
+            <a:fld id="{936867E0-B7A8-4664-9230-17B6608F33A2}" type="slidenum">
               <a:t>5</a:t>
             </a:fld>
           </a:p>
@@ -28060,7 +28638,7 @@
         <p:txBody>
           <a:bodyPr/>
           <a:p>
-            <a:fld id="{1672A5B5-646C-4E0F-B3B2-1E95EACAC949}" type="datetime1">
+            <a:fld id="{CB19742E-B10F-427F-A400-5EE4E2B8DD51}" type="datetime1">
               <a:rPr lang="en-IN"/>
               <a:t>13/12/2024</a:t>
             </a:fld>
@@ -28110,7 +28688,7 @@
         <p:spPr>
           <a:xfrm>
             <a:off x="360000" y="180000"/>
-            <a:ext cx="9358920" cy="477000"/>
+            <a:ext cx="9358560" cy="476640"/>
           </a:xfrm>
           <a:prstGeom prst="rect">
             <a:avLst/>
@@ -28159,7 +28737,7 @@
         <p:spPr>
           <a:xfrm>
             <a:off x="360000" y="1080000"/>
-            <a:ext cx="9358920" cy="3598920"/>
+            <a:ext cx="9358560" cy="3598560"/>
           </a:xfrm>
           <a:prstGeom prst="rect">
             <a:avLst/>
@@ -28497,7 +29075,7 @@
         <p:spPr>
           <a:xfrm>
             <a:off x="660600" y="2507760"/>
-            <a:ext cx="3138480" cy="379800"/>
+            <a:ext cx="3138120" cy="379440"/>
           </a:xfrm>
           <a:prstGeom prst="rect">
             <a:avLst/>
@@ -28520,7 +29098,7 @@
         <p:spPr>
           <a:xfrm>
             <a:off x="837360" y="3624480"/>
-            <a:ext cx="2643120" cy="356760"/>
+            <a:ext cx="2642760" cy="356400"/>
           </a:xfrm>
           <a:prstGeom prst="rect">
             <a:avLst/>
@@ -28543,7 +29121,7 @@
         <p:spPr>
           <a:xfrm>
             <a:off x="787680" y="4477680"/>
-            <a:ext cx="5089320" cy="318960"/>
+            <a:ext cx="5088960" cy="318600"/>
           </a:xfrm>
           <a:prstGeom prst="rect">
             <a:avLst/>
@@ -28567,7 +29145,7 @@
         <p:txBody>
           <a:bodyPr/>
           <a:p>
-            <a:fld id="{6BE2F37E-3F3F-47C7-AB2D-1C2D5918149D}" type="slidenum">
+            <a:fld id="{4283334A-CEA6-41B4-8397-AB18AD783D86}" type="slidenum">
               <a:t>50</a:t>
             </a:fld>
           </a:p>
@@ -28587,7 +29165,7 @@
         <p:txBody>
           <a:bodyPr/>
           <a:p>
-            <a:fld id="{C55EB7AD-FC47-4F4A-9389-A9E27DB44466}" type="datetime1">
+            <a:fld id="{EF84E97C-D6F6-4C62-A97B-681792F290C0}" type="datetime1">
               <a:rPr lang="en-IN"/>
               <a:t>13/12/2024</a:t>
             </a:fld>
@@ -28637,7 +29215,7 @@
         <p:spPr>
           <a:xfrm>
             <a:off x="360000" y="180000"/>
-            <a:ext cx="9358920" cy="477000"/>
+            <a:ext cx="9358560" cy="476640"/>
           </a:xfrm>
           <a:prstGeom prst="rect">
             <a:avLst/>
@@ -28686,7 +29264,7 @@
         <p:spPr>
           <a:xfrm>
             <a:off x="360000" y="1080000"/>
-            <a:ext cx="9358920" cy="3598920"/>
+            <a:ext cx="9358560" cy="3598560"/>
           </a:xfrm>
           <a:prstGeom prst="rect">
             <a:avLst/>
@@ -28736,7 +29314,7 @@
         <p:spPr>
           <a:xfrm>
             <a:off x="732240" y="1773360"/>
-            <a:ext cx="5721840" cy="394920"/>
+            <a:ext cx="5721480" cy="394560"/>
           </a:xfrm>
           <a:prstGeom prst="rect">
             <a:avLst/>
@@ -28760,7 +29338,7 @@
         <p:txBody>
           <a:bodyPr/>
           <a:p>
-            <a:fld id="{001FA6C8-D541-4A3A-8181-151055290D3F}" type="slidenum">
+            <a:fld id="{6D2F497C-F6CD-4AC2-AC3B-D97840F52A68}" type="slidenum">
               <a:t>51</a:t>
             </a:fld>
           </a:p>
@@ -28780,7 +29358,7 @@
         <p:txBody>
           <a:bodyPr/>
           <a:p>
-            <a:fld id="{E1EB1190-597A-4516-9C7E-8EDF83B0A671}" type="datetime1">
+            <a:fld id="{55BFE39C-B4BE-4A78-B5EA-55860B4C45F6}" type="datetime1">
               <a:rPr lang="en-IN"/>
               <a:t>13/12/2024</a:t>
             </a:fld>
@@ -28830,7 +29408,7 @@
         <p:spPr>
           <a:xfrm>
             <a:off x="360000" y="106200"/>
-            <a:ext cx="9358920" cy="624600"/>
+            <a:ext cx="9358560" cy="624240"/>
           </a:xfrm>
           <a:prstGeom prst="rect">
             <a:avLst/>
@@ -28872,7 +29450,7 @@
         <p:spPr>
           <a:xfrm>
             <a:off x="-39960" y="900000"/>
-            <a:ext cx="10188360" cy="2374560"/>
+            <a:ext cx="10188000" cy="2374200"/>
           </a:xfrm>
           <a:prstGeom prst="rect">
             <a:avLst/>
@@ -28901,7 +29479,11 @@
             </a:pPr>
             <a:r>
               <a:rPr b="0" lang="en-IN" sz="1800" spc="-1" strike="noStrike">
-                <a:latin typeface="Arial"/>
+                <a:solidFill>
+                  <a:srgbClr val="000000"/>
+                </a:solidFill>
+                <a:latin typeface="Arial"/>
+                <a:ea typeface="DejaVu Sans"/>
               </a:rPr>
               <a:t>Cardinality in databases refers to the number of instances of one entity that can or must be associated with the number of instances of another entity in a relationship. It defines the nature and constraints of the relationship between entities.</a:t>
             </a:r>
@@ -28929,7 +29511,11 @@
             </a:pPr>
             <a:r>
               <a:rPr b="0" lang="en-IN" sz="1800" spc="-1" strike="noStrike">
-                <a:latin typeface="Arial"/>
+                <a:solidFill>
+                  <a:srgbClr val="000000"/>
+                </a:solidFill>
+                <a:latin typeface="Arial"/>
+                <a:ea typeface="DejaVu Sans"/>
               </a:rPr>
               <a:t>Types of cardinality : 1 to 1, 1 to M and M to M.</a:t>
             </a:r>
@@ -28953,7 +29539,7 @@
         <p:txBody>
           <a:bodyPr/>
           <a:p>
-            <a:fld id="{C000AAC4-73F1-4413-9402-2476603017F2}" type="slidenum">
+            <a:fld id="{142FF3FB-EEE2-4D45-8A06-0428DE2167DC}" type="slidenum">
               <a:t>52</a:t>
             </a:fld>
           </a:p>
@@ -28973,7 +29559,7 @@
         <p:txBody>
           <a:bodyPr/>
           <a:p>
-            <a:fld id="{1180A240-6C0F-42C4-B59A-3441BBCEA936}" type="datetime1">
+            <a:fld id="{E450E579-6C74-4816-98BD-BB9DE7ACAD25}" type="datetime1">
               <a:rPr lang="en-IN"/>
               <a:t>13/12/2024</a:t>
             </a:fld>
@@ -29023,7 +29609,7 @@
         <p:spPr>
           <a:xfrm>
             <a:off x="360000" y="106200"/>
-            <a:ext cx="9358920" cy="624600"/>
+            <a:ext cx="9358560" cy="624240"/>
           </a:xfrm>
           <a:prstGeom prst="rect">
             <a:avLst/>
@@ -29065,7 +29651,7 @@
         <p:spPr>
           <a:xfrm>
             <a:off x="180000" y="731160"/>
-            <a:ext cx="9719640" cy="4308480"/>
+            <a:ext cx="9719280" cy="4308120"/>
           </a:xfrm>
           <a:prstGeom prst="rect">
             <a:avLst/>
@@ -29094,7 +29680,11 @@
             </a:pPr>
             <a:r>
               <a:rPr b="0" lang="en-IN" sz="1800" spc="-1" strike="noStrike">
-                <a:latin typeface="Arial"/>
+                <a:solidFill>
+                  <a:srgbClr val="000000"/>
+                </a:solidFill>
+                <a:latin typeface="Arial"/>
+                <a:ea typeface="DejaVu Sans"/>
               </a:rPr>
               <a:t>The Relational Database Model is a method of structuring data using tables (also called relations) to organize and manage data in a database. It is based on the principles of relational algebra and was introduced by E.F. Codd in 1970.</a:t>
             </a:r>
@@ -29122,7 +29712,11 @@
             </a:pPr>
             <a:r>
               <a:rPr b="0" lang="en-IN" sz="1800" spc="-1" strike="noStrike">
-                <a:latin typeface="Arial"/>
+                <a:solidFill>
+                  <a:srgbClr val="000000"/>
+                </a:solidFill>
+                <a:latin typeface="Arial"/>
+                <a:ea typeface="DejaVu Sans"/>
               </a:rPr>
               <a:t>Key Concepts in the Relational Database Model:</a:t>
             </a:r>
@@ -29139,13 +29733,21 @@
             </a:pPr>
             <a:r>
               <a:rPr b="1" lang="en-IN" sz="1800" spc="-1" strike="noStrike">
-                <a:latin typeface="Arial"/>
+                <a:solidFill>
+                  <a:srgbClr val="000000"/>
+                </a:solidFill>
+                <a:latin typeface="Arial"/>
+                <a:ea typeface="DejaVu Sans"/>
               </a:rPr>
               <a:t>Relation (Table):</a:t>
             </a:r>
             <a:r>
               <a:rPr b="0" lang="en-IN" sz="1800" spc="-1" strike="noStrike">
-                <a:latin typeface="Arial"/>
+                <a:solidFill>
+                  <a:srgbClr val="000000"/>
+                </a:solidFill>
+                <a:latin typeface="Arial"/>
+                <a:ea typeface="DejaVu Sans"/>
               </a:rPr>
               <a:t> A table is a collection of data organized into rows and columns.</a:t>
             </a:r>
@@ -29162,13 +29764,21 @@
             </a:pPr>
             <a:r>
               <a:rPr b="1" lang="en-IN" sz="1800" spc="-1" strike="noStrike">
-                <a:latin typeface="Arial"/>
+                <a:solidFill>
+                  <a:srgbClr val="000000"/>
+                </a:solidFill>
+                <a:latin typeface="Arial"/>
+                <a:ea typeface="DejaVu Sans"/>
               </a:rPr>
               <a:t>Tuple (Row):</a:t>
             </a:r>
             <a:r>
               <a:rPr b="0" lang="en-IN" sz="1800" spc="-1" strike="noStrike">
-                <a:latin typeface="Arial"/>
+                <a:solidFill>
+                  <a:srgbClr val="000000"/>
+                </a:solidFill>
+                <a:latin typeface="Arial"/>
+                <a:ea typeface="DejaVu Sans"/>
               </a:rPr>
               <a:t> A tuple represents a single record in a table.</a:t>
             </a:r>
@@ -29185,13 +29795,21 @@
             </a:pPr>
             <a:r>
               <a:rPr b="1" lang="en-IN" sz="1800" spc="-1" strike="noStrike">
-                <a:latin typeface="Arial"/>
+                <a:solidFill>
+                  <a:srgbClr val="000000"/>
+                </a:solidFill>
+                <a:latin typeface="Arial"/>
+                <a:ea typeface="DejaVu Sans"/>
               </a:rPr>
               <a:t>Attribute (Column):</a:t>
             </a:r>
             <a:r>
               <a:rPr b="0" lang="en-IN" sz="1800" spc="-1" strike="noStrike">
-                <a:latin typeface="Arial"/>
+                <a:solidFill>
+                  <a:srgbClr val="000000"/>
+                </a:solidFill>
+                <a:latin typeface="Arial"/>
+                <a:ea typeface="DejaVu Sans"/>
               </a:rPr>
               <a:t> Attributes are the properties or characteristics of an entity, represented as columns in a table.</a:t>
             </a:r>
@@ -29208,13 +29826,21 @@
             </a:pPr>
             <a:r>
               <a:rPr b="1" lang="en-IN" sz="1800" spc="-1" strike="noStrike">
-                <a:latin typeface="Arial"/>
+                <a:solidFill>
+                  <a:srgbClr val="000000"/>
+                </a:solidFill>
+                <a:latin typeface="Arial"/>
+                <a:ea typeface="DejaVu Sans"/>
               </a:rPr>
               <a:t>Domain: </a:t>
             </a:r>
             <a:r>
               <a:rPr b="0" lang="en-IN" sz="1800" spc="-1" strike="noStrike">
-                <a:latin typeface="Arial"/>
+                <a:solidFill>
+                  <a:srgbClr val="000000"/>
+                </a:solidFill>
+                <a:latin typeface="Arial"/>
+                <a:ea typeface="DejaVu Sans"/>
               </a:rPr>
               <a:t> A domain is the set of permissible values for an attribute. Example: The domain for Age might be integers between 0 and 120.</a:t>
             </a:r>
@@ -29231,13 +29857,21 @@
             </a:pPr>
             <a:r>
               <a:rPr b="1" lang="en-IN" sz="1800" spc="-1" strike="noStrike">
-                <a:latin typeface="Arial"/>
+                <a:solidFill>
+                  <a:srgbClr val="000000"/>
+                </a:solidFill>
+                <a:latin typeface="Arial"/>
+                <a:ea typeface="DejaVu Sans"/>
               </a:rPr>
               <a:t>Primary Key:</a:t>
             </a:r>
             <a:r>
               <a:rPr b="0" lang="en-IN" sz="1800" spc="-1" strike="noStrike">
-                <a:latin typeface="Arial"/>
+                <a:solidFill>
+                  <a:srgbClr val="000000"/>
+                </a:solidFill>
+                <a:latin typeface="Arial"/>
+                <a:ea typeface="DejaVu Sans"/>
               </a:rPr>
               <a:t>A unique identifier for each row in a table.</a:t>
             </a:r>
@@ -29254,13 +29888,21 @@
             </a:pPr>
             <a:r>
               <a:rPr b="1" lang="en-IN" sz="1800" spc="-1" strike="noStrike">
-                <a:latin typeface="Arial"/>
+                <a:solidFill>
+                  <a:srgbClr val="000000"/>
+                </a:solidFill>
+                <a:latin typeface="Arial"/>
+                <a:ea typeface="DejaVu Sans"/>
               </a:rPr>
               <a:t>Foreign Key: </a:t>
             </a:r>
             <a:r>
               <a:rPr b="0" lang="en-IN" sz="1800" spc="-1" strike="noStrike">
-                <a:latin typeface="Arial"/>
+                <a:solidFill>
+                  <a:srgbClr val="000000"/>
+                </a:solidFill>
+                <a:latin typeface="Arial"/>
+                <a:ea typeface="DejaVu Sans"/>
               </a:rPr>
               <a:t>An attribute in one table that refers to the primary key in another table, establishing a relationship between the tables.</a:t>
             </a:r>
@@ -29277,13 +29919,21 @@
             </a:pPr>
             <a:r>
               <a:rPr b="1" lang="en-IN" sz="1800" spc="-1" strike="noStrike">
-                <a:latin typeface="Arial"/>
+                <a:solidFill>
+                  <a:srgbClr val="000000"/>
+                </a:solidFill>
+                <a:latin typeface="Arial"/>
+                <a:ea typeface="DejaVu Sans"/>
               </a:rPr>
               <a:t>Relation Schema: </a:t>
             </a:r>
             <a:r>
               <a:rPr b="0" lang="en-IN" sz="1800" spc="-1" strike="noStrike">
-                <a:latin typeface="Arial"/>
+                <a:solidFill>
+                  <a:srgbClr val="000000"/>
+                </a:solidFill>
+                <a:latin typeface="Arial"/>
+                <a:ea typeface="DejaVu Sans"/>
               </a:rPr>
               <a:t>The structure of a relation, including the table name, attributes, and data types.</a:t>
             </a:r>
@@ -29307,7 +29957,7 @@
         <p:txBody>
           <a:bodyPr/>
           <a:p>
-            <a:fld id="{11EA578A-3091-43DD-896F-033141A0B6F5}" type="slidenum">
+            <a:fld id="{AD620DA6-440D-4EDA-98F0-4CEFFC2E5AE1}" type="slidenum">
               <a:t>53</a:t>
             </a:fld>
           </a:p>
@@ -29327,7 +29977,7 @@
         <p:txBody>
           <a:bodyPr/>
           <a:p>
-            <a:fld id="{4FDC5577-D824-4C2F-A198-AA7EAF9EA4B9}" type="datetime1">
+            <a:fld id="{478261F4-77E7-4414-85D7-91BA89D0FB3A}" type="datetime1">
               <a:rPr lang="en-IN"/>
               <a:t>13/12/2024</a:t>
             </a:fld>
@@ -29377,7 +30027,7 @@
         <p:spPr>
           <a:xfrm>
             <a:off x="360000" y="179640"/>
-            <a:ext cx="9358920" cy="477000"/>
+            <a:ext cx="9358560" cy="476640"/>
           </a:xfrm>
           <a:prstGeom prst="rect">
             <a:avLst/>
@@ -29424,7 +30074,7 @@
         <p:txBody>
           <a:bodyPr/>
           <a:p>
-            <a:fld id="{4EA6B773-2F3E-4BFA-A359-A03960CE2F69}" type="slidenum">
+            <a:fld id="{F7579CE3-1F34-4C16-AE68-BBCE4FB99FD1}" type="slidenum">
               <a:t>54</a:t>
             </a:fld>
           </a:p>
@@ -29444,7 +30094,7 @@
         <p:txBody>
           <a:bodyPr/>
           <a:p>
-            <a:fld id="{B88559BE-569E-4A28-8D9C-A5687888C830}" type="datetime1">
+            <a:fld id="{0288F06D-5A8C-4100-8351-4897E575AA5E}" type="datetime1">
               <a:rPr lang="en-IN"/>
               <a:t>13/12/2024</a:t>
             </a:fld>
@@ -29494,7 +30144,7 @@
         <p:spPr>
           <a:xfrm>
             <a:off x="360000" y="106200"/>
-            <a:ext cx="9358920" cy="624600"/>
+            <a:ext cx="9358560" cy="624240"/>
           </a:xfrm>
           <a:prstGeom prst="rect">
             <a:avLst/>
@@ -29536,7 +30186,7 @@
         <p:spPr>
           <a:xfrm>
             <a:off x="-73440" y="900000"/>
-            <a:ext cx="10255680" cy="2374560"/>
+            <a:ext cx="10255320" cy="2374200"/>
           </a:xfrm>
           <a:prstGeom prst="rect">
             <a:avLst/>
@@ -29565,7 +30215,11 @@
             </a:pPr>
             <a:r>
               <a:rPr b="0" lang="en-IN" sz="1800" spc="-1" strike="noStrike">
-                <a:latin typeface="Arial"/>
+                <a:solidFill>
+                  <a:srgbClr val="000000"/>
+                </a:solidFill>
+                <a:latin typeface="Arial"/>
+                <a:ea typeface="DejaVu Sans"/>
               </a:rPr>
               <a:t>Git is a distributed version control system that allows developers to track changes in their codebase, collaborate with others, and manage projects effectively. It is an essential tool for modern software development.</a:t>
             </a:r>
@@ -29589,7 +30243,7 @@
         <p:txBody>
           <a:bodyPr/>
           <a:p>
-            <a:fld id="{FF99DC14-FC80-40B4-B4BF-D161C8A477DC}" type="slidenum">
+            <a:fld id="{37F94C33-F7E9-46CE-A97F-327B7817BCD2}" type="slidenum">
               <a:t>55</a:t>
             </a:fld>
           </a:p>
@@ -29609,7 +30263,7 @@
         <p:txBody>
           <a:bodyPr/>
           <a:p>
-            <a:fld id="{77744B29-61EF-4968-A634-549E5CA2F40E}" type="datetime1">
+            <a:fld id="{CFEB8797-18AE-454C-B888-498CE5A00237}" type="datetime1">
               <a:rPr lang="en-IN"/>
               <a:t>13/12/2024</a:t>
             </a:fld>
@@ -29659,7 +30313,7 @@
         <p:spPr>
           <a:xfrm>
             <a:off x="360000" y="106200"/>
-            <a:ext cx="9358920" cy="624600"/>
+            <a:ext cx="9358560" cy="624240"/>
           </a:xfrm>
           <a:prstGeom prst="rect">
             <a:avLst/>
@@ -29701,7 +30355,7 @@
         <p:spPr>
           <a:xfrm>
             <a:off x="-73440" y="1989720"/>
-            <a:ext cx="10255680" cy="858240"/>
+            <a:ext cx="10255320" cy="857880"/>
           </a:xfrm>
           <a:prstGeom prst="rect">
             <a:avLst/>
@@ -29730,7 +30384,11 @@
             </a:pPr>
             <a:r>
               <a:rPr b="0" lang="en-IN" sz="1800" spc="-1" strike="noStrike">
-                <a:latin typeface="Arial"/>
+                <a:solidFill>
+                  <a:srgbClr val="000000"/>
+                </a:solidFill>
+                <a:latin typeface="Arial"/>
+                <a:ea typeface="DejaVu Sans"/>
               </a:rPr>
               <a:t>Provided in another PPT.</a:t>
             </a:r>
@@ -29754,7 +30412,7 @@
         <p:txBody>
           <a:bodyPr/>
           <a:p>
-            <a:fld id="{12ECCC5C-01D2-411F-BC2A-56CC1F662AAD}" type="slidenum">
+            <a:fld id="{178AC495-9E6B-492A-8D48-E599E11F93E3}" type="slidenum">
               <a:t>56</a:t>
             </a:fld>
           </a:p>
@@ -29774,7 +30432,7 @@
         <p:txBody>
           <a:bodyPr/>
           <a:p>
-            <a:fld id="{63972F04-9FBC-48C0-A8E9-34927532EFAF}" type="datetime1">
+            <a:fld id="{FEC2C5C1-B6A9-4CD2-B5DC-EF6EAC1A0A17}" type="datetime1">
               <a:rPr lang="en-IN"/>
               <a:t>13/12/2024</a:t>
             </a:fld>
@@ -29824,7 +30482,7 @@
         <p:spPr>
           <a:xfrm>
             <a:off x="360000" y="106200"/>
-            <a:ext cx="9358920" cy="624600"/>
+            <a:ext cx="9358560" cy="624240"/>
           </a:xfrm>
           <a:prstGeom prst="rect">
             <a:avLst/>
@@ -29871,7 +30529,7 @@
         <p:txBody>
           <a:bodyPr/>
           <a:p>
-            <a:fld id="{43D0658F-4D7A-45C0-8891-94AC31306779}" type="slidenum">
+            <a:fld id="{9686FBF1-0079-44B0-816B-8BD237AC2D31}" type="slidenum">
               <a:t>57</a:t>
             </a:fld>
           </a:p>
@@ -29891,7 +30549,7 @@
         <p:txBody>
           <a:bodyPr/>
           <a:p>
-            <a:fld id="{6BD6CEE1-6FB5-4D63-85BB-E54DF5F11E81}" type="datetime1">
+            <a:fld id="{603D1A92-A166-45DF-A6FD-2A06D47CB01C}" type="datetime1">
               <a:rPr lang="en-IN"/>
               <a:t>13/12/2024</a:t>
             </a:fld>
@@ -29941,7 +30599,7 @@
         <p:spPr>
           <a:xfrm>
             <a:off x="360000" y="106200"/>
-            <a:ext cx="9358920" cy="624600"/>
+            <a:ext cx="9358560" cy="624240"/>
           </a:xfrm>
           <a:prstGeom prst="rect">
             <a:avLst/>
@@ -29988,7 +30646,7 @@
         <p:txBody>
           <a:bodyPr/>
           <a:p>
-            <a:fld id="{90F0A522-AED0-40FD-8467-4D3F824225FB}" type="slidenum">
+            <a:fld id="{E305C808-B1D1-453A-8A05-A9CD64A4F56F}" type="slidenum">
               <a:t>58</a:t>
             </a:fld>
           </a:p>
@@ -30008,7 +30666,7 @@
         <p:txBody>
           <a:bodyPr/>
           <a:p>
-            <a:fld id="{8FDE798D-CC8C-4744-B17A-53CD25D6685E}" type="datetime1">
+            <a:fld id="{D13E1326-9148-42C0-A1F6-7C7226123D52}" type="datetime1">
               <a:rPr lang="en-IN"/>
               <a:t>13/12/2024</a:t>
             </a:fld>
@@ -30058,7 +30716,7 @@
         <p:spPr>
           <a:xfrm>
             <a:off x="360000" y="106200"/>
-            <a:ext cx="9358920" cy="624600"/>
+            <a:ext cx="9358560" cy="624240"/>
           </a:xfrm>
           <a:prstGeom prst="rect">
             <a:avLst/>
@@ -30105,7 +30763,7 @@
         <p:txBody>
           <a:bodyPr/>
           <a:p>
-            <a:fld id="{FA0B36A8-97BE-487A-8E69-F77836616A88}" type="slidenum">
+            <a:fld id="{F7058E26-8375-44DE-9078-BD1F9C47E19F}" type="slidenum">
               <a:t>59</a:t>
             </a:fld>
           </a:p>
@@ -30125,7 +30783,7 @@
         <p:txBody>
           <a:bodyPr/>
           <a:p>
-            <a:fld id="{2CDFF41E-9762-455A-91F5-F2F8A27003BA}" type="datetime1">
+            <a:fld id="{B5C84ED9-E766-4418-A843-B0D84321229C}" type="datetime1">
               <a:rPr lang="en-IN"/>
               <a:t>13/12/2024</a:t>
             </a:fld>
@@ -30175,7 +30833,7 @@
         <p:spPr>
           <a:xfrm>
             <a:off x="360000" y="180000"/>
-            <a:ext cx="9358920" cy="477000"/>
+            <a:ext cx="9358560" cy="476640"/>
           </a:xfrm>
           <a:prstGeom prst="rect">
             <a:avLst/>
@@ -30227,7 +30885,7 @@
         <p:spPr>
           <a:xfrm>
             <a:off x="360000" y="1080000"/>
-            <a:ext cx="9358920" cy="3598920"/>
+            <a:ext cx="9358560" cy="3598560"/>
           </a:xfrm>
           <a:prstGeom prst="rect">
             <a:avLst/>
@@ -30509,7 +31167,7 @@
         <p:txBody>
           <a:bodyPr/>
           <a:p>
-            <a:fld id="{94F8593B-BBCF-4DF3-9E47-AB2D07A4E0A2}" type="slidenum">
+            <a:fld id="{C6B8CE5E-877A-48B0-A487-B44DDAD056FC}" type="slidenum">
               <a:t>6</a:t>
             </a:fld>
           </a:p>
@@ -30529,7 +31187,7 @@
         <p:txBody>
           <a:bodyPr/>
           <a:p>
-            <a:fld id="{9BFCEAF7-1629-4ABC-B64F-5F219498E684}" type="datetime1">
+            <a:fld id="{225288DA-CE11-4821-9168-3EC656883DAD}" type="datetime1">
               <a:rPr lang="en-IN"/>
               <a:t>13/12/2024</a:t>
             </a:fld>
@@ -30579,7 +31237,7 @@
         <p:spPr>
           <a:xfrm>
             <a:off x="360000" y="106200"/>
-            <a:ext cx="9358920" cy="624600"/>
+            <a:ext cx="9358560" cy="624240"/>
           </a:xfrm>
           <a:prstGeom prst="rect">
             <a:avLst/>
@@ -30625,7 +31283,7 @@
         <p:spPr>
           <a:xfrm>
             <a:off x="1260000" y="1080000"/>
-            <a:ext cx="7177680" cy="3580920"/>
+            <a:ext cx="7177320" cy="3580560"/>
           </a:xfrm>
           <a:prstGeom prst="rect">
             <a:avLst/>
@@ -30649,7 +31307,7 @@
         <p:txBody>
           <a:bodyPr/>
           <a:p>
-            <a:fld id="{D92B1874-C65B-47BB-9406-72E850B6602B}" type="slidenum">
+            <a:fld id="{5A1AC048-0200-45D5-BDBD-39AB17A152C6}" type="slidenum">
               <a:t>60</a:t>
             </a:fld>
           </a:p>
@@ -30669,7 +31327,7 @@
         <p:txBody>
           <a:bodyPr/>
           <a:p>
-            <a:fld id="{9D26FE70-1D63-4E53-9EEB-AF5D4B2A45D7}" type="datetime1">
+            <a:fld id="{F1B82AEC-2610-4E69-AB51-6AA3CB27EDD3}" type="datetime1">
               <a:rPr lang="en-IN"/>
               <a:t>13/12/2024</a:t>
             </a:fld>
@@ -30719,7 +31377,7 @@
         <p:spPr>
           <a:xfrm>
             <a:off x="360000" y="106200"/>
-            <a:ext cx="9358920" cy="624600"/>
+            <a:ext cx="9358560" cy="624240"/>
           </a:xfrm>
           <a:prstGeom prst="rect">
             <a:avLst/>
@@ -30761,7 +31419,7 @@
         <p:spPr>
           <a:xfrm>
             <a:off x="0" y="1080000"/>
-            <a:ext cx="9935640" cy="858240"/>
+            <a:ext cx="9935280" cy="857880"/>
           </a:xfrm>
           <a:prstGeom prst="rect">
             <a:avLst/>
@@ -30790,7 +31448,11 @@
             </a:pPr>
             <a:r>
               <a:rPr b="0" lang="en-IN" sz="1800" spc="-1" strike="noStrike">
-                <a:latin typeface="Arial"/>
+                <a:solidFill>
+                  <a:srgbClr val="000000"/>
+                </a:solidFill>
+                <a:latin typeface="Arial"/>
+                <a:ea typeface="DejaVu Sans"/>
               </a:rPr>
               <a:t>GitLab is an open-source, web-based DevOps platform that provides tools for the entire software development lifecycle, from planning to deployment. It integrates version control (using Git) with additional features like CI/CD pipelines, issue tracking, and code review tools.</a:t>
             </a:r>
@@ -30814,7 +31476,7 @@
         <p:txBody>
           <a:bodyPr/>
           <a:p>
-            <a:fld id="{0854E658-3F28-4020-B25A-5B9AF8F57061}" type="slidenum">
+            <a:fld id="{E560866D-C579-4516-9414-C9396AD5A4B5}" type="slidenum">
               <a:t>61</a:t>
             </a:fld>
           </a:p>
@@ -30834,7 +31496,7 @@
         <p:txBody>
           <a:bodyPr/>
           <a:p>
-            <a:fld id="{B4A9A181-56B2-44EC-989B-948CC55BE7CE}" type="datetime1">
+            <a:fld id="{0AF9C380-E687-42B9-9ABA-20C5179F6D32}" type="datetime1">
               <a:rPr lang="en-IN"/>
               <a:t>13/12/2024</a:t>
             </a:fld>
@@ -30884,7 +31546,7 @@
         <p:spPr>
           <a:xfrm>
             <a:off x="360000" y="106200"/>
-            <a:ext cx="9358920" cy="624600"/>
+            <a:ext cx="9358560" cy="624240"/>
           </a:xfrm>
           <a:prstGeom prst="rect">
             <a:avLst/>
@@ -30931,7 +31593,7 @@
         <p:txBody>
           <a:bodyPr/>
           <a:p>
-            <a:fld id="{22077640-B9F1-4D8D-A913-20B6146A1377}" type="slidenum">
+            <a:fld id="{B95DBA32-1177-45E2-BBEC-391930979B9C}" type="slidenum">
               <a:t>62</a:t>
             </a:fld>
           </a:p>
@@ -30951,7 +31613,7 @@
         <p:txBody>
           <a:bodyPr/>
           <a:p>
-            <a:fld id="{55B3A3F5-AE15-4D8F-94AF-9AF755846AB2}" type="datetime1">
+            <a:fld id="{BD406C8E-0E18-4EFC-9520-4FB8DAC3AA26}" type="datetime1">
               <a:rPr lang="en-IN"/>
               <a:t>13/12/2024</a:t>
             </a:fld>
@@ -31001,7 +31663,7 @@
         <p:spPr>
           <a:xfrm>
             <a:off x="360000" y="106200"/>
-            <a:ext cx="9358920" cy="624600"/>
+            <a:ext cx="9358560" cy="624240"/>
           </a:xfrm>
           <a:prstGeom prst="rect">
             <a:avLst/>
@@ -31048,7 +31710,7 @@
         <p:txBody>
           <a:bodyPr/>
           <a:p>
-            <a:fld id="{9EC4E0EC-07A2-44BA-9CD4-8D18B1D2A038}" type="slidenum">
+            <a:fld id="{36E7AFC9-269A-4785-BD1E-FCC8283C05F3}" type="slidenum">
               <a:t>63</a:t>
             </a:fld>
           </a:p>
@@ -31068,7 +31730,7 @@
         <p:txBody>
           <a:bodyPr/>
           <a:p>
-            <a:fld id="{B59E1399-4E31-43E9-8C0A-5C5099D55DCB}" type="datetime1">
+            <a:fld id="{169197C4-7267-425F-84C0-C81838EF4B7D}" type="datetime1">
               <a:rPr lang="en-IN"/>
               <a:t>13/12/2024</a:t>
             </a:fld>
@@ -31118,7 +31780,7 @@
         <p:spPr>
           <a:xfrm>
             <a:off x="360000" y="106200"/>
-            <a:ext cx="9358920" cy="624600"/>
+            <a:ext cx="9358560" cy="624240"/>
           </a:xfrm>
           <a:prstGeom prst="rect">
             <a:avLst/>
@@ -31165,7 +31827,7 @@
         <p:txBody>
           <a:bodyPr/>
           <a:p>
-            <a:fld id="{A755CF43-4E05-46CF-A443-C9BB765D6B4D}" type="slidenum">
+            <a:fld id="{7F22BE69-539F-41C5-B5B3-FA77B8EAC4D1}" type="slidenum">
               <a:t>64</a:t>
             </a:fld>
           </a:p>
@@ -31185,7 +31847,7 @@
         <p:txBody>
           <a:bodyPr/>
           <a:p>
-            <a:fld id="{EDF65801-BCA6-4C4F-AAA9-EFCDD8142E02}" type="datetime1">
+            <a:fld id="{25D077E3-E606-4EB6-94BA-9513C026011F}" type="datetime1">
               <a:rPr lang="en-IN"/>
               <a:t>13/12/2024</a:t>
             </a:fld>
@@ -31235,7 +31897,7 @@
         <p:spPr>
           <a:xfrm>
             <a:off x="360000" y="106200"/>
-            <a:ext cx="9358920" cy="624600"/>
+            <a:ext cx="9358560" cy="624240"/>
           </a:xfrm>
           <a:prstGeom prst="rect">
             <a:avLst/>
@@ -31282,7 +31944,7 @@
         <p:txBody>
           <a:bodyPr/>
           <a:p>
-            <a:fld id="{56705C92-EF50-49F4-95DC-6D98C48F1028}" type="slidenum">
+            <a:fld id="{2C11EF2F-9CFF-4D99-9620-5EACAC727FBD}" type="slidenum">
               <a:t>65</a:t>
             </a:fld>
           </a:p>
@@ -31302,7 +31964,7 @@
         <p:txBody>
           <a:bodyPr/>
           <a:p>
-            <a:fld id="{ECA528A1-550D-46F8-8C8B-761EC479C088}" type="datetime1">
+            <a:fld id="{EA828650-38C1-47E5-8F9E-E5CB20667B68}" type="datetime1">
               <a:rPr lang="en-IN"/>
               <a:t>13/12/2024</a:t>
             </a:fld>
@@ -31352,7 +32014,7 @@
         <p:spPr>
           <a:xfrm>
             <a:off x="360000" y="106200"/>
-            <a:ext cx="9358920" cy="624600"/>
+            <a:ext cx="9358560" cy="624240"/>
           </a:xfrm>
           <a:prstGeom prst="rect">
             <a:avLst/>
@@ -31399,7 +32061,7 @@
         <p:txBody>
           <a:bodyPr/>
           <a:p>
-            <a:fld id="{8C32ADBD-F6CB-4751-AF0C-6BEFFFF54871}" type="slidenum">
+            <a:fld id="{E38AC304-800E-4AF9-807F-4E78C6E2CBF2}" type="slidenum">
               <a:t>66</a:t>
             </a:fld>
           </a:p>
@@ -31419,7 +32081,7 @@
         <p:txBody>
           <a:bodyPr/>
           <a:p>
-            <a:fld id="{1AC9702F-CE51-487C-B6D3-6B25826895B7}" type="datetime1">
+            <a:fld id="{275635F2-34CE-4DF8-8524-513DFFF0FA61}" type="datetime1">
               <a:rPr lang="en-IN"/>
               <a:t>13/12/2024</a:t>
             </a:fld>
@@ -31469,7 +32131,7 @@
         <p:spPr>
           <a:xfrm>
             <a:off x="360000" y="106200"/>
-            <a:ext cx="9358920" cy="624600"/>
+            <a:ext cx="9358560" cy="624240"/>
           </a:xfrm>
           <a:prstGeom prst="rect">
             <a:avLst/>
@@ -31516,7 +32178,7 @@
         <p:txBody>
           <a:bodyPr/>
           <a:p>
-            <a:fld id="{78B7744A-70D4-4D1B-81C0-9BAD589099CF}" type="slidenum">
+            <a:fld id="{F6FFC6A9-FF4E-4A71-B849-8E331CD68D05}" type="slidenum">
               <a:t>67</a:t>
             </a:fld>
           </a:p>
@@ -31536,7 +32198,7 @@
         <p:txBody>
           <a:bodyPr/>
           <a:p>
-            <a:fld id="{E9B6AD11-0846-42C4-904C-909D4553BFA1}" type="datetime1">
+            <a:fld id="{D8BB431E-6C2E-4E53-BEC7-1AA326197161}" type="datetime1">
               <a:rPr lang="en-IN"/>
               <a:t>13/12/2024</a:t>
             </a:fld>
@@ -31586,7 +32248,7 @@
         <p:spPr>
           <a:xfrm>
             <a:off x="360000" y="180000"/>
-            <a:ext cx="9358920" cy="477000"/>
+            <a:ext cx="9358560" cy="476640"/>
           </a:xfrm>
           <a:prstGeom prst="rect">
             <a:avLst/>
@@ -31602,6 +32264,9 @@
           </a:bodyPr>
           <a:p>
             <a:pPr algn="ctr">
+              <a:lnSpc>
+                <a:spcPct val="100000"/>
+              </a:lnSpc>
               <a:buNone/>
             </a:pPr>
             <a:r>
@@ -31629,7 +32294,7 @@
         <p:spPr>
           <a:xfrm>
             <a:off x="360000" y="1080000"/>
-            <a:ext cx="9358920" cy="3598920"/>
+            <a:ext cx="9358560" cy="3598560"/>
           </a:xfrm>
           <a:prstGeom prst="rect">
             <a:avLst/>
@@ -31907,7 +32572,7 @@
         <p:txBody>
           <a:bodyPr/>
           <a:p>
-            <a:fld id="{55D0029C-03A0-4542-A668-CC08338B2D61}" type="slidenum">
+            <a:fld id="{893694D9-C93E-402F-879E-36752480E817}" type="slidenum">
               <a:t>68</a:t>
             </a:fld>
           </a:p>
@@ -31927,7 +32592,7 @@
         <p:txBody>
           <a:bodyPr/>
           <a:p>
-            <a:fld id="{7D7F08F8-E001-4068-920E-A8D171C91784}" type="datetime1">
+            <a:fld id="{3252BEDB-96C2-4F8C-B010-EB83FF54B054}" type="datetime1">
               <a:rPr lang="en-IN"/>
               <a:t>13/12/2024</a:t>
             </a:fld>
@@ -31977,7 +32642,7 @@
         <p:spPr>
           <a:xfrm>
             <a:off x="360000" y="180000"/>
-            <a:ext cx="9358920" cy="477000"/>
+            <a:ext cx="9358560" cy="476640"/>
           </a:xfrm>
           <a:prstGeom prst="rect">
             <a:avLst/>
@@ -31993,6 +32658,9 @@
           </a:bodyPr>
           <a:p>
             <a:pPr algn="ctr">
+              <a:lnSpc>
+                <a:spcPct val="100000"/>
+              </a:lnSpc>
               <a:buNone/>
             </a:pPr>
             <a:r>
@@ -32020,7 +32688,7 @@
         <p:spPr>
           <a:xfrm>
             <a:off x="360000" y="1080000"/>
-            <a:ext cx="9358920" cy="3598920"/>
+            <a:ext cx="9358560" cy="3598560"/>
           </a:xfrm>
           <a:prstGeom prst="rect">
             <a:avLst/>
@@ -32036,6 +32704,9 @@
           </a:bodyPr>
           <a:p>
             <a:pPr marL="432000" indent="-324000">
+              <a:lnSpc>
+                <a:spcPct val="100000"/>
+              </a:lnSpc>
               <a:spcBef>
                 <a:spcPts val="1417"/>
               </a:spcBef>
@@ -32058,6 +32729,9 @@
           </a:p>
           <a:p>
             <a:pPr marL="432000" indent="-324000">
+              <a:lnSpc>
+                <a:spcPct val="100000"/>
+              </a:lnSpc>
               <a:spcBef>
                 <a:spcPts val="1417"/>
               </a:spcBef>
@@ -32080,6 +32754,9 @@
           </a:p>
           <a:p>
             <a:pPr marL="432000" indent="-324000">
+              <a:lnSpc>
+                <a:spcPct val="100000"/>
+              </a:lnSpc>
               <a:spcBef>
                 <a:spcPts val="1417"/>
               </a:spcBef>
@@ -32102,6 +32779,9 @@
           </a:p>
           <a:p>
             <a:pPr marL="432000" indent="-324000">
+              <a:lnSpc>
+                <a:spcPct val="100000"/>
+              </a:lnSpc>
               <a:spcBef>
                 <a:spcPts val="1417"/>
               </a:spcBef>
@@ -32124,6 +32804,9 @@
           </a:p>
           <a:p>
             <a:pPr marL="432000" indent="-324000">
+              <a:lnSpc>
+                <a:spcPct val="100000"/>
+              </a:lnSpc>
               <a:spcBef>
                 <a:spcPts val="1417"/>
               </a:spcBef>
@@ -32160,7 +32843,7 @@
         <p:txBody>
           <a:bodyPr/>
           <a:p>
-            <a:fld id="{BD970DE6-8AFF-4850-B22A-0915B9DCB5AE}" type="slidenum">
+            <a:fld id="{6C7F186E-A643-44B9-85E3-EEE876165044}" type="slidenum">
               <a:t>69</a:t>
             </a:fld>
           </a:p>
@@ -32180,7 +32863,7 @@
         <p:txBody>
           <a:bodyPr/>
           <a:p>
-            <a:fld id="{2A1EF434-ADBE-4469-BD91-1617296078E1}" type="datetime1">
+            <a:fld id="{A5F847D4-5A9C-40C5-9D8B-5D0DBD7CADE4}" type="datetime1">
               <a:rPr lang="en-IN"/>
               <a:t>13/12/2024</a:t>
             </a:fld>
@@ -32230,7 +32913,7 @@
         <p:spPr>
           <a:xfrm>
             <a:off x="360000" y="180000"/>
-            <a:ext cx="9358920" cy="477000"/>
+            <a:ext cx="9358560" cy="476640"/>
           </a:xfrm>
           <a:prstGeom prst="rect">
             <a:avLst/>
@@ -32279,7 +32962,7 @@
         <p:spPr>
           <a:xfrm>
             <a:off x="360000" y="1080000"/>
-            <a:ext cx="9358920" cy="3598920"/>
+            <a:ext cx="9358560" cy="3598560"/>
           </a:xfrm>
           <a:prstGeom prst="rect">
             <a:avLst/>
@@ -32514,7 +33197,7 @@
         <p:txBody>
           <a:bodyPr/>
           <a:p>
-            <a:fld id="{55C727DC-3986-495C-A814-4C719C1E9249}" type="slidenum">
+            <a:fld id="{1DF4EAE0-AC07-48DA-9916-A3D5AD68D484}" type="slidenum">
               <a:t>7</a:t>
             </a:fld>
           </a:p>
@@ -32534,7 +33217,7 @@
         <p:txBody>
           <a:bodyPr/>
           <a:p>
-            <a:fld id="{2C4C2A0A-1189-4A3F-8066-FC2B47F52BA4}" type="datetime1">
+            <a:fld id="{A0F8F6D5-30B0-4022-92EF-F776B7557F34}" type="datetime1">
               <a:rPr lang="en-IN"/>
               <a:t>13/12/2024</a:t>
             </a:fld>
@@ -32584,7 +33267,7 @@
         <p:spPr>
           <a:xfrm>
             <a:off x="360000" y="180000"/>
-            <a:ext cx="9358920" cy="477000"/>
+            <a:ext cx="9358560" cy="476640"/>
           </a:xfrm>
           <a:prstGeom prst="rect">
             <a:avLst/>
@@ -32600,6 +33283,9 @@
           </a:bodyPr>
           <a:p>
             <a:pPr algn="ctr">
+              <a:lnSpc>
+                <a:spcPct val="100000"/>
+              </a:lnSpc>
               <a:buNone/>
             </a:pPr>
             <a:r>
@@ -32627,7 +33313,7 @@
         <p:spPr>
           <a:xfrm>
             <a:off x="360000" y="1080000"/>
-            <a:ext cx="9358920" cy="3598920"/>
+            <a:ext cx="9358560" cy="3598560"/>
           </a:xfrm>
           <a:prstGeom prst="rect">
             <a:avLst/>
@@ -32643,6 +33329,9 @@
           </a:bodyPr>
           <a:p>
             <a:pPr marL="432000" indent="-324000">
+              <a:lnSpc>
+                <a:spcPct val="100000"/>
+              </a:lnSpc>
               <a:spcBef>
                 <a:spcPts val="1417"/>
               </a:spcBef>
@@ -32678,7 +33367,7 @@
         <p:spPr>
           <a:xfrm>
             <a:off x="1720080" y="1800000"/>
-            <a:ext cx="6682680" cy="3215520"/>
+            <a:ext cx="6682320" cy="3215160"/>
           </a:xfrm>
           <a:prstGeom prst="rect">
             <a:avLst/>
@@ -32702,7 +33391,7 @@
         <p:txBody>
           <a:bodyPr/>
           <a:p>
-            <a:fld id="{C57DEDAB-E8E3-4295-ACD4-CECD8707A7CF}" type="slidenum">
+            <a:fld id="{054E4632-1BE6-42B1-96F7-BB0E9A685D4D}" type="slidenum">
               <a:t>70</a:t>
             </a:fld>
           </a:p>
@@ -32722,7 +33411,7 @@
         <p:txBody>
           <a:bodyPr/>
           <a:p>
-            <a:fld id="{580B4D42-1F86-4173-BCF7-D5077F7D1654}" type="datetime1">
+            <a:fld id="{DFC610E6-5EBC-4278-9165-1F1C9AFD2717}" type="datetime1">
               <a:rPr lang="en-IN"/>
               <a:t>13/12/2024</a:t>
             </a:fld>
@@ -32772,7 +33461,7 @@
         <p:spPr>
           <a:xfrm>
             <a:off x="360000" y="180000"/>
-            <a:ext cx="9358920" cy="477000"/>
+            <a:ext cx="9358560" cy="476640"/>
           </a:xfrm>
           <a:prstGeom prst="rect">
             <a:avLst/>
@@ -32788,6 +33477,9 @@
           </a:bodyPr>
           <a:p>
             <a:pPr algn="ctr">
+              <a:lnSpc>
+                <a:spcPct val="100000"/>
+              </a:lnSpc>
               <a:buNone/>
             </a:pPr>
             <a:r>
@@ -32815,7 +33507,7 @@
         <p:spPr>
           <a:xfrm>
             <a:off x="360000" y="1080000"/>
-            <a:ext cx="9358920" cy="3598920"/>
+            <a:ext cx="9358560" cy="3598560"/>
           </a:xfrm>
           <a:prstGeom prst="rect">
             <a:avLst/>
@@ -32831,6 +33523,9 @@
           </a:bodyPr>
           <a:p>
             <a:pPr marL="432000" indent="-324000">
+              <a:lnSpc>
+                <a:spcPct val="100000"/>
+              </a:lnSpc>
               <a:spcBef>
                 <a:spcPts val="1417"/>
               </a:spcBef>
@@ -32867,7 +33562,7 @@
         <p:txBody>
           <a:bodyPr/>
           <a:p>
-            <a:fld id="{DF36976C-019A-43A2-B2F0-DDEA6983CAEF}" type="slidenum">
+            <a:fld id="{D095729B-B9AD-4F89-B963-6BE7B8502A9B}" type="slidenum">
               <a:t>71</a:t>
             </a:fld>
           </a:p>
@@ -32887,7 +33582,7 @@
         <p:txBody>
           <a:bodyPr/>
           <a:p>
-            <a:fld id="{ED97083B-079F-4829-B582-5DE8C00354B9}" type="datetime1">
+            <a:fld id="{90931909-D994-4413-A163-55C68B95D160}" type="datetime1">
               <a:rPr lang="en-IN"/>
               <a:t>13/12/2024</a:t>
             </a:fld>
@@ -32937,7 +33632,7 @@
         <p:spPr>
           <a:xfrm>
             <a:off x="360000" y="180000"/>
-            <a:ext cx="9358920" cy="477000"/>
+            <a:ext cx="9358560" cy="476640"/>
           </a:xfrm>
           <a:prstGeom prst="rect">
             <a:avLst/>
@@ -32953,6 +33648,9 @@
           </a:bodyPr>
           <a:p>
             <a:pPr algn="ctr">
+              <a:lnSpc>
+                <a:spcPct val="100000"/>
+              </a:lnSpc>
               <a:buNone/>
             </a:pPr>
             <a:r>
@@ -32980,7 +33678,7 @@
         <p:spPr>
           <a:xfrm>
             <a:off x="360000" y="1080000"/>
-            <a:ext cx="9358920" cy="3598920"/>
+            <a:ext cx="9358560" cy="3598560"/>
           </a:xfrm>
           <a:prstGeom prst="rect">
             <a:avLst/>
@@ -33015,7 +33713,7 @@
         <p:txBody>
           <a:bodyPr/>
           <a:p>
-            <a:fld id="{44610043-ED62-40B5-BC64-9A7B9588E6D1}" type="slidenum">
+            <a:fld id="{2138CC3F-DC18-4324-8172-9914CDAB93B4}" type="slidenum">
               <a:t>72</a:t>
             </a:fld>
           </a:p>
@@ -33035,7 +33733,7 @@
         <p:txBody>
           <a:bodyPr/>
           <a:p>
-            <a:fld id="{B2603048-8B8D-48A8-B285-EF063ACD8BD3}" type="datetime1">
+            <a:fld id="{F135E62A-1B6F-455E-8EB1-273800F40304}" type="datetime1">
               <a:rPr lang="en-IN"/>
               <a:t>13/12/2024</a:t>
             </a:fld>
@@ -33085,7 +33783,7 @@
         <p:spPr>
           <a:xfrm>
             <a:off x="360000" y="180000"/>
-            <a:ext cx="9358920" cy="477000"/>
+            <a:ext cx="9358560" cy="476640"/>
           </a:xfrm>
           <a:prstGeom prst="rect">
             <a:avLst/>
@@ -33101,6 +33799,9 @@
           </a:bodyPr>
           <a:p>
             <a:pPr algn="ctr">
+              <a:lnSpc>
+                <a:spcPct val="100000"/>
+              </a:lnSpc>
               <a:buNone/>
             </a:pPr>
             <a:r>
@@ -33128,7 +33829,7 @@
         <p:spPr>
           <a:xfrm>
             <a:off x="360000" y="1080000"/>
-            <a:ext cx="9358920" cy="3598920"/>
+            <a:ext cx="9358560" cy="3598560"/>
           </a:xfrm>
           <a:prstGeom prst="rect">
             <a:avLst/>
@@ -33144,6 +33845,9 @@
           </a:bodyPr>
           <a:p>
             <a:pPr marL="432000" indent="-324000">
+              <a:lnSpc>
+                <a:spcPct val="100000"/>
+              </a:lnSpc>
               <a:spcBef>
                 <a:spcPts val="1417"/>
               </a:spcBef>
@@ -33180,7 +33884,7 @@
         <p:txBody>
           <a:bodyPr/>
           <a:p>
-            <a:fld id="{EC5E1BC6-74A5-4DD2-80A6-F07E745BA5D9}" type="slidenum">
+            <a:fld id="{DA8138FF-3A8F-487E-A6B7-F4F5DC3A2563}" type="slidenum">
               <a:t>73</a:t>
             </a:fld>
           </a:p>
@@ -33200,7 +33904,7 @@
         <p:txBody>
           <a:bodyPr/>
           <a:p>
-            <a:fld id="{CF530933-FC2C-4D59-9726-C3BA12FC066F}" type="datetime1">
+            <a:fld id="{9F3A5F2F-A96C-49CA-9DBA-10EC0554D99B}" type="datetime1">
               <a:rPr lang="en-IN"/>
               <a:t>13/12/2024</a:t>
             </a:fld>
@@ -33250,7 +33954,7 @@
         <p:spPr>
           <a:xfrm>
             <a:off x="360000" y="180000"/>
-            <a:ext cx="9358920" cy="477000"/>
+            <a:ext cx="9358560" cy="476640"/>
           </a:xfrm>
           <a:prstGeom prst="rect">
             <a:avLst/>
@@ -33266,6 +33970,9 @@
           </a:bodyPr>
           <a:p>
             <a:pPr algn="ctr">
+              <a:lnSpc>
+                <a:spcPct val="100000"/>
+              </a:lnSpc>
               <a:buNone/>
             </a:pPr>
             <a:r>
@@ -33293,7 +34000,7 @@
         <p:spPr>
           <a:xfrm>
             <a:off x="360000" y="1080000"/>
-            <a:ext cx="9358920" cy="3598920"/>
+            <a:ext cx="9358560" cy="3598560"/>
           </a:xfrm>
           <a:prstGeom prst="rect">
             <a:avLst/>
@@ -33327,7 +34034,7 @@
         <p:spPr>
           <a:xfrm>
             <a:off x="360000" y="720000"/>
-            <a:ext cx="6300000" cy="2459520"/>
+            <a:ext cx="6299640" cy="2459160"/>
           </a:xfrm>
           <a:prstGeom prst="rect">
             <a:avLst/>
@@ -33350,7 +34057,7 @@
         <p:spPr>
           <a:xfrm>
             <a:off x="488160" y="3240000"/>
-            <a:ext cx="8511840" cy="1988280"/>
+            <a:ext cx="8511480" cy="1987920"/>
           </a:xfrm>
           <a:prstGeom prst="rect">
             <a:avLst/>
@@ -33374,7 +34081,7 @@
         <p:txBody>
           <a:bodyPr/>
           <a:p>
-            <a:fld id="{0D59AABA-625D-41BC-B585-3F1B542C9EF3}" type="slidenum">
+            <a:fld id="{8A51C031-644A-45C0-8F90-AD4CB50368B4}" type="slidenum">
               <a:t>74</a:t>
             </a:fld>
           </a:p>
@@ -33394,7 +34101,7 @@
         <p:txBody>
           <a:bodyPr/>
           <a:p>
-            <a:fld id="{20F5B478-52A6-4077-83F5-F314EDA4E709}" type="datetime1">
+            <a:fld id="{CBB929F2-9D34-4FCC-8A11-5F27AC2C98F4}" type="datetime1">
               <a:rPr lang="en-IN"/>
               <a:t>13/12/2024</a:t>
             </a:fld>
@@ -33444,7 +34151,7 @@
         <p:spPr>
           <a:xfrm>
             <a:off x="360000" y="180000"/>
-            <a:ext cx="9358920" cy="477000"/>
+            <a:ext cx="9358560" cy="476640"/>
           </a:xfrm>
           <a:prstGeom prst="rect">
             <a:avLst/>
@@ -33460,6 +34167,9 @@
           </a:bodyPr>
           <a:p>
             <a:pPr algn="ctr">
+              <a:lnSpc>
+                <a:spcPct val="100000"/>
+              </a:lnSpc>
               <a:buNone/>
             </a:pPr>
             <a:r>
@@ -33487,7 +34197,7 @@
         <p:spPr>
           <a:xfrm>
             <a:off x="360000" y="1080000"/>
-            <a:ext cx="9358920" cy="3598920"/>
+            <a:ext cx="9358560" cy="3598560"/>
           </a:xfrm>
           <a:prstGeom prst="rect">
             <a:avLst/>
@@ -33521,7 +34231,7 @@
         <p:spPr>
           <a:xfrm>
             <a:off x="0" y="630000"/>
-            <a:ext cx="5475240" cy="2250000"/>
+            <a:ext cx="5474880" cy="2249640"/>
           </a:xfrm>
           <a:prstGeom prst="rect">
             <a:avLst/>
@@ -33544,7 +34254,7 @@
         <p:spPr>
           <a:xfrm>
             <a:off x="2880000" y="2880000"/>
-            <a:ext cx="6840000" cy="2729520"/>
+            <a:ext cx="6839640" cy="2729160"/>
           </a:xfrm>
           <a:prstGeom prst="rect">
             <a:avLst/>
@@ -33568,7 +34278,7 @@
         <p:txBody>
           <a:bodyPr/>
           <a:p>
-            <a:fld id="{39EFBEC8-BF90-45CC-BE0B-2FC6A3565660}" type="slidenum">
+            <a:fld id="{04A8C1C8-D867-4FE6-B675-E97695A9D1BC}" type="slidenum">
               <a:t>75</a:t>
             </a:fld>
           </a:p>
@@ -33588,7 +34298,7 @@
         <p:txBody>
           <a:bodyPr/>
           <a:p>
-            <a:fld id="{113CFE4F-ACBF-40F7-A0B0-0E13FE78F647}" type="datetime1">
+            <a:fld id="{873B8AC7-D6DA-4DF6-B5D0-A8A1CBBDE29A}" type="datetime1">
               <a:rPr lang="en-IN"/>
               <a:t>13/12/2024</a:t>
             </a:fld>
@@ -33638,7 +34348,7 @@
         <p:spPr>
           <a:xfrm>
             <a:off x="360000" y="180000"/>
-            <a:ext cx="9358920" cy="477000"/>
+            <a:ext cx="9358560" cy="476640"/>
           </a:xfrm>
           <a:prstGeom prst="rect">
             <a:avLst/>
@@ -33654,6 +34364,9 @@
           </a:bodyPr>
           <a:p>
             <a:pPr algn="ctr">
+              <a:lnSpc>
+                <a:spcPct val="100000"/>
+              </a:lnSpc>
               <a:buNone/>
             </a:pPr>
             <a:r>
@@ -33681,7 +34394,7 @@
         <p:spPr>
           <a:xfrm>
             <a:off x="360000" y="721080"/>
-            <a:ext cx="9358920" cy="4318920"/>
+            <a:ext cx="9358560" cy="4318560"/>
           </a:xfrm>
           <a:prstGeom prst="rect">
             <a:avLst/>
@@ -33697,6 +34410,9 @@
           </a:bodyPr>
           <a:p>
             <a:pPr marL="432000" indent="-324000">
+              <a:lnSpc>
+                <a:spcPct val="100000"/>
+              </a:lnSpc>
               <a:spcBef>
                 <a:spcPts val="1417"/>
               </a:spcBef>
@@ -33719,6 +34435,9 @@
           </a:p>
           <a:p>
             <a:pPr marL="432000" indent="-324000">
+              <a:lnSpc>
+                <a:spcPct val="100000"/>
+              </a:lnSpc>
               <a:spcBef>
                 <a:spcPts val="1417"/>
               </a:spcBef>
@@ -33741,6 +34460,9 @@
           </a:p>
           <a:p>
             <a:pPr marL="432000" indent="-324000">
+              <a:lnSpc>
+                <a:spcPct val="100000"/>
+              </a:lnSpc>
               <a:spcBef>
                 <a:spcPts val="1417"/>
               </a:spcBef>
@@ -33763,6 +34485,9 @@
           </a:p>
           <a:p>
             <a:pPr marL="432000" indent="-324000">
+              <a:lnSpc>
+                <a:spcPct val="100000"/>
+              </a:lnSpc>
               <a:spcBef>
                 <a:spcPts val="1417"/>
               </a:spcBef>
@@ -33785,6 +34510,9 @@
           </a:p>
           <a:p>
             <a:pPr marL="432000" indent="-324000">
+              <a:lnSpc>
+                <a:spcPct val="100000"/>
+              </a:lnSpc>
               <a:spcBef>
                 <a:spcPts val="1417"/>
               </a:spcBef>
@@ -33820,7 +34548,7 @@
         <p:spPr>
           <a:xfrm>
             <a:off x="1080000" y="3142440"/>
-            <a:ext cx="7368480" cy="594000"/>
+            <a:ext cx="7368120" cy="593640"/>
           </a:xfrm>
           <a:prstGeom prst="rect">
             <a:avLst/>
@@ -33844,7 +34572,7 @@
         <p:txBody>
           <a:bodyPr/>
           <a:p>
-            <a:fld id="{67107B5D-A3BD-4A29-B672-E1DDAC3C8E15}" type="slidenum">
+            <a:fld id="{9C81BEFD-754D-4FA9-8818-53C1059B58A6}" type="slidenum">
               <a:t>76</a:t>
             </a:fld>
           </a:p>
@@ -33864,7 +34592,7 @@
         <p:txBody>
           <a:bodyPr/>
           <a:p>
-            <a:fld id="{18198294-4699-4908-8B7C-585CBB328FB2}" type="datetime1">
+            <a:fld id="{1910A309-0819-41D2-95D4-28A939D8F3FB}" type="datetime1">
               <a:rPr lang="en-IN"/>
               <a:t>13/12/2024</a:t>
             </a:fld>
@@ -33914,7 +34642,7 @@
         <p:spPr>
           <a:xfrm>
             <a:off x="360000" y="180000"/>
-            <a:ext cx="9358920" cy="477000"/>
+            <a:ext cx="9358560" cy="476640"/>
           </a:xfrm>
           <a:prstGeom prst="rect">
             <a:avLst/>
@@ -33930,6 +34658,9 @@
           </a:bodyPr>
           <a:p>
             <a:pPr algn="ctr">
+              <a:lnSpc>
+                <a:spcPct val="100000"/>
+              </a:lnSpc>
               <a:buNone/>
             </a:pPr>
             <a:r>
@@ -33957,7 +34688,7 @@
         <p:spPr>
           <a:xfrm>
             <a:off x="360000" y="1080000"/>
-            <a:ext cx="9358920" cy="3598920"/>
+            <a:ext cx="9358560" cy="3598560"/>
           </a:xfrm>
           <a:prstGeom prst="rect">
             <a:avLst/>
@@ -33973,6 +34704,9 @@
           </a:bodyPr>
           <a:p>
             <a:pPr marL="432000" indent="-324000">
+              <a:lnSpc>
+                <a:spcPct val="100000"/>
+              </a:lnSpc>
               <a:spcBef>
                 <a:spcPts val="1417"/>
               </a:spcBef>
@@ -33995,6 +34729,9 @@
           </a:p>
           <a:p>
             <a:pPr marL="432000" indent="-324000">
+              <a:lnSpc>
+                <a:spcPct val="100000"/>
+              </a:lnSpc>
               <a:spcBef>
                 <a:spcPts val="1417"/>
               </a:spcBef>
@@ -34031,7 +34768,7 @@
         <p:txBody>
           <a:bodyPr/>
           <a:p>
-            <a:fld id="{A59FA3A4-B56D-4E23-84BE-D19F92A10086}" type="slidenum">
+            <a:fld id="{F87CB084-24F8-4371-BF66-9647EDC6E0AE}" type="slidenum">
               <a:t>77</a:t>
             </a:fld>
           </a:p>
@@ -34051,7 +34788,7 @@
         <p:txBody>
           <a:bodyPr/>
           <a:p>
-            <a:fld id="{DD277BF1-6441-4442-972D-FEA7F9986411}" type="datetime1">
+            <a:fld id="{2175AE11-EE72-4074-8C1B-82C97CBA67EE}" type="datetime1">
               <a:rPr lang="en-IN"/>
               <a:t>13/12/2024</a:t>
             </a:fld>
@@ -34101,7 +34838,7 @@
         <p:spPr>
           <a:xfrm>
             <a:off x="360000" y="180000"/>
-            <a:ext cx="9358920" cy="477000"/>
+            <a:ext cx="9358560" cy="476640"/>
           </a:xfrm>
           <a:prstGeom prst="rect">
             <a:avLst/>
@@ -34117,6 +34854,9 @@
           </a:bodyPr>
           <a:p>
             <a:pPr algn="ctr">
+              <a:lnSpc>
+                <a:spcPct val="100000"/>
+              </a:lnSpc>
               <a:buNone/>
             </a:pPr>
             <a:r>
@@ -34144,7 +34884,7 @@
         <p:spPr>
           <a:xfrm>
             <a:off x="360000" y="1080000"/>
-            <a:ext cx="9358920" cy="3598920"/>
+            <a:ext cx="9358560" cy="3598560"/>
           </a:xfrm>
           <a:prstGeom prst="rect">
             <a:avLst/>
@@ -34178,7 +34918,7 @@
         <p:spPr>
           <a:xfrm>
             <a:off x="21240" y="910080"/>
-            <a:ext cx="10080360" cy="3017160"/>
+            <a:ext cx="10080000" cy="3016800"/>
           </a:xfrm>
           <a:prstGeom prst="rect">
             <a:avLst/>
@@ -34202,7 +34942,7 @@
         <p:txBody>
           <a:bodyPr/>
           <a:p>
-            <a:fld id="{886AB257-A526-48D9-8F4D-2AFB3FD3EE33}" type="slidenum">
+            <a:fld id="{0ED270BC-602D-4141-9703-71D8D93168E7}" type="slidenum">
               <a:t>78</a:t>
             </a:fld>
           </a:p>
@@ -34222,7 +34962,7 @@
         <p:txBody>
           <a:bodyPr/>
           <a:p>
-            <a:fld id="{A15D8E8A-9370-4E7B-AE51-270F62421460}" type="datetime1">
+            <a:fld id="{CDD462A2-BCDE-4647-94D7-953367DA5059}" type="datetime1">
               <a:rPr lang="en-IN"/>
               <a:t>13/12/2024</a:t>
             </a:fld>
@@ -34272,7 +35012,7 @@
         <p:spPr>
           <a:xfrm>
             <a:off x="360000" y="180000"/>
-            <a:ext cx="9358920" cy="477000"/>
+            <a:ext cx="9358560" cy="476640"/>
           </a:xfrm>
           <a:prstGeom prst="rect">
             <a:avLst/>
@@ -34288,6 +35028,9 @@
           </a:bodyPr>
           <a:p>
             <a:pPr algn="ctr">
+              <a:lnSpc>
+                <a:spcPct val="100000"/>
+              </a:lnSpc>
               <a:buNone/>
             </a:pPr>
             <a:r>
@@ -34315,7 +35058,7 @@
         <p:spPr>
           <a:xfrm>
             <a:off x="360000" y="1080000"/>
-            <a:ext cx="9358920" cy="3598920"/>
+            <a:ext cx="9358560" cy="3598560"/>
           </a:xfrm>
           <a:prstGeom prst="rect">
             <a:avLst/>
@@ -34349,7 +35092,7 @@
         <p:spPr>
           <a:xfrm>
             <a:off x="720000" y="1800000"/>
-            <a:ext cx="8321400" cy="2841840"/>
+            <a:ext cx="8321040" cy="2841480"/>
           </a:xfrm>
           <a:prstGeom prst="rect">
             <a:avLst/>
@@ -34373,7 +35116,7 @@
         <p:txBody>
           <a:bodyPr/>
           <a:p>
-            <a:fld id="{9CE8AB07-8B5B-410C-ACB0-5EF1D1E10931}" type="slidenum">
+            <a:fld id="{C1C75694-BAA4-4207-83D5-831F06425EC1}" type="slidenum">
               <a:t>79</a:t>
             </a:fld>
           </a:p>
@@ -34393,7 +35136,7 @@
         <p:txBody>
           <a:bodyPr/>
           <a:p>
-            <a:fld id="{7106F434-AE62-4833-AC59-235731DB3D8F}" type="datetime1">
+            <a:fld id="{ECEEE393-FF80-4ECD-B9D4-EB7658116643}" type="datetime1">
               <a:rPr lang="en-IN"/>
               <a:t>13/12/2024</a:t>
             </a:fld>
@@ -34443,7 +35186,7 @@
         <p:spPr>
           <a:xfrm>
             <a:off x="360000" y="180000"/>
-            <a:ext cx="9358920" cy="477000"/>
+            <a:ext cx="9358560" cy="476640"/>
           </a:xfrm>
           <a:prstGeom prst="rect">
             <a:avLst/>
@@ -34492,7 +35235,7 @@
         <p:spPr>
           <a:xfrm>
             <a:off x="360000" y="1080000"/>
-            <a:ext cx="9358920" cy="3598920"/>
+            <a:ext cx="9358560" cy="3598560"/>
           </a:xfrm>
           <a:prstGeom prst="rect">
             <a:avLst/>
@@ -34685,7 +35428,7 @@
         <p:txBody>
           <a:bodyPr/>
           <a:p>
-            <a:fld id="{C6426696-8027-4301-A3E1-655E3B1C37B8}" type="slidenum">
+            <a:fld id="{A531FB6C-C40F-4B26-87EE-0FC2E573B9CC}" type="slidenum">
               <a:t>8</a:t>
             </a:fld>
           </a:p>
@@ -34705,7 +35448,7 @@
         <p:txBody>
           <a:bodyPr/>
           <a:p>
-            <a:fld id="{A4F5B678-40B1-4373-B0BB-B93A1A0AE92F}" type="datetime1">
+            <a:fld id="{2282CC33-C8E8-418C-BE60-20995507F432}" type="datetime1">
               <a:rPr lang="en-IN"/>
               <a:t>13/12/2024</a:t>
             </a:fld>
@@ -34755,7 +35498,7 @@
         <p:spPr>
           <a:xfrm>
             <a:off x="360000" y="180000"/>
-            <a:ext cx="9358920" cy="477000"/>
+            <a:ext cx="9358560" cy="476640"/>
           </a:xfrm>
           <a:prstGeom prst="rect">
             <a:avLst/>
@@ -34771,6 +35514,9 @@
           </a:bodyPr>
           <a:p>
             <a:pPr algn="ctr">
+              <a:lnSpc>
+                <a:spcPct val="100000"/>
+              </a:lnSpc>
               <a:buNone/>
             </a:pPr>
             <a:r>
@@ -34798,7 +35544,7 @@
         <p:spPr>
           <a:xfrm>
             <a:off x="360000" y="900000"/>
-            <a:ext cx="9358920" cy="3598920"/>
+            <a:ext cx="9358560" cy="3598560"/>
           </a:xfrm>
           <a:prstGeom prst="rect">
             <a:avLst/>
@@ -34814,6 +35560,9 @@
           </a:bodyPr>
           <a:p>
             <a:pPr marL="432000" indent="-324000">
+              <a:lnSpc>
+                <a:spcPct val="100000"/>
+              </a:lnSpc>
               <a:spcBef>
                 <a:spcPts val="1417"/>
               </a:spcBef>
@@ -34836,6 +35585,9 @@
           </a:p>
           <a:p>
             <a:pPr marL="432000" indent="-324000">
+              <a:lnSpc>
+                <a:spcPct val="100000"/>
+              </a:lnSpc>
               <a:spcBef>
                 <a:spcPts val="1417"/>
               </a:spcBef>
@@ -34858,6 +35610,9 @@
           </a:p>
           <a:p>
             <a:pPr marL="432000" indent="-324000">
+              <a:lnSpc>
+                <a:spcPct val="100000"/>
+              </a:lnSpc>
               <a:spcBef>
                 <a:spcPts val="1417"/>
               </a:spcBef>
@@ -34880,6 +35635,9 @@
           </a:p>
           <a:p>
             <a:pPr marL="432000" indent="-324000">
+              <a:lnSpc>
+                <a:spcPct val="100000"/>
+              </a:lnSpc>
               <a:spcBef>
                 <a:spcPts val="1417"/>
               </a:spcBef>
@@ -34902,6 +35660,9 @@
           </a:p>
           <a:p>
             <a:pPr marL="432000" indent="-324000">
+              <a:lnSpc>
+                <a:spcPct val="100000"/>
+              </a:lnSpc>
               <a:spcBef>
                 <a:spcPts val="1417"/>
               </a:spcBef>
@@ -34924,6 +35685,9 @@
           </a:p>
           <a:p>
             <a:pPr marL="432000" indent="-324000">
+              <a:lnSpc>
+                <a:spcPct val="100000"/>
+              </a:lnSpc>
               <a:spcBef>
                 <a:spcPts val="1417"/>
               </a:spcBef>
@@ -34960,7 +35724,7 @@
         <p:txBody>
           <a:bodyPr/>
           <a:p>
-            <a:fld id="{C927D8BC-EC9A-4BFB-8ADD-86105BE17321}" type="slidenum">
+            <a:fld id="{62B99DAB-E3B7-4ABB-8006-2439EE138B7A}" type="slidenum">
               <a:t>80</a:t>
             </a:fld>
           </a:p>
@@ -34980,7 +35744,7 @@
         <p:txBody>
           <a:bodyPr/>
           <a:p>
-            <a:fld id="{05F689B5-454E-423B-B326-333AFFBCBFE6}" type="datetime1">
+            <a:fld id="{E841E706-A34F-47A5-8025-31B65E6E9C7A}" type="datetime1">
               <a:rPr lang="en-IN"/>
               <a:t>13/12/2024</a:t>
             </a:fld>
@@ -35030,7 +35794,7 @@
         <p:spPr>
           <a:xfrm>
             <a:off x="360000" y="180000"/>
-            <a:ext cx="9358920" cy="477000"/>
+            <a:ext cx="9358560" cy="476640"/>
           </a:xfrm>
           <a:prstGeom prst="rect">
             <a:avLst/>
@@ -35046,6 +35810,9 @@
           </a:bodyPr>
           <a:p>
             <a:pPr algn="ctr">
+              <a:lnSpc>
+                <a:spcPct val="100000"/>
+              </a:lnSpc>
               <a:buNone/>
             </a:pPr>
             <a:r>
@@ -35073,7 +35840,7 @@
         <p:spPr>
           <a:xfrm>
             <a:off x="360000" y="1080000"/>
-            <a:ext cx="9358920" cy="3598920"/>
+            <a:ext cx="9358560" cy="3598560"/>
           </a:xfrm>
           <a:prstGeom prst="rect">
             <a:avLst/>
@@ -35089,6 +35856,9 @@
           </a:bodyPr>
           <a:p>
             <a:pPr marL="432000" indent="-324000">
+              <a:lnSpc>
+                <a:spcPct val="100000"/>
+              </a:lnSpc>
               <a:spcBef>
                 <a:spcPts val="1417"/>
               </a:spcBef>
@@ -35125,7 +35895,7 @@
         <p:txBody>
           <a:bodyPr/>
           <a:p>
-            <a:fld id="{032F3E4D-96A6-4BBF-92F5-637D64F7F0E8}" type="slidenum">
+            <a:fld id="{ADCFE916-6962-4A5C-9519-B3394722165E}" type="slidenum">
               <a:t>81</a:t>
             </a:fld>
           </a:p>
@@ -35145,7 +35915,7 @@
         <p:txBody>
           <a:bodyPr/>
           <a:p>
-            <a:fld id="{AE1FF262-E842-489A-BF79-DCC053CBF3B0}" type="datetime1">
+            <a:fld id="{1E1CA7F6-EC66-4B08-BA9E-FEAA1C372FF1}" type="datetime1">
               <a:rPr lang="en-IN"/>
               <a:t>13/12/2024</a:t>
             </a:fld>
@@ -35195,7 +35965,7 @@
         <p:spPr>
           <a:xfrm>
             <a:off x="360000" y="180000"/>
-            <a:ext cx="9358920" cy="477000"/>
+            <a:ext cx="9358560" cy="476640"/>
           </a:xfrm>
           <a:prstGeom prst="rect">
             <a:avLst/>
@@ -35211,6 +35981,9 @@
           </a:bodyPr>
           <a:p>
             <a:pPr algn="ctr">
+              <a:lnSpc>
+                <a:spcPct val="100000"/>
+              </a:lnSpc>
               <a:buNone/>
             </a:pPr>
             <a:r>
@@ -35238,7 +36011,7 @@
         <p:spPr>
           <a:xfrm>
             <a:off x="360000" y="1080000"/>
-            <a:ext cx="9358920" cy="3598920"/>
+            <a:ext cx="9358560" cy="3598560"/>
           </a:xfrm>
           <a:prstGeom prst="rect">
             <a:avLst/>
@@ -35254,6 +36027,9 @@
           </a:bodyPr>
           <a:p>
             <a:pPr marL="432000" indent="-324000">
+              <a:lnSpc>
+                <a:spcPct val="100000"/>
+              </a:lnSpc>
               <a:spcBef>
                 <a:spcPts val="1417"/>
               </a:spcBef>
@@ -35290,7 +36066,7 @@
         <p:txBody>
           <a:bodyPr/>
           <a:p>
-            <a:fld id="{FA901B24-5082-415F-A9A6-586489C57BBE}" type="slidenum">
+            <a:fld id="{F4072265-7CF7-443B-8EB6-7ED5A075E10E}" type="slidenum">
               <a:t>82</a:t>
             </a:fld>
           </a:p>
@@ -35310,7 +36086,7 @@
         <p:txBody>
           <a:bodyPr/>
           <a:p>
-            <a:fld id="{AB29DC33-68A0-456A-9D39-29F29A402CEF}" type="datetime1">
+            <a:fld id="{FBEC31D1-9D56-4E01-9AC6-FDAE0C11B0FD}" type="datetime1">
               <a:rPr lang="en-IN"/>
               <a:t>13/12/2024</a:t>
             </a:fld>
@@ -35360,7 +36136,7 @@
         <p:spPr>
           <a:xfrm>
             <a:off x="360000" y="180000"/>
-            <a:ext cx="9358920" cy="477000"/>
+            <a:ext cx="9358560" cy="476640"/>
           </a:xfrm>
           <a:prstGeom prst="rect">
             <a:avLst/>
@@ -35376,6 +36152,9 @@
           </a:bodyPr>
           <a:p>
             <a:pPr algn="ctr">
+              <a:lnSpc>
+                <a:spcPct val="100000"/>
+              </a:lnSpc>
               <a:buNone/>
             </a:pPr>
             <a:r>
@@ -35403,7 +36182,7 @@
         <p:spPr>
           <a:xfrm>
             <a:off x="360000" y="1080000"/>
-            <a:ext cx="9358920" cy="3598920"/>
+            <a:ext cx="9358560" cy="3598560"/>
           </a:xfrm>
           <a:prstGeom prst="rect">
             <a:avLst/>
@@ -35419,6 +36198,9 @@
           </a:bodyPr>
           <a:p>
             <a:pPr marL="432000" indent="-324000">
+              <a:lnSpc>
+                <a:spcPct val="100000"/>
+              </a:lnSpc>
               <a:spcBef>
                 <a:spcPts val="1417"/>
               </a:spcBef>
@@ -35441,6 +36223,9 @@
           </a:p>
           <a:p>
             <a:pPr marL="432000" indent="-324000">
+              <a:lnSpc>
+                <a:spcPct val="100000"/>
+              </a:lnSpc>
               <a:spcBef>
                 <a:spcPts val="1417"/>
               </a:spcBef>
@@ -35463,6 +36248,9 @@
           </a:p>
           <a:p>
             <a:pPr marL="432000" indent="-324000">
+              <a:lnSpc>
+                <a:spcPct val="100000"/>
+              </a:lnSpc>
               <a:spcBef>
                 <a:spcPts val="1417"/>
               </a:spcBef>
@@ -35498,7 +36286,7 @@
         <p:spPr>
           <a:xfrm>
             <a:off x="1080000" y="2880000"/>
-            <a:ext cx="3825000" cy="654840"/>
+            <a:ext cx="3824640" cy="654480"/>
           </a:xfrm>
           <a:prstGeom prst="rect">
             <a:avLst/>
@@ -35522,7 +36310,7 @@
         <p:txBody>
           <a:bodyPr/>
           <a:p>
-            <a:fld id="{AB357886-14D8-4614-BC2A-40E2921B0402}" type="slidenum">
+            <a:fld id="{7C5205A0-76E7-40FF-8A2B-5E4A695EF5B2}" type="slidenum">
               <a:t>83</a:t>
             </a:fld>
           </a:p>
@@ -35542,7 +36330,7 @@
         <p:txBody>
           <a:bodyPr/>
           <a:p>
-            <a:fld id="{8E54474B-3823-46F0-BC0A-9F9CC0D28C69}" type="datetime1">
+            <a:fld id="{FA897081-7A4D-4FE1-A11F-2D2B801A7E95}" type="datetime1">
               <a:rPr lang="en-IN"/>
               <a:t>13/12/2024</a:t>
             </a:fld>
@@ -35592,7 +36380,7 @@
         <p:spPr>
           <a:xfrm>
             <a:off x="360000" y="180000"/>
-            <a:ext cx="9358920" cy="477000"/>
+            <a:ext cx="9358560" cy="476640"/>
           </a:xfrm>
           <a:prstGeom prst="rect">
             <a:avLst/>
@@ -35608,6 +36396,9 @@
           </a:bodyPr>
           <a:p>
             <a:pPr algn="ctr">
+              <a:lnSpc>
+                <a:spcPct val="100000"/>
+              </a:lnSpc>
               <a:buNone/>
             </a:pPr>
             <a:r>
@@ -35635,7 +36426,7 @@
         <p:spPr>
           <a:xfrm>
             <a:off x="360000" y="1080000"/>
-            <a:ext cx="9358920" cy="3598920"/>
+            <a:ext cx="9358560" cy="3598560"/>
           </a:xfrm>
           <a:prstGeom prst="rect">
             <a:avLst/>
@@ -35651,6 +36442,9 @@
           </a:bodyPr>
           <a:p>
             <a:pPr marL="432000" indent="-324000">
+              <a:lnSpc>
+                <a:spcPct val="100000"/>
+              </a:lnSpc>
               <a:spcBef>
                 <a:spcPts val="1417"/>
               </a:spcBef>
@@ -35673,6 +36467,9 @@
           </a:p>
           <a:p>
             <a:pPr marL="432000" indent="-324000">
+              <a:lnSpc>
+                <a:spcPct val="100000"/>
+              </a:lnSpc>
               <a:spcBef>
                 <a:spcPts val="1417"/>
               </a:spcBef>
@@ -35695,6 +36492,9 @@
           </a:p>
           <a:p>
             <a:pPr marL="432000" indent="-324000">
+              <a:lnSpc>
+                <a:spcPct val="100000"/>
+              </a:lnSpc>
               <a:spcBef>
                 <a:spcPts val="1417"/>
               </a:spcBef>
@@ -35717,6 +36517,9 @@
           </a:p>
           <a:p>
             <a:pPr marL="432000" indent="-324000">
+              <a:lnSpc>
+                <a:spcPct val="100000"/>
+              </a:lnSpc>
               <a:spcBef>
                 <a:spcPts val="1417"/>
               </a:spcBef>
@@ -35739,6 +36542,9 @@
           </a:p>
           <a:p>
             <a:pPr marL="432000" indent="-324000">
+              <a:lnSpc>
+                <a:spcPct val="100000"/>
+              </a:lnSpc>
               <a:spcBef>
                 <a:spcPts val="1417"/>
               </a:spcBef>
@@ -35761,6 +36567,9 @@
           </a:p>
           <a:p>
             <a:pPr marL="432000" indent="-324000">
+              <a:lnSpc>
+                <a:spcPct val="100000"/>
+              </a:lnSpc>
               <a:spcBef>
                 <a:spcPts val="1417"/>
               </a:spcBef>
@@ -35796,7 +36605,7 @@
         <p:spPr>
           <a:xfrm>
             <a:off x="1005480" y="1620000"/>
-            <a:ext cx="3314520" cy="738720"/>
+            <a:ext cx="3314160" cy="738360"/>
           </a:xfrm>
           <a:prstGeom prst="rect">
             <a:avLst/>
@@ -35819,7 +36628,7 @@
         <p:spPr>
           <a:xfrm>
             <a:off x="900000" y="3780000"/>
-            <a:ext cx="2224800" cy="662400"/>
+            <a:ext cx="2224440" cy="662040"/>
           </a:xfrm>
           <a:prstGeom prst="rect">
             <a:avLst/>
@@ -35843,7 +36652,7 @@
         <p:txBody>
           <a:bodyPr/>
           <a:p>
-            <a:fld id="{5F695982-B9EB-4C40-9F66-B95ED190922D}" type="slidenum">
+            <a:fld id="{0FAA813B-770A-45F8-B2F5-E5917D1E62F0}" type="slidenum">
               <a:t>84</a:t>
             </a:fld>
           </a:p>
@@ -35863,7 +36672,7 @@
         <p:txBody>
           <a:bodyPr/>
           <a:p>
-            <a:fld id="{83807C19-08F4-4D6F-9E4D-E74969445CAC}" type="datetime1">
+            <a:fld id="{F46ADE34-B3F8-47F4-B30C-617C8423F570}" type="datetime1">
               <a:rPr lang="en-IN"/>
               <a:t>13/12/2024</a:t>
             </a:fld>
@@ -35913,7 +36722,7 @@
         <p:spPr>
           <a:xfrm>
             <a:off x="360000" y="180000"/>
-            <a:ext cx="9358920" cy="477000"/>
+            <a:ext cx="9358560" cy="476640"/>
           </a:xfrm>
           <a:prstGeom prst="rect">
             <a:avLst/>
@@ -35929,6 +36738,9 @@
           </a:bodyPr>
           <a:p>
             <a:pPr algn="ctr">
+              <a:lnSpc>
+                <a:spcPct val="100000"/>
+              </a:lnSpc>
               <a:buNone/>
             </a:pPr>
             <a:r>
@@ -35956,7 +36768,7 @@
         <p:spPr>
           <a:xfrm>
             <a:off x="360000" y="1080000"/>
-            <a:ext cx="9358920" cy="3598920"/>
+            <a:ext cx="9358560" cy="3598560"/>
           </a:xfrm>
           <a:prstGeom prst="rect">
             <a:avLst/>
@@ -35972,6 +36784,9 @@
           </a:bodyPr>
           <a:p>
             <a:pPr marL="432000" indent="-324000">
+              <a:lnSpc>
+                <a:spcPct val="100000"/>
+              </a:lnSpc>
               <a:spcBef>
                 <a:spcPts val="1417"/>
               </a:spcBef>
@@ -35994,6 +36809,9 @@
           </a:p>
           <a:p>
             <a:pPr marL="432000" indent="-324000">
+              <a:lnSpc>
+                <a:spcPct val="100000"/>
+              </a:lnSpc>
               <a:spcBef>
                 <a:spcPts val="1417"/>
               </a:spcBef>
@@ -36016,6 +36834,9 @@
           </a:p>
           <a:p>
             <a:pPr marL="432000" indent="-324000">
+              <a:lnSpc>
+                <a:spcPct val="100000"/>
+              </a:lnSpc>
               <a:spcBef>
                 <a:spcPts val="1417"/>
               </a:spcBef>
@@ -36038,6 +36859,9 @@
           </a:p>
           <a:p>
             <a:pPr marL="432000" indent="-324000">
+              <a:lnSpc>
+                <a:spcPct val="100000"/>
+              </a:lnSpc>
               <a:spcBef>
                 <a:spcPts val="1417"/>
               </a:spcBef>
@@ -36060,6 +36884,9 @@
           </a:p>
           <a:p>
             <a:pPr marL="432000" indent="-324000">
+              <a:lnSpc>
+                <a:spcPct val="100000"/>
+              </a:lnSpc>
               <a:spcBef>
                 <a:spcPts val="1417"/>
               </a:spcBef>
@@ -36096,7 +36923,7 @@
         <p:txBody>
           <a:bodyPr/>
           <a:p>
-            <a:fld id="{4307E85F-372A-4307-9C01-AB6C42215394}" type="slidenum">
+            <a:fld id="{C6CF09F7-9C18-43BA-9B30-79133882730E}" type="slidenum">
               <a:t>85</a:t>
             </a:fld>
           </a:p>
@@ -36116,7 +36943,7 @@
         <p:txBody>
           <a:bodyPr/>
           <a:p>
-            <a:fld id="{7A79B9E6-0372-4945-B289-79F863FC942D}" type="datetime1">
+            <a:fld id="{B9F2983D-4A2B-41CB-B1F2-D372D5274EA6}" type="datetime1">
               <a:rPr lang="en-IN"/>
               <a:t>13/12/2024</a:t>
             </a:fld>
@@ -36166,7 +36993,7 @@
         <p:spPr>
           <a:xfrm>
             <a:off x="360000" y="180000"/>
-            <a:ext cx="9358920" cy="477000"/>
+            <a:ext cx="9358560" cy="476640"/>
           </a:xfrm>
           <a:prstGeom prst="rect">
             <a:avLst/>
@@ -36182,6 +37009,9 @@
           </a:bodyPr>
           <a:p>
             <a:pPr algn="ctr">
+              <a:lnSpc>
+                <a:spcPct val="100000"/>
+              </a:lnSpc>
               <a:buNone/>
             </a:pPr>
             <a:r>
@@ -36209,7 +37039,7 @@
         <p:spPr>
           <a:xfrm>
             <a:off x="360000" y="744120"/>
-            <a:ext cx="3550680" cy="875880"/>
+            <a:ext cx="3550320" cy="875520"/>
           </a:xfrm>
           <a:prstGeom prst="rect">
             <a:avLst/>
@@ -36232,7 +37062,7 @@
         <p:spPr>
           <a:xfrm>
             <a:off x="360000" y="1781280"/>
-            <a:ext cx="3848040" cy="738720"/>
+            <a:ext cx="3847680" cy="738360"/>
           </a:xfrm>
           <a:prstGeom prst="rect">
             <a:avLst/>
@@ -36255,7 +37085,7 @@
         <p:spPr>
           <a:xfrm>
             <a:off x="360000" y="2838600"/>
-            <a:ext cx="3504960" cy="761400"/>
+            <a:ext cx="3504600" cy="761040"/>
           </a:xfrm>
           <a:prstGeom prst="rect">
             <a:avLst/>
@@ -36279,7 +37109,7 @@
         <p:txBody>
           <a:bodyPr/>
           <a:p>
-            <a:fld id="{53FD1731-798A-4461-9C3A-A9E7C85757BC}" type="slidenum">
+            <a:fld id="{4ECD5B0E-CE43-482F-BCA2-F01893FE6B50}" type="slidenum">
               <a:t>86</a:t>
             </a:fld>
           </a:p>
@@ -36299,7 +37129,7 @@
         <p:txBody>
           <a:bodyPr/>
           <a:p>
-            <a:fld id="{D3EF58F2-0B22-4B5C-A3AC-1C902FE5E3A0}" type="datetime1">
+            <a:fld id="{F2AC5EAD-4397-4D3C-8ED1-7D5FE9B5FBE9}" type="datetime1">
               <a:rPr lang="en-IN"/>
               <a:t>13/12/2024</a:t>
             </a:fld>
@@ -36349,7 +37179,7 @@
         <p:spPr>
           <a:xfrm>
             <a:off x="360000" y="180000"/>
-            <a:ext cx="9358920" cy="477000"/>
+            <a:ext cx="9358560" cy="476640"/>
           </a:xfrm>
           <a:prstGeom prst="rect">
             <a:avLst/>
@@ -36365,6 +37195,9 @@
           </a:bodyPr>
           <a:p>
             <a:pPr algn="ctr">
+              <a:lnSpc>
+                <a:spcPct val="100000"/>
+              </a:lnSpc>
               <a:buNone/>
             </a:pPr>
             <a:r>
@@ -36392,7 +37225,7 @@
         <p:spPr>
           <a:xfrm>
             <a:off x="360000" y="1080000"/>
-            <a:ext cx="9358920" cy="3598920"/>
+            <a:ext cx="9358560" cy="3598560"/>
           </a:xfrm>
           <a:prstGeom prst="rect">
             <a:avLst/>
@@ -36408,6 +37241,9 @@
           </a:bodyPr>
           <a:p>
             <a:pPr marL="432000" indent="-324000">
+              <a:lnSpc>
+                <a:spcPct val="100000"/>
+              </a:lnSpc>
               <a:spcBef>
                 <a:spcPts val="1417"/>
               </a:spcBef>
@@ -36430,6 +37266,9 @@
           </a:p>
           <a:p>
             <a:pPr marL="432000" indent="-324000">
+              <a:lnSpc>
+                <a:spcPct val="100000"/>
+              </a:lnSpc>
               <a:spcBef>
                 <a:spcPts val="1417"/>
               </a:spcBef>
@@ -36452,6 +37291,9 @@
           </a:p>
           <a:p>
             <a:pPr marL="432000" indent="-324000">
+              <a:lnSpc>
+                <a:spcPct val="100000"/>
+              </a:lnSpc>
               <a:spcBef>
                 <a:spcPts val="1417"/>
               </a:spcBef>
@@ -36488,7 +37330,7 @@
         <p:txBody>
           <a:bodyPr/>
           <a:p>
-            <a:fld id="{6AE53669-1803-435D-8E3E-827E411D9BCB}" type="slidenum">
+            <a:fld id="{CDE2BF41-AD77-4196-9D29-D0D79A631739}" type="slidenum">
               <a:t>87</a:t>
             </a:fld>
           </a:p>
@@ -36508,7 +37350,7 @@
         <p:txBody>
           <a:bodyPr/>
           <a:p>
-            <a:fld id="{1F509CFB-4F0C-4E92-9BEC-2F842BC6EFCF}" type="datetime1">
+            <a:fld id="{DB9424FA-E32D-4556-B46E-4FD644807A26}" type="datetime1">
               <a:rPr lang="en-IN"/>
               <a:t>13/12/2024</a:t>
             </a:fld>
@@ -36558,7 +37400,7 @@
         <p:spPr>
           <a:xfrm>
             <a:off x="360000" y="180000"/>
-            <a:ext cx="9358920" cy="477000"/>
+            <a:ext cx="9358560" cy="476640"/>
           </a:xfrm>
           <a:prstGeom prst="rect">
             <a:avLst/>
@@ -36574,6 +37416,9 @@
           </a:bodyPr>
           <a:p>
             <a:pPr algn="ctr">
+              <a:lnSpc>
+                <a:spcPct val="100000"/>
+              </a:lnSpc>
               <a:buNone/>
             </a:pPr>
             <a:r>
@@ -36601,7 +37446,7 @@
         <p:spPr>
           <a:xfrm>
             <a:off x="360000" y="1080000"/>
-            <a:ext cx="9358920" cy="3598920"/>
+            <a:ext cx="9358560" cy="3598560"/>
           </a:xfrm>
           <a:prstGeom prst="rect">
             <a:avLst/>
@@ -36617,6 +37462,9 @@
           </a:bodyPr>
           <a:p>
             <a:pPr marL="432000" indent="-324000">
+              <a:lnSpc>
+                <a:spcPct val="100000"/>
+              </a:lnSpc>
               <a:spcBef>
                 <a:spcPts val="1417"/>
               </a:spcBef>
@@ -36639,6 +37487,9 @@
           </a:p>
           <a:p>
             <a:pPr marL="432000" indent="-324000">
+              <a:lnSpc>
+                <a:spcPct val="100000"/>
+              </a:lnSpc>
               <a:spcBef>
                 <a:spcPts val="1417"/>
               </a:spcBef>
@@ -36661,6 +37512,9 @@
           </a:p>
           <a:p>
             <a:pPr marL="432000" indent="-324000">
+              <a:lnSpc>
+                <a:spcPct val="100000"/>
+              </a:lnSpc>
               <a:spcBef>
                 <a:spcPts val="1417"/>
               </a:spcBef>
@@ -36683,6 +37537,9 @@
           </a:p>
           <a:p>
             <a:pPr marL="432000" indent="-324000">
+              <a:lnSpc>
+                <a:spcPct val="100000"/>
+              </a:lnSpc>
               <a:spcBef>
                 <a:spcPts val="1417"/>
               </a:spcBef>
@@ -36705,6 +37562,9 @@
           </a:p>
           <a:p>
             <a:pPr marL="432000" indent="-324000">
+              <a:lnSpc>
+                <a:spcPct val="100000"/>
+              </a:lnSpc>
               <a:spcBef>
                 <a:spcPts val="1417"/>
               </a:spcBef>
@@ -36741,7 +37601,7 @@
         <p:txBody>
           <a:bodyPr/>
           <a:p>
-            <a:fld id="{B8A52155-5781-4072-AB69-7232758424D5}" type="slidenum">
+            <a:fld id="{791ABD8C-6419-4207-B028-B27F51077FBC}" type="slidenum">
               <a:t>88</a:t>
             </a:fld>
           </a:p>
@@ -36761,7 +37621,7 @@
         <p:txBody>
           <a:bodyPr/>
           <a:p>
-            <a:fld id="{3F5040C1-19F2-46DC-8262-93531864D945}" type="datetime1">
+            <a:fld id="{60200CDE-D0AD-45C0-9C6D-3DB22E363420}" type="datetime1">
               <a:rPr lang="en-IN"/>
               <a:t>13/12/2024</a:t>
             </a:fld>
@@ -36811,7 +37671,7 @@
         <p:spPr>
           <a:xfrm>
             <a:off x="360000" y="180000"/>
-            <a:ext cx="9358920" cy="477000"/>
+            <a:ext cx="9358560" cy="476640"/>
           </a:xfrm>
           <a:prstGeom prst="rect">
             <a:avLst/>
@@ -36827,6 +37687,9 @@
           </a:bodyPr>
           <a:p>
             <a:pPr algn="ctr">
+              <a:lnSpc>
+                <a:spcPct val="100000"/>
+              </a:lnSpc>
               <a:buNone/>
             </a:pPr>
             <a:r>
@@ -36854,7 +37717,7 @@
         <p:spPr>
           <a:xfrm>
             <a:off x="360000" y="1080000"/>
-            <a:ext cx="9358920" cy="3598920"/>
+            <a:ext cx="9358560" cy="3598560"/>
           </a:xfrm>
           <a:prstGeom prst="rect">
             <a:avLst/>
@@ -36870,6 +37733,9 @@
           </a:bodyPr>
           <a:p>
             <a:pPr marL="432000" indent="-324000">
+              <a:lnSpc>
+                <a:spcPct val="100000"/>
+              </a:lnSpc>
               <a:spcBef>
                 <a:spcPts val="1417"/>
               </a:spcBef>
@@ -36906,7 +37772,7 @@
         <p:txBody>
           <a:bodyPr/>
           <a:p>
-            <a:fld id="{6F9A252D-A37E-4C27-8540-9C104FBD9678}" type="slidenum">
+            <a:fld id="{301E561F-A0EA-4BB2-AEBC-EA62E4DFCE51}" type="slidenum">
               <a:t>89</a:t>
             </a:fld>
           </a:p>
@@ -36926,7 +37792,7 @@
         <p:txBody>
           <a:bodyPr/>
           <a:p>
-            <a:fld id="{DF14C4D7-B132-4569-8AE0-2882F1E097D5}" type="datetime1">
+            <a:fld id="{B6F8A155-D79D-486D-93A9-FE78A15A5FE6}" type="datetime1">
               <a:rPr lang="en-IN"/>
               <a:t>13/12/2024</a:t>
             </a:fld>
@@ -36976,7 +37842,7 @@
         <p:spPr>
           <a:xfrm>
             <a:off x="360000" y="180000"/>
-            <a:ext cx="9358920" cy="477000"/>
+            <a:ext cx="9358560" cy="476640"/>
           </a:xfrm>
           <a:prstGeom prst="rect">
             <a:avLst/>
@@ -37025,7 +37891,7 @@
         <p:spPr>
           <a:xfrm>
             <a:off x="360000" y="1080000"/>
-            <a:ext cx="9358920" cy="3598920"/>
+            <a:ext cx="9358560" cy="3598560"/>
           </a:xfrm>
           <a:prstGeom prst="rect">
             <a:avLst/>
@@ -37167,7 +38033,7 @@
         <p:txBody>
           <a:bodyPr/>
           <a:p>
-            <a:fld id="{2DA21887-EB79-48AD-B5FA-425E98F37974}" type="slidenum">
+            <a:fld id="{B1A777EE-9990-4F98-8D63-4F456922B14D}" type="slidenum">
               <a:t>9</a:t>
             </a:fld>
           </a:p>
@@ -37187,7 +38053,7 @@
         <p:txBody>
           <a:bodyPr/>
           <a:p>
-            <a:fld id="{23CCED80-EDAB-47F5-AC52-D1D6BAF58FF4}" type="datetime1">
+            <a:fld id="{58EFD6C2-F621-4089-945B-4B5377FDA6EB}" type="datetime1">
               <a:rPr lang="en-IN"/>
               <a:t>13/12/2024</a:t>
             </a:fld>
@@ -37237,7 +38103,7 @@
         <p:spPr>
           <a:xfrm>
             <a:off x="360000" y="180000"/>
-            <a:ext cx="9358920" cy="477000"/>
+            <a:ext cx="9358560" cy="476640"/>
           </a:xfrm>
           <a:prstGeom prst="rect">
             <a:avLst/>
@@ -37253,6 +38119,9 @@
           </a:bodyPr>
           <a:p>
             <a:pPr algn="ctr">
+              <a:lnSpc>
+                <a:spcPct val="100000"/>
+              </a:lnSpc>
               <a:buNone/>
             </a:pPr>
             <a:r>
@@ -37280,7 +38149,7 @@
         <p:spPr>
           <a:xfrm>
             <a:off x="360000" y="1080000"/>
-            <a:ext cx="9358920" cy="3598920"/>
+            <a:ext cx="9358560" cy="3598560"/>
           </a:xfrm>
           <a:prstGeom prst="rect">
             <a:avLst/>
@@ -37296,6 +38165,9 @@
           </a:bodyPr>
           <a:p>
             <a:pPr marL="432000" indent="-324000">
+              <a:lnSpc>
+                <a:spcPct val="100000"/>
+              </a:lnSpc>
               <a:spcBef>
                 <a:spcPts val="1417"/>
               </a:spcBef>
@@ -37318,6 +38190,9 @@
           </a:p>
           <a:p>
             <a:pPr marL="432000" indent="-324000">
+              <a:lnSpc>
+                <a:spcPct val="100000"/>
+              </a:lnSpc>
               <a:spcBef>
                 <a:spcPts val="1417"/>
               </a:spcBef>
@@ -37354,7 +38229,7 @@
         <p:txBody>
           <a:bodyPr/>
           <a:p>
-            <a:fld id="{6015F135-2012-461E-92B2-734C0A76F9EA}" type="slidenum">
+            <a:fld id="{11BE415D-3EAE-4EF1-B4F0-038DFFFE118B}" type="slidenum">
               <a:t>90</a:t>
             </a:fld>
           </a:p>
@@ -37374,7 +38249,7 @@
         <p:txBody>
           <a:bodyPr/>
           <a:p>
-            <a:fld id="{9BD32BFB-03AA-43D0-8649-3DF17EC09FF5}" type="datetime1">
+            <a:fld id="{CC740265-F07B-4610-804D-490034EAE074}" type="datetime1">
               <a:rPr lang="en-IN"/>
               <a:t>13/12/2024</a:t>
             </a:fld>
@@ -37424,7 +38299,7 @@
         <p:spPr>
           <a:xfrm>
             <a:off x="360000" y="180000"/>
-            <a:ext cx="9358920" cy="477000"/>
+            <a:ext cx="9358560" cy="476640"/>
           </a:xfrm>
           <a:prstGeom prst="rect">
             <a:avLst/>
@@ -37440,6 +38315,9 @@
           </a:bodyPr>
           <a:p>
             <a:pPr algn="ctr">
+              <a:lnSpc>
+                <a:spcPct val="100000"/>
+              </a:lnSpc>
               <a:buNone/>
             </a:pPr>
             <a:r>
@@ -37467,7 +38345,7 @@
         <p:spPr>
           <a:xfrm>
             <a:off x="703440" y="1152720"/>
-            <a:ext cx="4876560" cy="647280"/>
+            <a:ext cx="4876200" cy="646920"/>
           </a:xfrm>
           <a:prstGeom prst="rect">
             <a:avLst/>
@@ -37491,7 +38369,7 @@
         <p:txBody>
           <a:bodyPr/>
           <a:p>
-            <a:fld id="{A5A3F6CF-89AF-475F-B2FB-1026344E6CE3}" type="slidenum">
+            <a:fld id="{F6BA4CCF-8A14-4EB8-B6F6-E556602C3CFF}" type="slidenum">
               <a:t>91</a:t>
             </a:fld>
           </a:p>
@@ -37511,7 +38389,7 @@
         <p:txBody>
           <a:bodyPr/>
           <a:p>
-            <a:fld id="{D9051DD6-2903-4886-983C-2E98318267D1}" type="datetime1">
+            <a:fld id="{686DC6AB-5E1A-47AD-9F35-851F7474A17A}" type="datetime1">
               <a:rPr lang="en-IN"/>
               <a:t>13/12/2024</a:t>
             </a:fld>
@@ -37561,7 +38439,7 @@
         <p:spPr>
           <a:xfrm>
             <a:off x="360000" y="180000"/>
-            <a:ext cx="9358920" cy="477000"/>
+            <a:ext cx="9358560" cy="476640"/>
           </a:xfrm>
           <a:prstGeom prst="rect">
             <a:avLst/>
@@ -37577,6 +38455,9 @@
           </a:bodyPr>
           <a:p>
             <a:pPr algn="ctr">
+              <a:lnSpc>
+                <a:spcPct val="100000"/>
+              </a:lnSpc>
               <a:buNone/>
             </a:pPr>
             <a:r>
@@ -37604,7 +38485,7 @@
         <p:spPr>
           <a:xfrm>
             <a:off x="360000" y="1080000"/>
-            <a:ext cx="9358920" cy="3598920"/>
+            <a:ext cx="9358560" cy="3598560"/>
           </a:xfrm>
           <a:prstGeom prst="rect">
             <a:avLst/>
@@ -37619,7 +38500,23 @@
             <a:noAutofit/>
           </a:bodyPr>
           <a:p>
-            <a:endParaRPr b="0" lang="en-IN" sz="3200" spc="-1" strike="noStrike">
+            <a:pPr indent="-324000">
+              <a:lnSpc>
+                <a:spcPct val="100000"/>
+              </a:lnSpc>
+              <a:buClr>
+                <a:srgbClr val="000000"/>
+              </a:buClr>
+              <a:buFont typeface="Wingdings" charset="2"/>
+              <a:buChar char=""/>
+            </a:pPr>
+            <a:r>
+              <a:rPr b="0" lang="en-IN" sz="1800" spc="-1" strike="noStrike">
+                <a:latin typeface="Arial"/>
+              </a:rPr>
+              <a:t>In Joins it is covered.</a:t>
+            </a:r>
+            <a:endParaRPr b="0" lang="en-IN" sz="1800" spc="-1" strike="noStrike">
               <a:latin typeface="Arial"/>
             </a:endParaRPr>
           </a:p>
@@ -37639,7 +38536,7 @@
         <p:txBody>
           <a:bodyPr/>
           <a:p>
-            <a:fld id="{B29D2676-B1A2-4392-BF00-D3FAB1908296}" type="slidenum">
+            <a:fld id="{A107351D-348E-4266-9706-8F2251D64106}" type="slidenum">
               <a:t>92</a:t>
             </a:fld>
           </a:p>
@@ -37659,7 +38556,7 @@
         <p:txBody>
           <a:bodyPr/>
           <a:p>
-            <a:fld id="{9F310827-4CAE-450E-8D61-D29EAB3EED16}" type="datetime1">
+            <a:fld id="{6937EDF2-36D2-4220-AB73-A0C0C3366756}" type="datetime1">
               <a:rPr lang="en-IN"/>
               <a:t>13/12/2024</a:t>
             </a:fld>
@@ -37709,7 +38606,7 @@
         <p:spPr>
           <a:xfrm>
             <a:off x="360000" y="180000"/>
-            <a:ext cx="9358920" cy="477000"/>
+            <a:ext cx="9358560" cy="476640"/>
           </a:xfrm>
           <a:prstGeom prst="rect">
             <a:avLst/>
@@ -37725,6 +38622,9 @@
           </a:bodyPr>
           <a:p>
             <a:pPr algn="ctr">
+              <a:lnSpc>
+                <a:spcPct val="100000"/>
+              </a:lnSpc>
               <a:buNone/>
             </a:pPr>
             <a:r>
@@ -37752,7 +38652,7 @@
         <p:spPr>
           <a:xfrm>
             <a:off x="360000" y="1080000"/>
-            <a:ext cx="9358920" cy="3598920"/>
+            <a:ext cx="9358560" cy="3598560"/>
           </a:xfrm>
           <a:prstGeom prst="rect">
             <a:avLst/>
@@ -37767,6 +38667,23 @@
             <a:noAutofit/>
           </a:bodyPr>
           <a:p>
+            <a:pPr marL="432000" indent="-324000">
+              <a:spcBef>
+                <a:spcPts val="1417"/>
+              </a:spcBef>
+              <a:buClr>
+                <a:srgbClr val="000000"/>
+              </a:buClr>
+              <a:buSzPct val="45000"/>
+              <a:buFont typeface="Wingdings" charset="2"/>
+              <a:buChar char=""/>
+            </a:pPr>
+            <a:r>
+              <a:rPr b="0" lang="en-IN" sz="3200" spc="-1" strike="noStrike">
+                <a:latin typeface="Arial"/>
+              </a:rPr>
+              <a:t>In SQL, joins are used to combine rows from two or more tables based on a related column. They allow you to retrieve meaningful data spread across multiple tables by defining relationships between those tables.</a:t>
+            </a:r>
             <a:endParaRPr b="0" lang="en-IN" sz="3200" spc="-1" strike="noStrike">
               <a:latin typeface="Arial"/>
             </a:endParaRPr>
@@ -37787,7 +38704,7 @@
         <p:txBody>
           <a:bodyPr/>
           <a:p>
-            <a:fld id="{6FB4907A-3856-4600-947A-86253B8888AB}" type="slidenum">
+            <a:fld id="{DAEC1798-E702-4A87-A3E9-8D37F2F9770A}" type="slidenum">
               <a:t>93</a:t>
             </a:fld>
           </a:p>
@@ -37807,7 +38724,7 @@
         <p:txBody>
           <a:bodyPr/>
           <a:p>
-            <a:fld id="{F19AEB32-0371-4FDD-ABA8-943575A5067C}" type="datetime1">
+            <a:fld id="{D9CE069E-0693-4EDA-8F02-3891978374A0}" type="datetime1">
               <a:rPr lang="en-IN"/>
               <a:t>13/12/2024</a:t>
             </a:fld>
@@ -37851,13 +38768,174 @@
             <a:spLocks noGrp="1"/>
           </p:cNvSpPr>
           <p:nvPr>
+            <p:ph/>
+          </p:nvPr>
+        </p:nvSpPr>
+        <p:spPr>
+          <a:xfrm>
+            <a:off x="360000" y="721440"/>
+            <a:ext cx="9358560" cy="3598560"/>
+          </a:xfrm>
+          <a:prstGeom prst="rect">
+            <a:avLst/>
+          </a:prstGeom>
+          <a:noFill/>
+          <a:ln w="0">
+            <a:noFill/>
+          </a:ln>
+        </p:spPr>
+        <p:txBody>
+          <a:bodyPr lIns="0" rIns="0" tIns="0" bIns="0" anchor="t">
+            <a:noAutofit/>
+          </a:bodyPr>
+          <a:p>
+            <a:pPr marL="432000" indent="-324000">
+              <a:spcBef>
+                <a:spcPts val="1417"/>
+              </a:spcBef>
+              <a:buClr>
+                <a:srgbClr val="000000"/>
+              </a:buClr>
+              <a:buSzPct val="45000"/>
+              <a:buFont typeface="Wingdings" charset="2"/>
+              <a:buChar char=""/>
+            </a:pPr>
+            <a:r>
+              <a:rPr b="0" lang="en-IN" sz="1600" spc="-1" strike="noStrike">
+                <a:latin typeface="Arial"/>
+              </a:rPr>
+              <a:t>An INNER JOIN in MySQL combines rows from two or more tables based on a related column between them. It only includes rows where there is a match in both tables.</a:t>
+            </a:r>
+            <a:endParaRPr b="0" lang="en-IN" sz="1600" spc="-1" strike="noStrike">
+              <a:latin typeface="Arial"/>
+            </a:endParaRPr>
+          </a:p>
+          <a:p>
+            <a:pPr marL="432000" indent="-324000">
+              <a:spcBef>
+                <a:spcPts val="1417"/>
+              </a:spcBef>
+              <a:buClr>
+                <a:srgbClr val="000000"/>
+              </a:buClr>
+              <a:buSzPct val="45000"/>
+              <a:buFont typeface="Wingdings" charset="2"/>
+              <a:buChar char=""/>
+            </a:pPr>
+            <a:r>
+              <a:rPr b="0" lang="en-IN" sz="1600" spc="-1" strike="noStrike">
+                <a:latin typeface="Arial"/>
+              </a:rPr>
+              <a:t> </a:t>
+            </a:r>
+            <a:endParaRPr b="0" lang="en-IN" sz="1600" spc="-1" strike="noStrike">
+              <a:latin typeface="Arial"/>
+            </a:endParaRPr>
+          </a:p>
+          <a:p>
+            <a:pPr marL="432000" indent="-324000">
+              <a:spcBef>
+                <a:spcPts val="1417"/>
+              </a:spcBef>
+              <a:buClr>
+                <a:srgbClr val="000000"/>
+              </a:buClr>
+              <a:buSzPct val="45000"/>
+              <a:buFont typeface="Wingdings" charset="2"/>
+              <a:buChar char=""/>
+            </a:pPr>
+            <a:r>
+              <a:rPr b="0" lang="en-IN" sz="1600" spc="-1" strike="noStrike">
+                <a:latin typeface="Arial"/>
+              </a:rPr>
+              <a:t> </a:t>
+            </a:r>
+            <a:endParaRPr b="0" lang="en-IN" sz="1600" spc="-1" strike="noStrike">
+              <a:latin typeface="Arial"/>
+            </a:endParaRPr>
+          </a:p>
+          <a:p>
+            <a:pPr marL="432000" indent="-324000">
+              <a:spcBef>
+                <a:spcPts val="1417"/>
+              </a:spcBef>
+              <a:buClr>
+                <a:srgbClr val="000000"/>
+              </a:buClr>
+              <a:buSzPct val="45000"/>
+              <a:buFont typeface="Wingdings" charset="2"/>
+              <a:buChar char=""/>
+            </a:pPr>
+            <a:r>
+              <a:rPr b="0" lang="en-IN" sz="1600" spc="-1" strike="noStrike">
+                <a:latin typeface="Arial"/>
+              </a:rPr>
+              <a:t> </a:t>
+            </a:r>
+            <a:endParaRPr b="0" lang="en-IN" sz="1600" spc="-1" strike="noStrike">
+              <a:latin typeface="Arial"/>
+            </a:endParaRPr>
+          </a:p>
+          <a:p>
+            <a:pPr marL="432000" indent="-324000">
+              <a:spcBef>
+                <a:spcPts val="1417"/>
+              </a:spcBef>
+              <a:buClr>
+                <a:srgbClr val="000000"/>
+              </a:buClr>
+              <a:buSzPct val="45000"/>
+              <a:buFont typeface="Wingdings" charset="2"/>
+              <a:buChar char=""/>
+            </a:pPr>
+            <a:r>
+              <a:rPr b="0" lang="en-IN" sz="1600" spc="-1" strike="noStrike">
+                <a:latin typeface="Arial"/>
+              </a:rPr>
+              <a:t> </a:t>
+            </a:r>
+            <a:endParaRPr b="0" lang="en-IN" sz="1600" spc="-1" strike="noStrike">
+              <a:latin typeface="Arial"/>
+            </a:endParaRPr>
+          </a:p>
+          <a:p>
+            <a:pPr marL="432000" indent="-324000">
+              <a:spcBef>
+                <a:spcPts val="1417"/>
+              </a:spcBef>
+              <a:buClr>
+                <a:srgbClr val="000000"/>
+              </a:buClr>
+              <a:buSzPct val="45000"/>
+              <a:buFont typeface="Wingdings" charset="2"/>
+              <a:buChar char=""/>
+            </a:pPr>
+            <a:r>
+              <a:rPr b="0" lang="en-IN" sz="1600" spc="-1" strike="noStrike">
+                <a:latin typeface="Arial"/>
+              </a:rPr>
+              <a:t> </a:t>
+            </a:r>
+            <a:endParaRPr b="0" lang="en-IN" sz="1600" spc="-1" strike="noStrike">
+              <a:latin typeface="Arial"/>
+            </a:endParaRPr>
+          </a:p>
+        </p:txBody>
+      </p:sp>
+      <p:sp>
+        <p:nvSpPr>
+          <p:cNvPr id="435" name="PlaceHolder 2"/>
+          <p:cNvSpPr>
+            <a:spLocks noGrp="1"/>
+          </p:cNvSpPr>
+          <p:nvPr>
             <p:ph type="title"/>
           </p:nvPr>
         </p:nvSpPr>
         <p:spPr>
           <a:xfrm>
             <a:off x="360000" y="180000"/>
-            <a:ext cx="9358920" cy="477000"/>
+            <a:ext cx="9358560" cy="476640"/>
           </a:xfrm>
           <a:prstGeom prst="rect">
             <a:avLst/>
@@ -37873,6 +38951,9 @@
           </a:bodyPr>
           <a:p>
             <a:pPr algn="ctr">
+              <a:lnSpc>
+                <a:spcPct val="100000"/>
+              </a:lnSpc>
               <a:buNone/>
             </a:pPr>
             <a:r>
@@ -37887,40 +38968,52 @@
           </a:p>
         </p:txBody>
       </p:sp>
-      <p:sp>
-        <p:nvSpPr>
-          <p:cNvPr id="435" name="PlaceHolder 2"/>
-          <p:cNvSpPr>
-            <a:spLocks noGrp="1"/>
-          </p:cNvSpPr>
-          <p:nvPr>
-            <p:ph/>
-          </p:nvPr>
-        </p:nvSpPr>
-        <p:spPr>
-          <a:xfrm>
-            <a:off x="360000" y="1080000"/>
-            <a:ext cx="9358920" cy="3598920"/>
-          </a:xfrm>
-          <a:prstGeom prst="rect">
-            <a:avLst/>
-          </a:prstGeom>
-          <a:noFill/>
-          <a:ln w="0">
-            <a:noFill/>
-          </a:ln>
-        </p:spPr>
-        <p:txBody>
-          <a:bodyPr lIns="0" rIns="0" tIns="0" bIns="0" anchor="t">
-            <a:noAutofit/>
-          </a:bodyPr>
-          <a:p>
-            <a:endParaRPr b="0" lang="en-IN" sz="3200" spc="-1" strike="noStrike">
-              <a:latin typeface="Arial"/>
-            </a:endParaRPr>
-          </a:p>
-        </p:txBody>
-      </p:sp>
+      <p:pic>
+        <p:nvPicPr>
+          <p:cNvPr id="436" name="" descr=""/>
+          <p:cNvPicPr/>
+          <p:nvPr/>
+        </p:nvPicPr>
+        <p:blipFill>
+          <a:blip r:embed="rId1"/>
+          <a:stretch/>
+        </p:blipFill>
+        <p:spPr>
+          <a:xfrm>
+            <a:off x="720000" y="1260000"/>
+            <a:ext cx="6681600" cy="3048480"/>
+          </a:xfrm>
+          <a:prstGeom prst="rect">
+            <a:avLst/>
+          </a:prstGeom>
+          <a:ln w="0">
+            <a:noFill/>
+          </a:ln>
+        </p:spPr>
+      </p:pic>
+      <p:pic>
+        <p:nvPicPr>
+          <p:cNvPr id="437" name="" descr=""/>
+          <p:cNvPicPr/>
+          <p:nvPr/>
+        </p:nvPicPr>
+        <p:blipFill>
+          <a:blip r:embed="rId2"/>
+          <a:stretch/>
+        </p:blipFill>
+        <p:spPr>
+          <a:xfrm>
+            <a:off x="539280" y="4471200"/>
+            <a:ext cx="8820720" cy="1288800"/>
+          </a:xfrm>
+          <a:prstGeom prst="rect">
+            <a:avLst/>
+          </a:prstGeom>
+          <a:ln w="0">
+            <a:noFill/>
+          </a:ln>
+        </p:spPr>
+      </p:pic>
       <p:sp>
         <p:nvSpPr>
           <p:cNvPr id="4" name="PlaceHolder 3"/>
@@ -37935,7 +39028,7 @@
         <p:txBody>
           <a:bodyPr/>
           <a:p>
-            <a:fld id="{2BDE4B3F-8367-455D-BD2E-F70AA43FE2CD}" type="slidenum">
+            <a:fld id="{7C851510-3EF6-4F1B-B5CE-AC96B8F26CA9}" type="slidenum">
               <a:t>94</a:t>
             </a:fld>
           </a:p>
@@ -37955,7 +39048,7 @@
         <p:txBody>
           <a:bodyPr/>
           <a:p>
-            <a:fld id="{83E5B42F-BE9A-4D89-A535-7ADC50701AFB}" type="datetime1">
+            <a:fld id="{AF583BA7-0488-4388-B085-C45E302BEB11}" type="datetime1">
               <a:rPr lang="en-IN"/>
               <a:t>13/12/2024</a:t>
             </a:fld>
@@ -37994,7 +39087,7 @@
       </p:grpSpPr>
       <p:sp>
         <p:nvSpPr>
-          <p:cNvPr id="436" name="PlaceHolder 1"/>
+          <p:cNvPr id="438" name="PlaceHolder 1"/>
           <p:cNvSpPr>
             <a:spLocks noGrp="1"/>
           </p:cNvSpPr>
@@ -38005,7 +39098,7 @@
         <p:spPr>
           <a:xfrm>
             <a:off x="360000" y="180000"/>
-            <a:ext cx="9358920" cy="477000"/>
+            <a:ext cx="9358560" cy="476640"/>
           </a:xfrm>
           <a:prstGeom prst="rect">
             <a:avLst/>
@@ -38021,6 +39114,9 @@
           </a:bodyPr>
           <a:p>
             <a:pPr algn="ctr">
+              <a:lnSpc>
+                <a:spcPct val="100000"/>
+              </a:lnSpc>
               <a:buNone/>
             </a:pPr>
             <a:r>
@@ -38037,7 +39133,7 @@
       </p:sp>
       <p:sp>
         <p:nvSpPr>
-          <p:cNvPr id="437" name="PlaceHolder 2"/>
+          <p:cNvPr id="439" name="PlaceHolder 2"/>
           <p:cNvSpPr>
             <a:spLocks noGrp="1"/>
           </p:cNvSpPr>
@@ -38047,8 +39143,8 @@
         </p:nvSpPr>
         <p:spPr>
           <a:xfrm>
-            <a:off x="360000" y="1080000"/>
-            <a:ext cx="9358920" cy="3598920"/>
+            <a:off x="360000" y="721440"/>
+            <a:ext cx="9358560" cy="3598560"/>
           </a:xfrm>
           <a:prstGeom prst="rect">
             <a:avLst/>
@@ -38063,12 +39159,93 @@
             <a:noAutofit/>
           </a:bodyPr>
           <a:p>
-            <a:endParaRPr b="0" lang="en-IN" sz="3200" spc="-1" strike="noStrike">
-              <a:latin typeface="Arial"/>
-            </a:endParaRPr>
-          </a:p>
-        </p:txBody>
-      </p:sp>
+            <a:pPr indent="-324000">
+              <a:lnSpc>
+                <a:spcPct val="100000"/>
+              </a:lnSpc>
+              <a:buClr>
+                <a:srgbClr val="000000"/>
+              </a:buClr>
+              <a:buFont typeface="Wingdings" charset="2"/>
+              <a:buChar char=""/>
+            </a:pPr>
+            <a:r>
+              <a:rPr b="0" lang="en-IN" sz="1500" spc="-1" strike="noStrike">
+                <a:latin typeface="Arial"/>
+              </a:rPr>
+              <a:t>A LEFT OUTER JOIN (commonly referred to as a LEFT JOIN) in MySQL retrieves all rows from the left table (the first table in the query) and the matching rows from the right table. If there is no match in the right table, the result will include NULL for the columns from the right table.</a:t>
+            </a:r>
+            <a:endParaRPr b="0" lang="en-IN" sz="1500" spc="-1" strike="noStrike">
+              <a:latin typeface="Arial"/>
+            </a:endParaRPr>
+          </a:p>
+          <a:p>
+            <a:pPr indent="-324000">
+              <a:lnSpc>
+                <a:spcPct val="100000"/>
+              </a:lnSpc>
+              <a:buClr>
+                <a:srgbClr val="000000"/>
+              </a:buClr>
+              <a:buFont typeface="Wingdings" charset="2"/>
+              <a:buChar char=""/>
+            </a:pPr>
+            <a:r>
+              <a:rPr b="0" lang="en-IN" sz="1800" spc="-1" strike="noStrike">
+                <a:latin typeface="Arial"/>
+              </a:rPr>
+              <a:t> </a:t>
+            </a:r>
+            <a:endParaRPr b="0" lang="en-IN" sz="1800" spc="-1" strike="noStrike">
+              <a:latin typeface="Arial"/>
+            </a:endParaRPr>
+          </a:p>
+          <a:p>
+            <a:pPr indent="-324000">
+              <a:lnSpc>
+                <a:spcPct val="100000"/>
+              </a:lnSpc>
+              <a:buClr>
+                <a:srgbClr val="000000"/>
+              </a:buClr>
+              <a:buFont typeface="Wingdings" charset="2"/>
+              <a:buChar char=""/>
+            </a:pPr>
+            <a:r>
+              <a:rPr b="0" lang="en-IN" sz="1800" spc="-1" strike="noStrike">
+                <a:latin typeface="Arial"/>
+              </a:rPr>
+              <a:t> </a:t>
+            </a:r>
+            <a:endParaRPr b="0" lang="en-IN" sz="1800" spc="-1" strike="noStrike">
+              <a:latin typeface="Arial"/>
+            </a:endParaRPr>
+          </a:p>
+        </p:txBody>
+      </p:sp>
+      <p:pic>
+        <p:nvPicPr>
+          <p:cNvPr id="440" name="" descr=""/>
+          <p:cNvPicPr/>
+          <p:nvPr/>
+        </p:nvPicPr>
+        <p:blipFill>
+          <a:blip r:embed="rId1"/>
+          <a:stretch/>
+        </p:blipFill>
+        <p:spPr>
+          <a:xfrm>
+            <a:off x="158400" y="1435680"/>
+            <a:ext cx="8121600" cy="4223520"/>
+          </a:xfrm>
+          <a:prstGeom prst="rect">
+            <a:avLst/>
+          </a:prstGeom>
+          <a:ln w="0">
+            <a:noFill/>
+          </a:ln>
+        </p:spPr>
+      </p:pic>
       <p:sp>
         <p:nvSpPr>
           <p:cNvPr id="4" name="PlaceHolder 3"/>
@@ -38083,7 +39260,7 @@
         <p:txBody>
           <a:bodyPr/>
           <a:p>
-            <a:fld id="{7B3D44B8-D29D-4B74-8C17-C8DD8D72547B}" type="slidenum">
+            <a:fld id="{308DC5A7-496B-4829-B22E-E56AD6C6EDCB}" type="slidenum">
               <a:t>95</a:t>
             </a:fld>
           </a:p>
@@ -38103,7 +39280,7 @@
         <p:txBody>
           <a:bodyPr/>
           <a:p>
-            <a:fld id="{9A89E228-7B15-4E4F-BBF7-DBD10C8ED90C}" type="datetime1">
+            <a:fld id="{75121010-0A15-412A-9E94-B6B2E850C5AB}" type="datetime1">
               <a:rPr lang="en-IN"/>
               <a:t>13/12/2024</a:t>
             </a:fld>
@@ -38142,7 +39319,7 @@
       </p:grpSpPr>
       <p:sp>
         <p:nvSpPr>
-          <p:cNvPr id="438" name="PlaceHolder 1"/>
+          <p:cNvPr id="441" name="PlaceHolder 1"/>
           <p:cNvSpPr>
             <a:spLocks noGrp="1"/>
           </p:cNvSpPr>
@@ -38153,7 +39330,7 @@
         <p:spPr>
           <a:xfrm>
             <a:off x="360000" y="180000"/>
-            <a:ext cx="9358920" cy="477000"/>
+            <a:ext cx="9358560" cy="476640"/>
           </a:xfrm>
           <a:prstGeom prst="rect">
             <a:avLst/>
@@ -38169,6 +39346,9 @@
           </a:bodyPr>
           <a:p>
             <a:pPr algn="ctr">
+              <a:lnSpc>
+                <a:spcPct val="100000"/>
+              </a:lnSpc>
               <a:buNone/>
             </a:pPr>
             <a:r>
@@ -38185,7 +39365,7 @@
       </p:sp>
       <p:sp>
         <p:nvSpPr>
-          <p:cNvPr id="439" name="PlaceHolder 2"/>
+          <p:cNvPr id="442" name="PlaceHolder 2"/>
           <p:cNvSpPr>
             <a:spLocks noGrp="1"/>
           </p:cNvSpPr>
@@ -38195,8 +39375,8 @@
         </p:nvSpPr>
         <p:spPr>
           <a:xfrm>
-            <a:off x="360000" y="1080000"/>
-            <a:ext cx="9358920" cy="3598920"/>
+            <a:off x="360000" y="656640"/>
+            <a:ext cx="9358560" cy="4383360"/>
           </a:xfrm>
           <a:prstGeom prst="rect">
             <a:avLst/>
@@ -38211,12 +39391,95 @@
             <a:noAutofit/>
           </a:bodyPr>
           <a:p>
-            <a:endParaRPr b="0" lang="en-IN" sz="3200" spc="-1" strike="noStrike">
-              <a:latin typeface="Arial"/>
-            </a:endParaRPr>
-          </a:p>
-        </p:txBody>
-      </p:sp>
+            <a:pPr indent="-324000">
+              <a:lnSpc>
+                <a:spcPct val="100000"/>
+              </a:lnSpc>
+              <a:buClr>
+                <a:srgbClr val="000000"/>
+              </a:buClr>
+              <a:buFont typeface="Wingdings" charset="2"/>
+              <a:buChar char=""/>
+            </a:pPr>
+            <a:r>
+              <a:rPr b="0" lang="en-IN" sz="1400" spc="-1" strike="noStrike">
+                <a:latin typeface="Arial"/>
+              </a:rPr>
+              <a:t>A RIGHT OUTER JOIN (commonly referred to as a RIGHT JOIN) in MySQL retrieves all rows from the right table (the second table in the query) and the matching rows from the left table. If there is no match in the left table, the result will include NULL for the columns from the left table.</a:t>
+            </a:r>
+            <a:endParaRPr b="0" lang="en-IN" sz="1400" spc="-1" strike="noStrike">
+              <a:latin typeface="Arial"/>
+            </a:endParaRPr>
+          </a:p>
+          <a:p>
+            <a:pPr indent="-324000">
+              <a:lnSpc>
+                <a:spcPct val="100000"/>
+              </a:lnSpc>
+              <a:buClr>
+                <a:srgbClr val="000000"/>
+              </a:buClr>
+              <a:buFont typeface="Wingdings" charset="2"/>
+              <a:buChar char=""/>
+            </a:pPr>
+            <a:r>
+              <a:rPr b="0" lang="en-IN" sz="1800" spc="-1" strike="noStrike">
+                <a:latin typeface="Arial"/>
+              </a:rPr>
+              <a:t> </a:t>
+            </a:r>
+            <a:endParaRPr b="0" lang="en-IN" sz="1800" spc="-1" strike="noStrike">
+              <a:latin typeface="Arial"/>
+            </a:endParaRPr>
+          </a:p>
+        </p:txBody>
+      </p:sp>
+      <p:pic>
+        <p:nvPicPr>
+          <p:cNvPr id="443" name="" descr=""/>
+          <p:cNvPicPr/>
+          <p:nvPr/>
+        </p:nvPicPr>
+        <p:blipFill>
+          <a:blip r:embed="rId1"/>
+          <a:stretch/>
+        </p:blipFill>
+        <p:spPr>
+          <a:xfrm>
+            <a:off x="540000" y="1440000"/>
+            <a:ext cx="7740000" cy="722160"/>
+          </a:xfrm>
+          <a:prstGeom prst="rect">
+            <a:avLst/>
+          </a:prstGeom>
+          <a:ln w="0">
+            <a:noFill/>
+          </a:ln>
+        </p:spPr>
+      </p:pic>
+      <p:pic>
+        <p:nvPicPr>
+          <p:cNvPr id="444" name="" descr=""/>
+          <p:cNvPicPr/>
+          <p:nvPr/>
+        </p:nvPicPr>
+        <p:blipFill>
+          <a:blip r:embed="rId2"/>
+          <a:stretch/>
+        </p:blipFill>
+        <p:spPr>
+          <a:xfrm>
+            <a:off x="180000" y="3060000"/>
+            <a:ext cx="9624240" cy="1104480"/>
+          </a:xfrm>
+          <a:prstGeom prst="rect">
+            <a:avLst/>
+          </a:prstGeom>
+          <a:ln w="0">
+            <a:noFill/>
+          </a:ln>
+        </p:spPr>
+      </p:pic>
       <p:sp>
         <p:nvSpPr>
           <p:cNvPr id="4" name="PlaceHolder 3"/>
@@ -38231,7 +39494,7 @@
         <p:txBody>
           <a:bodyPr/>
           <a:p>
-            <a:fld id="{E5142F6F-F231-494E-9153-806F47CDA540}" type="slidenum">
+            <a:fld id="{9AB6A1F0-B23C-4AFE-B5FB-4AD85C995503}" type="slidenum">
               <a:t>96</a:t>
             </a:fld>
           </a:p>
@@ -38251,7 +39514,7 @@
         <p:txBody>
           <a:bodyPr/>
           <a:p>
-            <a:fld id="{74A5C7DA-2353-4097-9503-A49E3AB40FB6}" type="datetime1">
+            <a:fld id="{F518EE54-AAB1-4571-B5B4-A6F09EAB3F26}" type="datetime1">
               <a:rPr lang="en-IN"/>
               <a:t>13/12/2024</a:t>
             </a:fld>
@@ -38290,7 +39553,7 @@
       </p:grpSpPr>
       <p:sp>
         <p:nvSpPr>
-          <p:cNvPr id="440" name="PlaceHolder 1"/>
+          <p:cNvPr id="445" name="PlaceHolder 1"/>
           <p:cNvSpPr>
             <a:spLocks noGrp="1"/>
           </p:cNvSpPr>
@@ -38301,7 +39564,7 @@
         <p:spPr>
           <a:xfrm>
             <a:off x="360000" y="180000"/>
-            <a:ext cx="9358920" cy="477000"/>
+            <a:ext cx="9358560" cy="476640"/>
           </a:xfrm>
           <a:prstGeom prst="rect">
             <a:avLst/>
@@ -38317,6 +39580,9 @@
           </a:bodyPr>
           <a:p>
             <a:pPr algn="ctr">
+              <a:lnSpc>
+                <a:spcPct val="100000"/>
+              </a:lnSpc>
               <a:buNone/>
             </a:pPr>
             <a:r>
@@ -38333,7 +39599,7 @@
       </p:sp>
       <p:sp>
         <p:nvSpPr>
-          <p:cNvPr id="441" name="PlaceHolder 2"/>
+          <p:cNvPr id="446" name="PlaceHolder 2"/>
           <p:cNvSpPr>
             <a:spLocks noGrp="1"/>
           </p:cNvSpPr>
@@ -38344,7 +39610,7 @@
         <p:spPr>
           <a:xfrm>
             <a:off x="360000" y="1080000"/>
-            <a:ext cx="9358920" cy="3598920"/>
+            <a:ext cx="9358560" cy="3598560"/>
           </a:xfrm>
           <a:prstGeom prst="rect">
             <a:avLst/>
@@ -38359,12 +39625,51 @@
             <a:noAutofit/>
           </a:bodyPr>
           <a:p>
-            <a:endParaRPr b="0" lang="en-IN" sz="3200" spc="-1" strike="noStrike">
-              <a:latin typeface="Arial"/>
-            </a:endParaRPr>
-          </a:p>
-        </p:txBody>
-      </p:sp>
+            <a:pPr indent="-324000">
+              <a:lnSpc>
+                <a:spcPct val="100000"/>
+              </a:lnSpc>
+              <a:buClr>
+                <a:srgbClr val="000000"/>
+              </a:buClr>
+              <a:buFont typeface="Wingdings" charset="2"/>
+              <a:buChar char=""/>
+            </a:pPr>
+            <a:r>
+              <a:rPr b="0" lang="en-IN" sz="1800" spc="-1" strike="noStrike">
+                <a:latin typeface="Arial"/>
+              </a:rPr>
+              <a:t>A FULL OUTER JOIN retrieves all rows from both tables. If there is a match between the two tables, the rows are combined. If there is no match, NULL values are included for the columns from the non-matching table. MySQL does not natively support FULL OUTER JOIN. However, you can achieve the same result using a combination of LEFT JOIN and RIGHT JOIN with a UNION operator.</a:t>
+            </a:r>
+            <a:endParaRPr b="0" lang="en-IN" sz="1800" spc="-1" strike="noStrike">
+              <a:latin typeface="Arial"/>
+            </a:endParaRPr>
+          </a:p>
+        </p:txBody>
+      </p:sp>
+      <p:pic>
+        <p:nvPicPr>
+          <p:cNvPr id="447" name="" descr=""/>
+          <p:cNvPicPr/>
+          <p:nvPr/>
+        </p:nvPicPr>
+        <p:blipFill>
+          <a:blip r:embed="rId1"/>
+          <a:stretch/>
+        </p:blipFill>
+        <p:spPr>
+          <a:xfrm>
+            <a:off x="869400" y="2520000"/>
+            <a:ext cx="8130600" cy="2666520"/>
+          </a:xfrm>
+          <a:prstGeom prst="rect">
+            <a:avLst/>
+          </a:prstGeom>
+          <a:ln w="0">
+            <a:noFill/>
+          </a:ln>
+        </p:spPr>
+      </p:pic>
       <p:sp>
         <p:nvSpPr>
           <p:cNvPr id="4" name="PlaceHolder 3"/>
@@ -38379,7 +39684,7 @@
         <p:txBody>
           <a:bodyPr/>
           <a:p>
-            <a:fld id="{BE11198C-72D1-4B69-ACA6-C0A6DC62A7DE}" type="slidenum">
+            <a:fld id="{19EB3BAD-01CE-47A5-838C-B2674CE29889}" type="slidenum">
               <a:t>97</a:t>
             </a:fld>
           </a:p>
@@ -38399,7 +39704,7 @@
         <p:txBody>
           <a:bodyPr/>
           <a:p>
-            <a:fld id="{5F494FA0-7C91-412D-A0C2-A13411B00A39}" type="datetime1">
+            <a:fld id="{20BCB584-4DDB-4D5F-B0B8-5A12F5DB5487}" type="datetime1">
               <a:rPr lang="en-IN"/>
               <a:t>13/12/2024</a:t>
             </a:fld>
@@ -38438,7 +39743,7 @@
       </p:grpSpPr>
       <p:sp>
         <p:nvSpPr>
-          <p:cNvPr id="442" name="PlaceHolder 1"/>
+          <p:cNvPr id="448" name="PlaceHolder 1"/>
           <p:cNvSpPr>
             <a:spLocks noGrp="1"/>
           </p:cNvSpPr>
@@ -38449,7 +39754,7 @@
         <p:spPr>
           <a:xfrm>
             <a:off x="360000" y="180000"/>
-            <a:ext cx="9358920" cy="477000"/>
+            <a:ext cx="9358560" cy="476640"/>
           </a:xfrm>
           <a:prstGeom prst="rect">
             <a:avLst/>
@@ -38465,6 +39770,9 @@
           </a:bodyPr>
           <a:p>
             <a:pPr algn="ctr">
+              <a:lnSpc>
+                <a:spcPct val="100000"/>
+              </a:lnSpc>
               <a:buNone/>
             </a:pPr>
             <a:r>
@@ -38481,7 +39789,7 @@
       </p:sp>
       <p:sp>
         <p:nvSpPr>
-          <p:cNvPr id="443" name="PlaceHolder 2"/>
+          <p:cNvPr id="449" name="PlaceHolder 2"/>
           <p:cNvSpPr>
             <a:spLocks noGrp="1"/>
           </p:cNvSpPr>
@@ -38492,7 +39800,7 @@
         <p:spPr>
           <a:xfrm>
             <a:off x="360000" y="1080000"/>
-            <a:ext cx="9358920" cy="3598920"/>
+            <a:ext cx="9358560" cy="3598560"/>
           </a:xfrm>
           <a:prstGeom prst="rect">
             <a:avLst/>
@@ -38507,7 +39815,65 @@
             <a:noAutofit/>
           </a:bodyPr>
           <a:p>
-            <a:endParaRPr b="0" lang="en-IN" sz="3200" spc="-1" strike="noStrike">
+            <a:pPr indent="-324000">
+              <a:lnSpc>
+                <a:spcPct val="100000"/>
+              </a:lnSpc>
+              <a:buClr>
+                <a:srgbClr val="000000"/>
+              </a:buClr>
+              <a:buFont typeface="Wingdings" charset="2"/>
+              <a:buChar char=""/>
+            </a:pPr>
+            <a:r>
+              <a:rPr b="0" lang="en-IN" sz="1800" spc="-1" strike="noStrike">
+                <a:latin typeface="Arial"/>
+              </a:rPr>
+              <a:t>The ANSI SQL join syntax is a standard way to write JOIN operations in SQL, which ensures compatibility across different database systems like MySQL, PostgreSQL, SQL Server, and Oracle.</a:t>
+            </a:r>
+            <a:endParaRPr b="0" lang="en-IN" sz="1800" spc="-1" strike="noStrike">
+              <a:latin typeface="Arial"/>
+            </a:endParaRPr>
+          </a:p>
+          <a:p>
+            <a:pPr indent="-324000">
+              <a:lnSpc>
+                <a:spcPct val="100000"/>
+              </a:lnSpc>
+              <a:buClr>
+                <a:srgbClr val="000000"/>
+              </a:buClr>
+              <a:buFont typeface="Wingdings" charset="2"/>
+              <a:buChar char=""/>
+            </a:pPr>
+            <a:r>
+              <a:rPr b="0" lang="en-IN" sz="1800" spc="-1" strike="noStrike">
+                <a:latin typeface="Arial"/>
+              </a:rPr>
+              <a:t> </a:t>
+            </a:r>
+            <a:endParaRPr b="0" lang="en-IN" sz="1800" spc="-1" strike="noStrike">
+              <a:latin typeface="Arial"/>
+            </a:endParaRPr>
+          </a:p>
+          <a:p>
+            <a:pPr indent="-324000">
+              <a:lnSpc>
+                <a:spcPct val="100000"/>
+              </a:lnSpc>
+              <a:buClr>
+                <a:srgbClr val="000000"/>
+              </a:buClr>
+              <a:buFont typeface="Wingdings" charset="2"/>
+              <a:buChar char=""/>
+            </a:pPr>
+            <a:r>
+              <a:rPr b="0" lang="en-IN" sz="1800" spc="-1" strike="noStrike">
+                <a:latin typeface="Arial"/>
+              </a:rPr>
+              <a:t>It uses explicit JOIN keywords to combine tables, replacing older "comma-style joins" (non-ANSI joins), which rely on the WHERE clause.</a:t>
+            </a:r>
+            <a:endParaRPr b="0" lang="en-IN" sz="1800" spc="-1" strike="noStrike">
               <a:latin typeface="Arial"/>
             </a:endParaRPr>
           </a:p>
@@ -38527,7 +39893,7 @@
         <p:txBody>
           <a:bodyPr/>
           <a:p>
-            <a:fld id="{444FCD4E-11C7-4169-8C33-8DF153ECF007}" type="slidenum">
+            <a:fld id="{7CD62FA6-7A41-4975-B902-753EE75C5B47}" type="slidenum">
               <a:t>98</a:t>
             </a:fld>
           </a:p>
@@ -38547,7 +39913,7 @@
         <p:txBody>
           <a:bodyPr/>
           <a:p>
-            <a:fld id="{5B0F91F6-7682-4BE6-B61F-DF88092C6813}" type="datetime1">
+            <a:fld id="{1883F6C1-176B-46A5-B890-921EF4A8B67A}" type="datetime1">
               <a:rPr lang="en-IN"/>
               <a:t>13/12/2024</a:t>
             </a:fld>
@@ -38586,7 +39952,7 @@
       </p:grpSpPr>
       <p:sp>
         <p:nvSpPr>
-          <p:cNvPr id="444" name="PlaceHolder 1"/>
+          <p:cNvPr id="450" name="PlaceHolder 1"/>
           <p:cNvSpPr>
             <a:spLocks noGrp="1"/>
           </p:cNvSpPr>
@@ -38597,7 +39963,7 @@
         <p:spPr>
           <a:xfrm>
             <a:off x="360000" y="180000"/>
-            <a:ext cx="9358920" cy="477000"/>
+            <a:ext cx="9358560" cy="476640"/>
           </a:xfrm>
           <a:prstGeom prst="rect">
             <a:avLst/>
@@ -38613,6 +39979,9 @@
           </a:bodyPr>
           <a:p>
             <a:pPr algn="ctr">
+              <a:lnSpc>
+                <a:spcPct val="100000"/>
+              </a:lnSpc>
               <a:buNone/>
             </a:pPr>
             <a:r>
@@ -38629,7 +39998,7 @@
       </p:sp>
       <p:sp>
         <p:nvSpPr>
-          <p:cNvPr id="445" name="PlaceHolder 2"/>
+          <p:cNvPr id="451" name="PlaceHolder 2"/>
           <p:cNvSpPr>
             <a:spLocks noGrp="1"/>
           </p:cNvSpPr>
@@ -38640,7 +40009,7 @@
         <p:spPr>
           <a:xfrm>
             <a:off x="360000" y="1080000"/>
-            <a:ext cx="9358920" cy="3598920"/>
+            <a:ext cx="9358560" cy="3598560"/>
           </a:xfrm>
           <a:prstGeom prst="rect">
             <a:avLst/>
@@ -38661,6 +40030,29 @@
           </a:p>
         </p:txBody>
       </p:sp>
+      <p:pic>
+        <p:nvPicPr>
+          <p:cNvPr id="452" name="" descr=""/>
+          <p:cNvPicPr/>
+          <p:nvPr/>
+        </p:nvPicPr>
+        <p:blipFill>
+          <a:blip r:embed="rId1"/>
+          <a:stretch/>
+        </p:blipFill>
+        <p:spPr>
+          <a:xfrm>
+            <a:off x="21240" y="744840"/>
+            <a:ext cx="10080360" cy="4704840"/>
+          </a:xfrm>
+          <a:prstGeom prst="rect">
+            <a:avLst/>
+          </a:prstGeom>
+          <a:ln w="0">
+            <a:noFill/>
+          </a:ln>
+        </p:spPr>
+      </p:pic>
       <p:sp>
         <p:nvSpPr>
           <p:cNvPr id="4" name="PlaceHolder 3"/>
@@ -38675,7 +40067,7 @@
         <p:txBody>
           <a:bodyPr/>
           <a:p>
-            <a:fld id="{D568DD68-E4D9-4FE9-9CB2-9A059FFB3213}" type="slidenum">
+            <a:fld id="{8E9B96A4-FD05-4A38-91E6-20A22C82CFA1}" type="slidenum">
               <a:t>99</a:t>
             </a:fld>
           </a:p>
@@ -38695,7 +40087,7 @@
         <p:txBody>
           <a:bodyPr/>
           <a:p>
-            <a:fld id="{366B922D-85BA-448B-9747-AA535B7B0BE4}" type="datetime1">
+            <a:fld id="{66F856A3-E51D-4535-849B-3C2D1DFAFEED}" type="datetime1">
               <a:rPr lang="en-IN"/>
               <a:t>13/12/2024</a:t>
             </a:fld>
